--- a/ExpoPoster.pptx
+++ b/ExpoPoster.pptx
@@ -104,6 +104,11 @@
       </a:defRPr>
     </a:lvl9pPr>
   </p:defaultTextStyle>
+  <p:extLst>
+    <p:ext uri="{EFAFB233-063F-42B5-8137-9DF3F51BA10A}">
+      <p15:sldGuideLst xmlns:p15="http://schemas.microsoft.com/office/powerpoint/2012/main"/>
+    </p:ext>
+  </p:extLst>
 </p:presentation>
 </file>
 
@@ -142,7 +147,7 @@
         </p:nvSpPr>
         <p:spPr>
           <a:xfrm>
-            <a:off x="1524000" y="1122363"/>
+            <a:off x="1524001" y="1122363"/>
             <a:ext cx="9144000" cy="2387600"/>
           </a:xfrm>
         </p:spPr>
@@ -179,7 +184,7 @@
         </p:nvSpPr>
         <p:spPr>
           <a:xfrm>
-            <a:off x="1524000" y="3602038"/>
+            <a:off x="1524001" y="3602039"/>
             <a:ext cx="9144000" cy="1655762"/>
           </a:xfrm>
         </p:spPr>
@@ -190,35 +195,35 @@
               <a:buNone/>
               <a:defRPr sz="2400"/>
             </a:lvl1pPr>
-            <a:lvl2pPr marL="457200" indent="0" algn="ctr">
+            <a:lvl2pPr marL="457196" indent="0" algn="ctr">
               <a:buNone/>
               <a:defRPr sz="2000"/>
             </a:lvl2pPr>
-            <a:lvl3pPr marL="914400" indent="0" algn="ctr">
+            <a:lvl3pPr marL="914391" indent="0" algn="ctr">
               <a:buNone/>
               <a:defRPr sz="1800"/>
             </a:lvl3pPr>
-            <a:lvl4pPr marL="1371600" indent="0" algn="ctr">
+            <a:lvl4pPr marL="1371587" indent="0" algn="ctr">
               <a:buNone/>
               <a:defRPr sz="1600"/>
             </a:lvl4pPr>
-            <a:lvl5pPr marL="1828800" indent="0" algn="ctr">
+            <a:lvl5pPr marL="1828783" indent="0" algn="ctr">
               <a:buNone/>
               <a:defRPr sz="1600"/>
             </a:lvl5pPr>
-            <a:lvl6pPr marL="2286000" indent="0" algn="ctr">
+            <a:lvl6pPr marL="2285978" indent="0" algn="ctr">
               <a:buNone/>
               <a:defRPr sz="1600"/>
             </a:lvl6pPr>
-            <a:lvl7pPr marL="2743200" indent="0" algn="ctr">
+            <a:lvl7pPr marL="2743174" indent="0" algn="ctr">
               <a:buNone/>
               <a:defRPr sz="1600"/>
             </a:lvl7pPr>
-            <a:lvl8pPr marL="3200400" indent="0" algn="ctr">
+            <a:lvl8pPr marL="3200370" indent="0" algn="ctr">
               <a:buNone/>
               <a:defRPr sz="1600"/>
             </a:lvl8pPr>
-            <a:lvl9pPr marL="3657600" indent="0" algn="ctr">
+            <a:lvl9pPr marL="3657565" indent="0" algn="ctr">
               <a:buNone/>
               <a:defRPr sz="1600"/>
             </a:lvl9pPr>
@@ -254,7 +259,7 @@
           <a:p>
             <a:fld id="{0AB40213-5084-43E5-B24A-40DA3D61C78A}" type="datetimeFigureOut">
               <a:rPr lang="en-US" smtClean="0"/>
-              <a:t>3/4/2021</a:t>
+              <a:t>3/5/21</a:t>
             </a:fld>
             <a:endParaRPr lang="en-US"/>
           </a:p>
@@ -452,7 +457,7 @@
           <a:p>
             <a:fld id="{0AB40213-5084-43E5-B24A-40DA3D61C78A}" type="datetimeFigureOut">
               <a:rPr lang="en-US" smtClean="0"/>
-              <a:t>3/4/2021</a:t>
+              <a:t>3/5/21</a:t>
             </a:fld>
             <a:endParaRPr lang="en-US"/>
           </a:p>
@@ -660,7 +665,7 @@
           <a:p>
             <a:fld id="{0AB40213-5084-43E5-B24A-40DA3D61C78A}" type="datetimeFigureOut">
               <a:rPr lang="en-US" smtClean="0"/>
-              <a:t>3/4/2021</a:t>
+              <a:t>3/5/21</a:t>
             </a:fld>
             <a:endParaRPr lang="en-US"/>
           </a:p>
@@ -858,7 +863,7 @@
           <a:p>
             <a:fld id="{0AB40213-5084-43E5-B24A-40DA3D61C78A}" type="datetimeFigureOut">
               <a:rPr lang="en-US" smtClean="0"/>
-              <a:t>3/4/2021</a:t>
+              <a:t>3/5/21</a:t>
             </a:fld>
             <a:endParaRPr lang="en-US"/>
           </a:p>
@@ -966,7 +971,7 @@
         </p:nvSpPr>
         <p:spPr>
           <a:xfrm>
-            <a:off x="831850" y="1709738"/>
+            <a:off x="831850" y="1709739"/>
             <a:ext cx="10515600" cy="2852737"/>
           </a:xfrm>
         </p:spPr>
@@ -1020,7 +1025,7 @@
                 </a:solidFill>
               </a:defRPr>
             </a:lvl1pPr>
-            <a:lvl2pPr marL="457200" indent="0">
+            <a:lvl2pPr marL="457196" indent="0">
               <a:buNone/>
               <a:defRPr sz="2000">
                 <a:solidFill>
@@ -1030,7 +1035,7 @@
                 </a:solidFill>
               </a:defRPr>
             </a:lvl2pPr>
-            <a:lvl3pPr marL="914400" indent="0">
+            <a:lvl3pPr marL="914391" indent="0">
               <a:buNone/>
               <a:defRPr sz="1800">
                 <a:solidFill>
@@ -1040,7 +1045,7 @@
                 </a:solidFill>
               </a:defRPr>
             </a:lvl3pPr>
-            <a:lvl4pPr marL="1371600" indent="0">
+            <a:lvl4pPr marL="1371587" indent="0">
               <a:buNone/>
               <a:defRPr sz="1600">
                 <a:solidFill>
@@ -1050,7 +1055,7 @@
                 </a:solidFill>
               </a:defRPr>
             </a:lvl4pPr>
-            <a:lvl5pPr marL="1828800" indent="0">
+            <a:lvl5pPr marL="1828783" indent="0">
               <a:buNone/>
               <a:defRPr sz="1600">
                 <a:solidFill>
@@ -1060,7 +1065,7 @@
                 </a:solidFill>
               </a:defRPr>
             </a:lvl5pPr>
-            <a:lvl6pPr marL="2286000" indent="0">
+            <a:lvl6pPr marL="2285978" indent="0">
               <a:buNone/>
               <a:defRPr sz="1600">
                 <a:solidFill>
@@ -1070,7 +1075,7 @@
                 </a:solidFill>
               </a:defRPr>
             </a:lvl6pPr>
-            <a:lvl7pPr marL="2743200" indent="0">
+            <a:lvl7pPr marL="2743174" indent="0">
               <a:buNone/>
               <a:defRPr sz="1600">
                 <a:solidFill>
@@ -1080,7 +1085,7 @@
                 </a:solidFill>
               </a:defRPr>
             </a:lvl7pPr>
-            <a:lvl8pPr marL="3200400" indent="0">
+            <a:lvl8pPr marL="3200370" indent="0">
               <a:buNone/>
               <a:defRPr sz="1600">
                 <a:solidFill>
@@ -1090,7 +1095,7 @@
                 </a:solidFill>
               </a:defRPr>
             </a:lvl8pPr>
-            <a:lvl9pPr marL="3657600" indent="0">
+            <a:lvl9pPr marL="3657565" indent="0">
               <a:buNone/>
               <a:defRPr sz="1600">
                 <a:solidFill>
@@ -1133,7 +1138,7 @@
           <a:p>
             <a:fld id="{0AB40213-5084-43E5-B24A-40DA3D61C78A}" type="datetimeFigureOut">
               <a:rPr lang="en-US" smtClean="0"/>
-              <a:t>3/4/2021</a:t>
+              <a:t>3/5/21</a:t>
             </a:fld>
             <a:endParaRPr lang="en-US"/>
           </a:p>
@@ -1270,7 +1275,7 @@
         <p:spPr>
           <a:xfrm>
             <a:off x="838200" y="1825625"/>
-            <a:ext cx="5181600" cy="4351338"/>
+            <a:ext cx="5181601" cy="4351338"/>
           </a:xfrm>
         </p:spPr>
         <p:txBody>
@@ -1332,7 +1337,7 @@
         <p:spPr>
           <a:xfrm>
             <a:off x="6172200" y="1825625"/>
-            <a:ext cx="5181600" cy="4351338"/>
+            <a:ext cx="5181601" cy="4351338"/>
           </a:xfrm>
         </p:spPr>
         <p:txBody>
@@ -1398,7 +1403,7 @@
           <a:p>
             <a:fld id="{0AB40213-5084-43E5-B24A-40DA3D61C78A}" type="datetimeFigureOut">
               <a:rPr lang="en-US" smtClean="0"/>
-              <a:t>3/4/2021</a:t>
+              <a:t>3/5/21</a:t>
             </a:fld>
             <a:endParaRPr lang="en-US"/>
           </a:p>
@@ -1539,7 +1544,7 @@
         </p:nvSpPr>
         <p:spPr>
           <a:xfrm>
-            <a:off x="839788" y="1681163"/>
+            <a:off x="839789" y="1681164"/>
             <a:ext cx="5157787" cy="823912"/>
           </a:xfrm>
         </p:spPr>
@@ -1550,35 +1555,35 @@
               <a:buNone/>
               <a:defRPr sz="2400" b="1"/>
             </a:lvl1pPr>
-            <a:lvl2pPr marL="457200" indent="0">
+            <a:lvl2pPr marL="457196" indent="0">
               <a:buNone/>
               <a:defRPr sz="2000" b="1"/>
             </a:lvl2pPr>
-            <a:lvl3pPr marL="914400" indent="0">
+            <a:lvl3pPr marL="914391" indent="0">
               <a:buNone/>
               <a:defRPr sz="1800" b="1"/>
             </a:lvl3pPr>
-            <a:lvl4pPr marL="1371600" indent="0">
+            <a:lvl4pPr marL="1371587" indent="0">
               <a:buNone/>
               <a:defRPr sz="1600" b="1"/>
             </a:lvl4pPr>
-            <a:lvl5pPr marL="1828800" indent="0">
+            <a:lvl5pPr marL="1828783" indent="0">
               <a:buNone/>
               <a:defRPr sz="1600" b="1"/>
             </a:lvl5pPr>
-            <a:lvl6pPr marL="2286000" indent="0">
+            <a:lvl6pPr marL="2285978" indent="0">
               <a:buNone/>
               <a:defRPr sz="1600" b="1"/>
             </a:lvl6pPr>
-            <a:lvl7pPr marL="2743200" indent="0">
+            <a:lvl7pPr marL="2743174" indent="0">
               <a:buNone/>
               <a:defRPr sz="1600" b="1"/>
             </a:lvl7pPr>
-            <a:lvl8pPr marL="3200400" indent="0">
+            <a:lvl8pPr marL="3200370" indent="0">
               <a:buNone/>
               <a:defRPr sz="1600" b="1"/>
             </a:lvl8pPr>
-            <a:lvl9pPr marL="3657600" indent="0">
+            <a:lvl9pPr marL="3657565" indent="0">
               <a:buNone/>
               <a:defRPr sz="1600" b="1"/>
             </a:lvl9pPr>
@@ -1610,7 +1615,7 @@
         </p:nvSpPr>
         <p:spPr>
           <a:xfrm>
-            <a:off x="839788" y="2505075"/>
+            <a:off x="839789" y="2505075"/>
             <a:ext cx="5157787" cy="3684588"/>
           </a:xfrm>
         </p:spPr>
@@ -1672,7 +1677,7 @@
         </p:nvSpPr>
         <p:spPr>
           <a:xfrm>
-            <a:off x="6172200" y="1681163"/>
+            <a:off x="6172201" y="1681164"/>
             <a:ext cx="5183188" cy="823912"/>
           </a:xfrm>
         </p:spPr>
@@ -1683,35 +1688,35 @@
               <a:buNone/>
               <a:defRPr sz="2400" b="1"/>
             </a:lvl1pPr>
-            <a:lvl2pPr marL="457200" indent="0">
+            <a:lvl2pPr marL="457196" indent="0">
               <a:buNone/>
               <a:defRPr sz="2000" b="1"/>
             </a:lvl2pPr>
-            <a:lvl3pPr marL="914400" indent="0">
+            <a:lvl3pPr marL="914391" indent="0">
               <a:buNone/>
               <a:defRPr sz="1800" b="1"/>
             </a:lvl3pPr>
-            <a:lvl4pPr marL="1371600" indent="0">
+            <a:lvl4pPr marL="1371587" indent="0">
               <a:buNone/>
               <a:defRPr sz="1600" b="1"/>
             </a:lvl4pPr>
-            <a:lvl5pPr marL="1828800" indent="0">
+            <a:lvl5pPr marL="1828783" indent="0">
               <a:buNone/>
               <a:defRPr sz="1600" b="1"/>
             </a:lvl5pPr>
-            <a:lvl6pPr marL="2286000" indent="0">
+            <a:lvl6pPr marL="2285978" indent="0">
               <a:buNone/>
               <a:defRPr sz="1600" b="1"/>
             </a:lvl6pPr>
-            <a:lvl7pPr marL="2743200" indent="0">
+            <a:lvl7pPr marL="2743174" indent="0">
               <a:buNone/>
               <a:defRPr sz="1600" b="1"/>
             </a:lvl7pPr>
-            <a:lvl8pPr marL="3200400" indent="0">
+            <a:lvl8pPr marL="3200370" indent="0">
               <a:buNone/>
               <a:defRPr sz="1600" b="1"/>
             </a:lvl8pPr>
-            <a:lvl9pPr marL="3657600" indent="0">
+            <a:lvl9pPr marL="3657565" indent="0">
               <a:buNone/>
               <a:defRPr sz="1600" b="1"/>
             </a:lvl9pPr>
@@ -1743,7 +1748,7 @@
         </p:nvSpPr>
         <p:spPr>
           <a:xfrm>
-            <a:off x="6172200" y="2505075"/>
+            <a:off x="6172201" y="2505075"/>
             <a:ext cx="5183188" cy="3684588"/>
           </a:xfrm>
         </p:spPr>
@@ -1810,7 +1815,7 @@
           <a:p>
             <a:fld id="{0AB40213-5084-43E5-B24A-40DA3D61C78A}" type="datetimeFigureOut">
               <a:rPr lang="en-US" smtClean="0"/>
-              <a:t>3/4/2021</a:t>
+              <a:t>3/5/21</a:t>
             </a:fld>
             <a:endParaRPr lang="en-US"/>
           </a:p>
@@ -1951,7 +1956,7 @@
           <a:p>
             <a:fld id="{0AB40213-5084-43E5-B24A-40DA3D61C78A}" type="datetimeFigureOut">
               <a:rPr lang="en-US" smtClean="0"/>
-              <a:t>3/4/2021</a:t>
+              <a:t>3/5/21</a:t>
             </a:fld>
             <a:endParaRPr lang="en-US"/>
           </a:p>
@@ -2064,7 +2069,7 @@
           <a:p>
             <a:fld id="{0AB40213-5084-43E5-B24A-40DA3D61C78A}" type="datetimeFigureOut">
               <a:rPr lang="en-US" smtClean="0"/>
-              <a:t>3/4/2021</a:t>
+              <a:t>3/5/21</a:t>
             </a:fld>
             <a:endParaRPr lang="en-US"/>
           </a:p>
@@ -2172,7 +2177,7 @@
         </p:nvSpPr>
         <p:spPr>
           <a:xfrm>
-            <a:off x="839788" y="457200"/>
+            <a:off x="839789" y="457200"/>
             <a:ext cx="3932237" cy="1600200"/>
           </a:xfrm>
         </p:spPr>
@@ -2209,7 +2214,7 @@
         </p:nvSpPr>
         <p:spPr>
           <a:xfrm>
-            <a:off x="5183188" y="987425"/>
+            <a:off x="5183189" y="987426"/>
             <a:ext cx="6172200" cy="4873625"/>
           </a:xfrm>
         </p:spPr>
@@ -2299,7 +2304,7 @@
         </p:nvSpPr>
         <p:spPr>
           <a:xfrm>
-            <a:off x="839788" y="2057400"/>
+            <a:off x="839789" y="2057401"/>
             <a:ext cx="3932237" cy="3811588"/>
           </a:xfrm>
         </p:spPr>
@@ -2310,35 +2315,35 @@
               <a:buNone/>
               <a:defRPr sz="1600"/>
             </a:lvl1pPr>
-            <a:lvl2pPr marL="457200" indent="0">
+            <a:lvl2pPr marL="457196" indent="0">
               <a:buNone/>
               <a:defRPr sz="1400"/>
             </a:lvl2pPr>
-            <a:lvl3pPr marL="914400" indent="0">
+            <a:lvl3pPr marL="914391" indent="0">
               <a:buNone/>
               <a:defRPr sz="1200"/>
             </a:lvl3pPr>
-            <a:lvl4pPr marL="1371600" indent="0">
+            <a:lvl4pPr marL="1371587" indent="0">
               <a:buNone/>
               <a:defRPr sz="1000"/>
             </a:lvl4pPr>
-            <a:lvl5pPr marL="1828800" indent="0">
+            <a:lvl5pPr marL="1828783" indent="0">
               <a:buNone/>
               <a:defRPr sz="1000"/>
             </a:lvl5pPr>
-            <a:lvl6pPr marL="2286000" indent="0">
+            <a:lvl6pPr marL="2285978" indent="0">
               <a:buNone/>
               <a:defRPr sz="1000"/>
             </a:lvl6pPr>
-            <a:lvl7pPr marL="2743200" indent="0">
+            <a:lvl7pPr marL="2743174" indent="0">
               <a:buNone/>
               <a:defRPr sz="1000"/>
             </a:lvl7pPr>
-            <a:lvl8pPr marL="3200400" indent="0">
+            <a:lvl8pPr marL="3200370" indent="0">
               <a:buNone/>
               <a:defRPr sz="1000"/>
             </a:lvl8pPr>
-            <a:lvl9pPr marL="3657600" indent="0">
+            <a:lvl9pPr marL="3657565" indent="0">
               <a:buNone/>
               <a:defRPr sz="1000"/>
             </a:lvl9pPr>
@@ -2375,7 +2380,7 @@
           <a:p>
             <a:fld id="{0AB40213-5084-43E5-B24A-40DA3D61C78A}" type="datetimeFigureOut">
               <a:rPr lang="en-US" smtClean="0"/>
-              <a:t>3/4/2021</a:t>
+              <a:t>3/5/21</a:t>
             </a:fld>
             <a:endParaRPr lang="en-US"/>
           </a:p>
@@ -2483,7 +2488,7 @@
         </p:nvSpPr>
         <p:spPr>
           <a:xfrm>
-            <a:off x="839788" y="457200"/>
+            <a:off x="839789" y="457200"/>
             <a:ext cx="3932237" cy="1600200"/>
           </a:xfrm>
         </p:spPr>
@@ -2520,7 +2525,7 @@
         </p:nvSpPr>
         <p:spPr>
           <a:xfrm>
-            <a:off x="5183188" y="987425"/>
+            <a:off x="5183189" y="987426"/>
             <a:ext cx="6172200" cy="4873625"/>
           </a:xfrm>
         </p:spPr>
@@ -2531,35 +2536,35 @@
               <a:buNone/>
               <a:defRPr sz="3200"/>
             </a:lvl1pPr>
-            <a:lvl2pPr marL="457200" indent="0">
+            <a:lvl2pPr marL="457196" indent="0">
               <a:buNone/>
               <a:defRPr sz="2800"/>
             </a:lvl2pPr>
-            <a:lvl3pPr marL="914400" indent="0">
+            <a:lvl3pPr marL="914391" indent="0">
               <a:buNone/>
               <a:defRPr sz="2400"/>
             </a:lvl3pPr>
-            <a:lvl4pPr marL="1371600" indent="0">
+            <a:lvl4pPr marL="1371587" indent="0">
               <a:buNone/>
               <a:defRPr sz="2000"/>
             </a:lvl4pPr>
-            <a:lvl5pPr marL="1828800" indent="0">
+            <a:lvl5pPr marL="1828783" indent="0">
               <a:buNone/>
               <a:defRPr sz="2000"/>
             </a:lvl5pPr>
-            <a:lvl6pPr marL="2286000" indent="0">
+            <a:lvl6pPr marL="2285978" indent="0">
               <a:buNone/>
               <a:defRPr sz="2000"/>
             </a:lvl6pPr>
-            <a:lvl7pPr marL="2743200" indent="0">
+            <a:lvl7pPr marL="2743174" indent="0">
               <a:buNone/>
               <a:defRPr sz="2000"/>
             </a:lvl7pPr>
-            <a:lvl8pPr marL="3200400" indent="0">
+            <a:lvl8pPr marL="3200370" indent="0">
               <a:buNone/>
               <a:defRPr sz="2000"/>
             </a:lvl8pPr>
-            <a:lvl9pPr marL="3657600" indent="0">
+            <a:lvl9pPr marL="3657565" indent="0">
               <a:buNone/>
               <a:defRPr sz="2000"/>
             </a:lvl9pPr>
@@ -2587,7 +2592,7 @@
         </p:nvSpPr>
         <p:spPr>
           <a:xfrm>
-            <a:off x="839788" y="2057400"/>
+            <a:off x="839789" y="2057401"/>
             <a:ext cx="3932237" cy="3811588"/>
           </a:xfrm>
         </p:spPr>
@@ -2598,35 +2603,35 @@
               <a:buNone/>
               <a:defRPr sz="1600"/>
             </a:lvl1pPr>
-            <a:lvl2pPr marL="457200" indent="0">
+            <a:lvl2pPr marL="457196" indent="0">
               <a:buNone/>
               <a:defRPr sz="1400"/>
             </a:lvl2pPr>
-            <a:lvl3pPr marL="914400" indent="0">
+            <a:lvl3pPr marL="914391" indent="0">
               <a:buNone/>
               <a:defRPr sz="1200"/>
             </a:lvl3pPr>
-            <a:lvl4pPr marL="1371600" indent="0">
+            <a:lvl4pPr marL="1371587" indent="0">
               <a:buNone/>
               <a:defRPr sz="1000"/>
             </a:lvl4pPr>
-            <a:lvl5pPr marL="1828800" indent="0">
+            <a:lvl5pPr marL="1828783" indent="0">
               <a:buNone/>
               <a:defRPr sz="1000"/>
             </a:lvl5pPr>
-            <a:lvl6pPr marL="2286000" indent="0">
+            <a:lvl6pPr marL="2285978" indent="0">
               <a:buNone/>
               <a:defRPr sz="1000"/>
             </a:lvl6pPr>
-            <a:lvl7pPr marL="2743200" indent="0">
+            <a:lvl7pPr marL="2743174" indent="0">
               <a:buNone/>
               <a:defRPr sz="1000"/>
             </a:lvl7pPr>
-            <a:lvl8pPr marL="3200400" indent="0">
+            <a:lvl8pPr marL="3200370" indent="0">
               <a:buNone/>
               <a:defRPr sz="1000"/>
             </a:lvl8pPr>
-            <a:lvl9pPr marL="3657600" indent="0">
+            <a:lvl9pPr marL="3657565" indent="0">
               <a:buNone/>
               <a:defRPr sz="1000"/>
             </a:lvl9pPr>
@@ -2663,7 +2668,7 @@
           <a:p>
             <a:fld id="{0AB40213-5084-43E5-B24A-40DA3D61C78A}" type="datetimeFigureOut">
               <a:rPr lang="en-US" smtClean="0"/>
-              <a:t>3/4/2021</a:t>
+              <a:t>3/5/21</a:t>
             </a:fld>
             <a:endParaRPr lang="en-US"/>
           </a:p>
@@ -2881,8 +2886,8 @@
         </p:nvSpPr>
         <p:spPr>
           <a:xfrm>
-            <a:off x="838200" y="6356350"/>
-            <a:ext cx="2743200" cy="365125"/>
+            <a:off x="838200" y="6356351"/>
+            <a:ext cx="2743201" cy="365125"/>
           </a:xfrm>
           <a:prstGeom prst="rect">
             <a:avLst/>
@@ -2904,7 +2909,7 @@
           <a:p>
             <a:fld id="{0AB40213-5084-43E5-B24A-40DA3D61C78A}" type="datetimeFigureOut">
               <a:rPr lang="en-US" smtClean="0"/>
-              <a:t>3/4/2021</a:t>
+              <a:t>3/5/21</a:t>
             </a:fld>
             <a:endParaRPr lang="en-US"/>
           </a:p>
@@ -2928,7 +2933,7 @@
         </p:nvSpPr>
         <p:spPr>
           <a:xfrm>
-            <a:off x="4038600" y="6356350"/>
+            <a:off x="4038600" y="6356351"/>
             <a:ext cx="4114800" cy="365125"/>
           </a:xfrm>
           <a:prstGeom prst="rect">
@@ -2971,8 +2976,8 @@
         </p:nvSpPr>
         <p:spPr>
           <a:xfrm>
-            <a:off x="8610600" y="6356350"/>
-            <a:ext cx="2743200" cy="365125"/>
+            <a:off x="8610600" y="6356351"/>
+            <a:ext cx="2743201" cy="365125"/>
           </a:xfrm>
           <a:prstGeom prst="rect">
             <a:avLst/>
@@ -3023,7 +3028,7 @@
   </p:sldLayoutIdLst>
   <p:txStyles>
     <p:titleStyle>
-      <a:lvl1pPr algn="l" defTabSz="914400" rtl="0" eaLnBrk="1" latinLnBrk="0" hangingPunct="1">
+      <a:lvl1pPr algn="l" defTabSz="914391" rtl="0" eaLnBrk="1" latinLnBrk="0" hangingPunct="1">
         <a:lnSpc>
           <a:spcPct val="90000"/>
         </a:lnSpc>
@@ -3042,7 +3047,7 @@
       </a:lvl1pPr>
     </p:titleStyle>
     <p:bodyStyle>
-      <a:lvl1pPr marL="228600" indent="-228600" algn="l" defTabSz="914400" rtl="0" eaLnBrk="1" latinLnBrk="0" hangingPunct="1">
+      <a:lvl1pPr marL="228598" indent="-228598" algn="l" defTabSz="914391" rtl="0" eaLnBrk="1" latinLnBrk="0" hangingPunct="1">
         <a:lnSpc>
           <a:spcPct val="90000"/>
         </a:lnSpc>
@@ -3060,7 +3065,7 @@
           <a:cs typeface="+mn-cs"/>
         </a:defRPr>
       </a:lvl1pPr>
-      <a:lvl2pPr marL="685800" indent="-228600" algn="l" defTabSz="914400" rtl="0" eaLnBrk="1" latinLnBrk="0" hangingPunct="1">
+      <a:lvl2pPr marL="685793" indent="-228598" algn="l" defTabSz="914391" rtl="0" eaLnBrk="1" latinLnBrk="0" hangingPunct="1">
         <a:lnSpc>
           <a:spcPct val="90000"/>
         </a:lnSpc>
@@ -3078,7 +3083,7 @@
           <a:cs typeface="+mn-cs"/>
         </a:defRPr>
       </a:lvl2pPr>
-      <a:lvl3pPr marL="1143000" indent="-228600" algn="l" defTabSz="914400" rtl="0" eaLnBrk="1" latinLnBrk="0" hangingPunct="1">
+      <a:lvl3pPr marL="1142989" indent="-228598" algn="l" defTabSz="914391" rtl="0" eaLnBrk="1" latinLnBrk="0" hangingPunct="1">
         <a:lnSpc>
           <a:spcPct val="90000"/>
         </a:lnSpc>
@@ -3096,7 +3101,7 @@
           <a:cs typeface="+mn-cs"/>
         </a:defRPr>
       </a:lvl3pPr>
-      <a:lvl4pPr marL="1600200" indent="-228600" algn="l" defTabSz="914400" rtl="0" eaLnBrk="1" latinLnBrk="0" hangingPunct="1">
+      <a:lvl4pPr marL="1600185" indent="-228598" algn="l" defTabSz="914391" rtl="0" eaLnBrk="1" latinLnBrk="0" hangingPunct="1">
         <a:lnSpc>
           <a:spcPct val="90000"/>
         </a:lnSpc>
@@ -3114,7 +3119,7 @@
           <a:cs typeface="+mn-cs"/>
         </a:defRPr>
       </a:lvl4pPr>
-      <a:lvl5pPr marL="2057400" indent="-228600" algn="l" defTabSz="914400" rtl="0" eaLnBrk="1" latinLnBrk="0" hangingPunct="1">
+      <a:lvl5pPr marL="2057380" indent="-228598" algn="l" defTabSz="914391" rtl="0" eaLnBrk="1" latinLnBrk="0" hangingPunct="1">
         <a:lnSpc>
           <a:spcPct val="90000"/>
         </a:lnSpc>
@@ -3132,7 +3137,7 @@
           <a:cs typeface="+mn-cs"/>
         </a:defRPr>
       </a:lvl5pPr>
-      <a:lvl6pPr marL="2514600" indent="-228600" algn="l" defTabSz="914400" rtl="0" eaLnBrk="1" latinLnBrk="0" hangingPunct="1">
+      <a:lvl6pPr marL="2514576" indent="-228598" algn="l" defTabSz="914391" rtl="0" eaLnBrk="1" latinLnBrk="0" hangingPunct="1">
         <a:lnSpc>
           <a:spcPct val="90000"/>
         </a:lnSpc>
@@ -3150,7 +3155,7 @@
           <a:cs typeface="+mn-cs"/>
         </a:defRPr>
       </a:lvl6pPr>
-      <a:lvl7pPr marL="2971800" indent="-228600" algn="l" defTabSz="914400" rtl="0" eaLnBrk="1" latinLnBrk="0" hangingPunct="1">
+      <a:lvl7pPr marL="2971772" indent="-228598" algn="l" defTabSz="914391" rtl="0" eaLnBrk="1" latinLnBrk="0" hangingPunct="1">
         <a:lnSpc>
           <a:spcPct val="90000"/>
         </a:lnSpc>
@@ -3168,7 +3173,7 @@
           <a:cs typeface="+mn-cs"/>
         </a:defRPr>
       </a:lvl7pPr>
-      <a:lvl8pPr marL="3429000" indent="-228600" algn="l" defTabSz="914400" rtl="0" eaLnBrk="1" latinLnBrk="0" hangingPunct="1">
+      <a:lvl8pPr marL="3428967" indent="-228598" algn="l" defTabSz="914391" rtl="0" eaLnBrk="1" latinLnBrk="0" hangingPunct="1">
         <a:lnSpc>
           <a:spcPct val="90000"/>
         </a:lnSpc>
@@ -3186,7 +3191,7 @@
           <a:cs typeface="+mn-cs"/>
         </a:defRPr>
       </a:lvl8pPr>
-      <a:lvl9pPr marL="3886200" indent="-228600" algn="l" defTabSz="914400" rtl="0" eaLnBrk="1" latinLnBrk="0" hangingPunct="1">
+      <a:lvl9pPr marL="3886163" indent="-228598" algn="l" defTabSz="914391" rtl="0" eaLnBrk="1" latinLnBrk="0" hangingPunct="1">
         <a:lnSpc>
           <a:spcPct val="90000"/>
         </a:lnSpc>
@@ -3209,7 +3214,7 @@
       <a:defPPr>
         <a:defRPr lang="en-US"/>
       </a:defPPr>
-      <a:lvl1pPr marL="0" algn="l" defTabSz="914400" rtl="0" eaLnBrk="1" latinLnBrk="0" hangingPunct="1">
+      <a:lvl1pPr marL="0" algn="l" defTabSz="914391" rtl="0" eaLnBrk="1" latinLnBrk="0" hangingPunct="1">
         <a:defRPr sz="1800" kern="1200">
           <a:solidFill>
             <a:schemeClr val="tx1"/>
@@ -3219,7 +3224,7 @@
           <a:cs typeface="+mn-cs"/>
         </a:defRPr>
       </a:lvl1pPr>
-      <a:lvl2pPr marL="457200" algn="l" defTabSz="914400" rtl="0" eaLnBrk="1" latinLnBrk="0" hangingPunct="1">
+      <a:lvl2pPr marL="457196" algn="l" defTabSz="914391" rtl="0" eaLnBrk="1" latinLnBrk="0" hangingPunct="1">
         <a:defRPr sz="1800" kern="1200">
           <a:solidFill>
             <a:schemeClr val="tx1"/>
@@ -3229,7 +3234,7 @@
           <a:cs typeface="+mn-cs"/>
         </a:defRPr>
       </a:lvl2pPr>
-      <a:lvl3pPr marL="914400" algn="l" defTabSz="914400" rtl="0" eaLnBrk="1" latinLnBrk="0" hangingPunct="1">
+      <a:lvl3pPr marL="914391" algn="l" defTabSz="914391" rtl="0" eaLnBrk="1" latinLnBrk="0" hangingPunct="1">
         <a:defRPr sz="1800" kern="1200">
           <a:solidFill>
             <a:schemeClr val="tx1"/>
@@ -3239,7 +3244,7 @@
           <a:cs typeface="+mn-cs"/>
         </a:defRPr>
       </a:lvl3pPr>
-      <a:lvl4pPr marL="1371600" algn="l" defTabSz="914400" rtl="0" eaLnBrk="1" latinLnBrk="0" hangingPunct="1">
+      <a:lvl4pPr marL="1371587" algn="l" defTabSz="914391" rtl="0" eaLnBrk="1" latinLnBrk="0" hangingPunct="1">
         <a:defRPr sz="1800" kern="1200">
           <a:solidFill>
             <a:schemeClr val="tx1"/>
@@ -3249,7 +3254,7 @@
           <a:cs typeface="+mn-cs"/>
         </a:defRPr>
       </a:lvl4pPr>
-      <a:lvl5pPr marL="1828800" algn="l" defTabSz="914400" rtl="0" eaLnBrk="1" latinLnBrk="0" hangingPunct="1">
+      <a:lvl5pPr marL="1828783" algn="l" defTabSz="914391" rtl="0" eaLnBrk="1" latinLnBrk="0" hangingPunct="1">
         <a:defRPr sz="1800" kern="1200">
           <a:solidFill>
             <a:schemeClr val="tx1"/>
@@ -3259,7 +3264,7 @@
           <a:cs typeface="+mn-cs"/>
         </a:defRPr>
       </a:lvl5pPr>
-      <a:lvl6pPr marL="2286000" algn="l" defTabSz="914400" rtl="0" eaLnBrk="1" latinLnBrk="0" hangingPunct="1">
+      <a:lvl6pPr marL="2285978" algn="l" defTabSz="914391" rtl="0" eaLnBrk="1" latinLnBrk="0" hangingPunct="1">
         <a:defRPr sz="1800" kern="1200">
           <a:solidFill>
             <a:schemeClr val="tx1"/>
@@ -3269,7 +3274,7 @@
           <a:cs typeface="+mn-cs"/>
         </a:defRPr>
       </a:lvl6pPr>
-      <a:lvl7pPr marL="2743200" algn="l" defTabSz="914400" rtl="0" eaLnBrk="1" latinLnBrk="0" hangingPunct="1">
+      <a:lvl7pPr marL="2743174" algn="l" defTabSz="914391" rtl="0" eaLnBrk="1" latinLnBrk="0" hangingPunct="1">
         <a:defRPr sz="1800" kern="1200">
           <a:solidFill>
             <a:schemeClr val="tx1"/>
@@ -3279,7 +3284,7 @@
           <a:cs typeface="+mn-cs"/>
         </a:defRPr>
       </a:lvl7pPr>
-      <a:lvl8pPr marL="3200400" algn="l" defTabSz="914400" rtl="0" eaLnBrk="1" latinLnBrk="0" hangingPunct="1">
+      <a:lvl8pPr marL="3200370" algn="l" defTabSz="914391" rtl="0" eaLnBrk="1" latinLnBrk="0" hangingPunct="1">
         <a:defRPr sz="1800" kern="1200">
           <a:solidFill>
             <a:schemeClr val="tx1"/>
@@ -3289,7 +3294,7 @@
           <a:cs typeface="+mn-cs"/>
         </a:defRPr>
       </a:lvl8pPr>
-      <a:lvl9pPr marL="3657600" algn="l" defTabSz="914400" rtl="0" eaLnBrk="1" latinLnBrk="0" hangingPunct="1">
+      <a:lvl9pPr marL="3657565" algn="l" defTabSz="914391" rtl="0" eaLnBrk="1" latinLnBrk="0" hangingPunct="1">
         <a:defRPr sz="1800" kern="1200">
           <a:solidFill>
             <a:schemeClr val="tx1"/>
@@ -3307,6 +3312,14 @@
 <file path=ppt/slides/slide1.xml><?xml version="1.0" encoding="utf-8"?>
 <p:sld xmlns:a="http://schemas.openxmlformats.org/drawingml/2006/main" xmlns:r="http://schemas.openxmlformats.org/officeDocument/2006/relationships" xmlns:p="http://schemas.openxmlformats.org/presentationml/2006/main">
   <p:cSld>
+    <p:bg>
+      <p:bgPr>
+        <a:solidFill>
+          <a:srgbClr val="EFEFEF"/>
+        </a:solidFill>
+        <a:effectLst/>
+      </p:bgPr>
+    </p:bg>
     <p:spTree>
       <p:nvGrpSpPr>
         <p:cNvPr id="1" name=""/>
@@ -3321,42 +3334,82 @@
           <a:chExt cx="0" cy="0"/>
         </a:xfrm>
       </p:grpSpPr>
-      <p:sp>
-        <p:nvSpPr>
-          <p:cNvPr id="2" name="Title 1">
-            <a:extLst>
-              <a:ext uri="{FF2B5EF4-FFF2-40B4-BE49-F238E27FC236}">
-                <a16:creationId xmlns:a16="http://schemas.microsoft.com/office/drawing/2014/main" id="{7CDDBD22-3F5A-4C0D-A62C-437D9C27469F}"/>
-              </a:ext>
-            </a:extLst>
-          </p:cNvPr>
-          <p:cNvSpPr>
-            <a:spLocks noGrp="1"/>
-          </p:cNvSpPr>
-          <p:nvPr>
-            <p:ph type="title"/>
-          </p:nvPr>
-        </p:nvSpPr>
+      <p:pic>
+        <p:nvPicPr>
+          <p:cNvPr id="12" name="Picture 11">
+            <a:extLst>
+              <a:ext uri="{FF2B5EF4-FFF2-40B4-BE49-F238E27FC236}">
+                <a16:creationId xmlns:a16="http://schemas.microsoft.com/office/drawing/2014/main" id="{8691AD00-C988-084B-ADDB-EEFBF00E8CCD}"/>
+              </a:ext>
+            </a:extLst>
+          </p:cNvPr>
+          <p:cNvPicPr>
+            <a:picLocks noChangeAspect="1"/>
+          </p:cNvPicPr>
+          <p:nvPr/>
+        </p:nvPicPr>
+        <p:blipFill>
+          <a:blip r:embed="rId2">
+            <a:alphaModFix amt="20000"/>
+          </a:blip>
+          <a:stretch>
+            <a:fillRect/>
+          </a:stretch>
+        </p:blipFill>
         <p:spPr>
           <a:xfrm>
-            <a:off x="3365864" y="13953"/>
-            <a:ext cx="5477691" cy="1325563"/>
+            <a:off x="5336088" y="148856"/>
+            <a:ext cx="6855912" cy="6855912"/>
+          </a:xfrm>
+          <a:prstGeom prst="rect">
+            <a:avLst/>
+          </a:prstGeom>
+        </p:spPr>
+      </p:pic>
+      <p:sp>
+        <p:nvSpPr>
+          <p:cNvPr id="2" name="Title 1">
+            <a:extLst>
+              <a:ext uri="{FF2B5EF4-FFF2-40B4-BE49-F238E27FC236}">
+                <a16:creationId xmlns:a16="http://schemas.microsoft.com/office/drawing/2014/main" id="{7CDDBD22-3F5A-4C0D-A62C-437D9C27469F}"/>
+              </a:ext>
+            </a:extLst>
+          </p:cNvPr>
+          <p:cNvSpPr>
+            <a:spLocks noGrp="1"/>
+          </p:cNvSpPr>
+          <p:nvPr>
+            <p:ph type="title"/>
+          </p:nvPr>
+        </p:nvSpPr>
+        <p:spPr>
+          <a:xfrm>
+            <a:off x="0" y="0"/>
+            <a:ext cx="3908121" cy="1640910"/>
           </a:xfrm>
         </p:spPr>
         <p:txBody>
-          <a:bodyPr/>
+          <a:bodyPr>
+            <a:normAutofit fontScale="90000"/>
+          </a:bodyPr>
           <a:lstStyle/>
           <a:p>
             <a:pPr algn="ctr"/>
             <a:r>
-              <a:rPr lang="en-US" dirty="0"/>
+              <a:rPr lang="en-US" b="1" dirty="0">
+                <a:latin typeface="Courier" pitchFamily="2" charset="0"/>
+              </a:rPr>
               <a:t>Deception Detective</a:t>
             </a:r>
             <a:br>
-              <a:rPr lang="en-US" dirty="0"/>
+              <a:rPr lang="en-US" b="1" dirty="0">
+                <a:latin typeface="Courier" pitchFamily="2" charset="0"/>
+              </a:rPr>
             </a:br>
             <a:r>
-              <a:rPr lang="en-US" dirty="0"/>
+              <a:rPr lang="en-US" b="1" dirty="0">
+                <a:latin typeface="Courier" pitchFamily="2" charset="0"/>
+              </a:rPr>
               <a:t>Fact-Checker</a:t>
             </a:r>
           </a:p>
@@ -3380,8 +3433,8 @@
         </p:nvSpPr>
         <p:spPr>
           <a:xfrm>
-            <a:off x="396243" y="684794"/>
-            <a:ext cx="3657600" cy="1527183"/>
+            <a:off x="4035385" y="2400641"/>
+            <a:ext cx="3983990" cy="1678951"/>
           </a:xfrm>
           <a:ln>
             <a:solidFill>
@@ -3399,14 +3452,28 @@
               <a:buNone/>
             </a:pPr>
             <a:r>
+              <a:rPr lang="en-US" sz="1800" b="1" i="1" dirty="0">
+                <a:ln>
+                  <a:solidFill>
+                    <a:schemeClr val="tx1"/>
+                  </a:solidFill>
+                </a:ln>
+                <a:latin typeface="Helvetica" pitchFamily="2" charset="0"/>
+              </a:rPr>
+              <a:t>Challenges</a:t>
+            </a:r>
+          </a:p>
+          <a:p>
+            <a:r>
               <a:rPr lang="en-US" sz="1800" dirty="0">
                 <a:ln>
                   <a:solidFill>
                     <a:schemeClr val="tx1"/>
                   </a:solidFill>
                 </a:ln>
+                <a:latin typeface="Helvetica" pitchFamily="2" charset="0"/>
               </a:rPr>
-              <a:t>Challenges: </a:t>
+              <a:t>What source to check facts against</a:t>
             </a:r>
           </a:p>
           <a:p>
@@ -3417,8 +3484,9 @@
                     <a:schemeClr val="tx1"/>
                   </a:solidFill>
                 </a:ln>
+                <a:latin typeface="Helvetica" pitchFamily="2" charset="0"/>
               </a:rPr>
-              <a:t>What source to check facts against</a:t>
+              <a:t>Natural language complexity</a:t>
             </a:r>
           </a:p>
           <a:p>
@@ -3429,8 +3497,225 @@
                     <a:schemeClr val="tx1"/>
                   </a:solidFill>
                 </a:ln>
+                <a:latin typeface="Helvetica" pitchFamily="2" charset="0"/>
               </a:rPr>
-              <a:t>Natural language complexity</a:t>
+              <a:t>Etc.</a:t>
+            </a:r>
+          </a:p>
+        </p:txBody>
+      </p:sp>
+      <p:sp>
+        <p:nvSpPr>
+          <p:cNvPr id="6" name="Content Placeholder 2">
+            <a:extLst>
+              <a:ext uri="{FF2B5EF4-FFF2-40B4-BE49-F238E27FC236}">
+                <a16:creationId xmlns:a16="http://schemas.microsoft.com/office/drawing/2014/main" id="{36ABE17C-493E-4D75-A036-BB56818F59AF}"/>
+              </a:ext>
+            </a:extLst>
+          </p:cNvPr>
+          <p:cNvSpPr txBox="1">
+            <a:spLocks/>
+          </p:cNvSpPr>
+          <p:nvPr/>
+        </p:nvSpPr>
+        <p:spPr>
+          <a:xfrm>
+            <a:off x="-7015" y="1820187"/>
+            <a:ext cx="1925398" cy="2104412"/>
+          </a:xfrm>
+          <a:prstGeom prst="rect">
+            <a:avLst/>
+          </a:prstGeom>
+          <a:ln>
+            <a:solidFill>
+              <a:schemeClr val="tx1"/>
+            </a:solidFill>
+          </a:ln>
+        </p:spPr>
+        <p:txBody>
+          <a:bodyPr vert="horz" lIns="91440" tIns="45720" rIns="91440" bIns="45720" rtlCol="0">
+            <a:normAutofit fontScale="92500" lnSpcReduction="10000"/>
+          </a:bodyPr>
+          <a:lstStyle>
+            <a:lvl1pPr marL="228600" indent="-228600" algn="l" defTabSz="914400" rtl="0" eaLnBrk="1" latinLnBrk="0" hangingPunct="1">
+              <a:lnSpc>
+                <a:spcPct val="90000"/>
+              </a:lnSpc>
+              <a:spcBef>
+                <a:spcPts val="1000"/>
+              </a:spcBef>
+              <a:buFont typeface="Arial" panose="020B0604020202020204" pitchFamily="34" charset="0"/>
+              <a:buChar char="•"/>
+              <a:defRPr sz="2800" kern="1200">
+                <a:solidFill>
+                  <a:schemeClr val="tx1"/>
+                </a:solidFill>
+                <a:latin typeface="+mn-lt"/>
+                <a:ea typeface="+mn-ea"/>
+                <a:cs typeface="+mn-cs"/>
+              </a:defRPr>
+            </a:lvl1pPr>
+            <a:lvl2pPr marL="685800" indent="-228600" algn="l" defTabSz="914400" rtl="0" eaLnBrk="1" latinLnBrk="0" hangingPunct="1">
+              <a:lnSpc>
+                <a:spcPct val="90000"/>
+              </a:lnSpc>
+              <a:spcBef>
+                <a:spcPts val="500"/>
+              </a:spcBef>
+              <a:buFont typeface="Arial" panose="020B0604020202020204" pitchFamily="34" charset="0"/>
+              <a:buChar char="•"/>
+              <a:defRPr sz="2400" kern="1200">
+                <a:solidFill>
+                  <a:schemeClr val="tx1"/>
+                </a:solidFill>
+                <a:latin typeface="+mn-lt"/>
+                <a:ea typeface="+mn-ea"/>
+                <a:cs typeface="+mn-cs"/>
+              </a:defRPr>
+            </a:lvl2pPr>
+            <a:lvl3pPr marL="1143000" indent="-228600" algn="l" defTabSz="914400" rtl="0" eaLnBrk="1" latinLnBrk="0" hangingPunct="1">
+              <a:lnSpc>
+                <a:spcPct val="90000"/>
+              </a:lnSpc>
+              <a:spcBef>
+                <a:spcPts val="500"/>
+              </a:spcBef>
+              <a:buFont typeface="Arial" panose="020B0604020202020204" pitchFamily="34" charset="0"/>
+              <a:buChar char="•"/>
+              <a:defRPr sz="2000" kern="1200">
+                <a:solidFill>
+                  <a:schemeClr val="tx1"/>
+                </a:solidFill>
+                <a:latin typeface="+mn-lt"/>
+                <a:ea typeface="+mn-ea"/>
+                <a:cs typeface="+mn-cs"/>
+              </a:defRPr>
+            </a:lvl3pPr>
+            <a:lvl4pPr marL="1600200" indent="-228600" algn="l" defTabSz="914400" rtl="0" eaLnBrk="1" latinLnBrk="0" hangingPunct="1">
+              <a:lnSpc>
+                <a:spcPct val="90000"/>
+              </a:lnSpc>
+              <a:spcBef>
+                <a:spcPts val="500"/>
+              </a:spcBef>
+              <a:buFont typeface="Arial" panose="020B0604020202020204" pitchFamily="34" charset="0"/>
+              <a:buChar char="•"/>
+              <a:defRPr sz="1800" kern="1200">
+                <a:solidFill>
+                  <a:schemeClr val="tx1"/>
+                </a:solidFill>
+                <a:latin typeface="+mn-lt"/>
+                <a:ea typeface="+mn-ea"/>
+                <a:cs typeface="+mn-cs"/>
+              </a:defRPr>
+            </a:lvl4pPr>
+            <a:lvl5pPr marL="2057400" indent="-228600" algn="l" defTabSz="914400" rtl="0" eaLnBrk="1" latinLnBrk="0" hangingPunct="1">
+              <a:lnSpc>
+                <a:spcPct val="90000"/>
+              </a:lnSpc>
+              <a:spcBef>
+                <a:spcPts val="500"/>
+              </a:spcBef>
+              <a:buFont typeface="Arial" panose="020B0604020202020204" pitchFamily="34" charset="0"/>
+              <a:buChar char="•"/>
+              <a:defRPr sz="1800" kern="1200">
+                <a:solidFill>
+                  <a:schemeClr val="tx1"/>
+                </a:solidFill>
+                <a:latin typeface="+mn-lt"/>
+                <a:ea typeface="+mn-ea"/>
+                <a:cs typeface="+mn-cs"/>
+              </a:defRPr>
+            </a:lvl5pPr>
+            <a:lvl6pPr marL="2514600" indent="-228600" algn="l" defTabSz="914400" rtl="0" eaLnBrk="1" latinLnBrk="0" hangingPunct="1">
+              <a:lnSpc>
+                <a:spcPct val="90000"/>
+              </a:lnSpc>
+              <a:spcBef>
+                <a:spcPts val="500"/>
+              </a:spcBef>
+              <a:buFont typeface="Arial" panose="020B0604020202020204" pitchFamily="34" charset="0"/>
+              <a:buChar char="•"/>
+              <a:defRPr sz="1800" kern="1200">
+                <a:solidFill>
+                  <a:schemeClr val="tx1"/>
+                </a:solidFill>
+                <a:latin typeface="+mn-lt"/>
+                <a:ea typeface="+mn-ea"/>
+                <a:cs typeface="+mn-cs"/>
+              </a:defRPr>
+            </a:lvl6pPr>
+            <a:lvl7pPr marL="2971800" indent="-228600" algn="l" defTabSz="914400" rtl="0" eaLnBrk="1" latinLnBrk="0" hangingPunct="1">
+              <a:lnSpc>
+                <a:spcPct val="90000"/>
+              </a:lnSpc>
+              <a:spcBef>
+                <a:spcPts val="500"/>
+              </a:spcBef>
+              <a:buFont typeface="Arial" panose="020B0604020202020204" pitchFamily="34" charset="0"/>
+              <a:buChar char="•"/>
+              <a:defRPr sz="1800" kern="1200">
+                <a:solidFill>
+                  <a:schemeClr val="tx1"/>
+                </a:solidFill>
+                <a:latin typeface="+mn-lt"/>
+                <a:ea typeface="+mn-ea"/>
+                <a:cs typeface="+mn-cs"/>
+              </a:defRPr>
+            </a:lvl7pPr>
+            <a:lvl8pPr marL="3429000" indent="-228600" algn="l" defTabSz="914400" rtl="0" eaLnBrk="1" latinLnBrk="0" hangingPunct="1">
+              <a:lnSpc>
+                <a:spcPct val="90000"/>
+              </a:lnSpc>
+              <a:spcBef>
+                <a:spcPts val="500"/>
+              </a:spcBef>
+              <a:buFont typeface="Arial" panose="020B0604020202020204" pitchFamily="34" charset="0"/>
+              <a:buChar char="•"/>
+              <a:defRPr sz="1800" kern="1200">
+                <a:solidFill>
+                  <a:schemeClr val="tx1"/>
+                </a:solidFill>
+                <a:latin typeface="+mn-lt"/>
+                <a:ea typeface="+mn-ea"/>
+                <a:cs typeface="+mn-cs"/>
+              </a:defRPr>
+            </a:lvl8pPr>
+            <a:lvl9pPr marL="3886200" indent="-228600" algn="l" defTabSz="914400" rtl="0" eaLnBrk="1" latinLnBrk="0" hangingPunct="1">
+              <a:lnSpc>
+                <a:spcPct val="90000"/>
+              </a:lnSpc>
+              <a:spcBef>
+                <a:spcPts val="500"/>
+              </a:spcBef>
+              <a:buFont typeface="Arial" panose="020B0604020202020204" pitchFamily="34" charset="0"/>
+              <a:buChar char="•"/>
+              <a:defRPr sz="1800" kern="1200">
+                <a:solidFill>
+                  <a:schemeClr val="tx1"/>
+                </a:solidFill>
+                <a:latin typeface="+mn-lt"/>
+                <a:ea typeface="+mn-ea"/>
+                <a:cs typeface="+mn-cs"/>
+              </a:defRPr>
+            </a:lvl9pPr>
+          </a:lstStyle>
+          <a:p>
+            <a:pPr marL="0" indent="0">
+              <a:buNone/>
+            </a:pPr>
+            <a:r>
+              <a:rPr lang="en-US" sz="1800" b="1" i="1" dirty="0">
+                <a:ln>
+                  <a:solidFill>
+                    <a:schemeClr val="tx1"/>
+                  </a:solidFill>
+                </a:ln>
+                <a:latin typeface="Helvetica" pitchFamily="2" charset="0"/>
+                <a:ea typeface="HELVETICA NEUE MEDIUM" panose="02000503000000020004" pitchFamily="2" charset="0"/>
+                <a:cs typeface="HELVETICA NEUE MEDIUM" panose="02000503000000020004" pitchFamily="2" charset="0"/>
+              </a:rPr>
+              <a:t>Team</a:t>
             </a:r>
           </a:p>
           <a:p>
@@ -3441,18 +3726,123 @@
                     <a:schemeClr val="tx1"/>
                   </a:solidFill>
                 </a:ln>
+                <a:latin typeface="Helvetica" pitchFamily="2" charset="0"/>
+                <a:ea typeface="Helvetica Neue Medium" panose="02000503000000020004" pitchFamily="2" charset="0"/>
+                <a:cs typeface="Helvetica Neue Medium" panose="02000503000000020004" pitchFamily="2" charset="0"/>
               </a:rPr>
-              <a:t>Etc.</a:t>
-            </a:r>
-          </a:p>
-        </p:txBody>
-      </p:sp>
-      <p:sp>
-        <p:nvSpPr>
-          <p:cNvPr id="6" name="Content Placeholder 2">
-            <a:extLst>
-              <a:ext uri="{FF2B5EF4-FFF2-40B4-BE49-F238E27FC236}">
-                <a16:creationId xmlns:a16="http://schemas.microsoft.com/office/drawing/2014/main" id="{36ABE17C-493E-4D75-A036-BB56818F59AF}"/>
+              <a:t>Andrew Nease</a:t>
+            </a:r>
+          </a:p>
+          <a:p>
+            <a:r>
+              <a:rPr lang="en-US" sz="1800" dirty="0" err="1">
+                <a:ln>
+                  <a:solidFill>
+                    <a:schemeClr val="tx1"/>
+                  </a:solidFill>
+                </a:ln>
+                <a:latin typeface="Helvetica" pitchFamily="2" charset="0"/>
+                <a:ea typeface="Helvetica Neue Medium" panose="02000503000000020004" pitchFamily="2" charset="0"/>
+                <a:cs typeface="Helvetica Neue Medium" panose="02000503000000020004" pitchFamily="2" charset="0"/>
+              </a:rPr>
+              <a:t>Lando</a:t>
+            </a:r>
+            <a:r>
+              <a:rPr lang="en-US" sz="1800" dirty="0">
+                <a:ln>
+                  <a:solidFill>
+                    <a:schemeClr val="tx1"/>
+                  </a:solidFill>
+                </a:ln>
+                <a:latin typeface="Helvetica" pitchFamily="2" charset="0"/>
+                <a:ea typeface="Helvetica Neue Medium" panose="02000503000000020004" pitchFamily="2" charset="0"/>
+                <a:cs typeface="Helvetica Neue Medium" panose="02000503000000020004" pitchFamily="2" charset="0"/>
+              </a:rPr>
+              <a:t> Slack</a:t>
+            </a:r>
+          </a:p>
+          <a:p>
+            <a:r>
+              <a:rPr lang="en-US" sz="1800" dirty="0">
+                <a:ln>
+                  <a:solidFill>
+                    <a:schemeClr val="tx1"/>
+                  </a:solidFill>
+                </a:ln>
+                <a:latin typeface="Helvetica" pitchFamily="2" charset="0"/>
+                <a:ea typeface="Helvetica Neue Medium" panose="02000503000000020004" pitchFamily="2" charset="0"/>
+                <a:cs typeface="Helvetica Neue Medium" panose="02000503000000020004" pitchFamily="2" charset="0"/>
+              </a:rPr>
+              <a:t>Daniel Wood</a:t>
+            </a:r>
+          </a:p>
+          <a:p>
+            <a:pPr marL="0" indent="0">
+              <a:buNone/>
+            </a:pPr>
+            <a:r>
+              <a:rPr lang="en-US" sz="1800" b="1" i="1" dirty="0">
+                <a:ln>
+                  <a:solidFill>
+                    <a:schemeClr val="tx1"/>
+                  </a:solidFill>
+                </a:ln>
+                <a:latin typeface="Helvetica" pitchFamily="2" charset="0"/>
+                <a:ea typeface="HELVETICA NEUE MEDIUM" panose="02000503000000020004" pitchFamily="2" charset="0"/>
+                <a:cs typeface="HELVETICA NEUE MEDIUM" panose="02000503000000020004" pitchFamily="2" charset="0"/>
+              </a:rPr>
+              <a:t>Advisor </a:t>
+            </a:r>
+          </a:p>
+          <a:p>
+            <a:r>
+              <a:rPr lang="en-US" sz="1800" dirty="0">
+                <a:ln>
+                  <a:solidFill>
+                    <a:schemeClr val="tx1"/>
+                  </a:solidFill>
+                </a:ln>
+                <a:latin typeface="Helvetica" pitchFamily="2" charset="0"/>
+                <a:ea typeface="Helvetica Neue Medium" panose="02000503000000020004" pitchFamily="2" charset="0"/>
+                <a:cs typeface="Helvetica Neue Medium" panose="02000503000000020004" pitchFamily="2" charset="0"/>
+              </a:rPr>
+              <a:t>Prof. </a:t>
+            </a:r>
+            <a:r>
+              <a:rPr lang="en-US" sz="1800" dirty="0" err="1">
+                <a:ln>
+                  <a:solidFill>
+                    <a:schemeClr val="tx1"/>
+                  </a:solidFill>
+                </a:ln>
+                <a:latin typeface="Helvetica" pitchFamily="2" charset="0"/>
+                <a:ea typeface="Helvetica Neue Medium" panose="02000503000000020004" pitchFamily="2" charset="0"/>
+                <a:cs typeface="Helvetica Neue Medium" panose="02000503000000020004" pitchFamily="2" charset="0"/>
+              </a:rPr>
+              <a:t>Yiming</a:t>
+            </a:r>
+            <a:r>
+              <a:rPr lang="en-US" sz="1800" dirty="0">
+                <a:ln>
+                  <a:solidFill>
+                    <a:schemeClr val="tx1"/>
+                  </a:solidFill>
+                </a:ln>
+                <a:latin typeface="Helvetica" pitchFamily="2" charset="0"/>
+                <a:ea typeface="Helvetica Neue Medium" panose="02000503000000020004" pitchFamily="2" charset="0"/>
+                <a:cs typeface="Helvetica Neue Medium" panose="02000503000000020004" pitchFamily="2" charset="0"/>
+              </a:rPr>
+              <a:t> Hu</a:t>
+            </a:r>
+          </a:p>
+        </p:txBody>
+      </p:sp>
+      <p:sp>
+        <p:nvSpPr>
+          <p:cNvPr id="8" name="Content Placeholder 2">
+            <a:extLst>
+              <a:ext uri="{FF2B5EF4-FFF2-40B4-BE49-F238E27FC236}">
+                <a16:creationId xmlns:a16="http://schemas.microsoft.com/office/drawing/2014/main" id="{96F712D3-17A2-4505-9B31-67C72FE9C931}"/>
               </a:ext>
             </a:extLst>
           </p:cNvPr>
@@ -3463,8 +3853,8 @@
         </p:nvSpPr>
         <p:spPr>
           <a:xfrm>
-            <a:off x="4267200" y="1246455"/>
-            <a:ext cx="3657600" cy="1836379"/>
+            <a:off x="2032000" y="1820188"/>
+            <a:ext cx="1876121" cy="2104411"/>
           </a:xfrm>
           <a:prstGeom prst="rect">
             <a:avLst/>
@@ -3648,17 +4038,251 @@
               <a:buNone/>
             </a:pPr>
             <a:r>
+              <a:rPr lang="en-US" sz="1800" b="1" i="1" dirty="0">
+                <a:ln>
+                  <a:solidFill>
+                    <a:schemeClr val="tx1"/>
+                  </a:solidFill>
+                </a:ln>
+                <a:latin typeface="Helvetica" pitchFamily="2" charset="0"/>
+              </a:rPr>
+              <a:t>Overview</a:t>
+            </a:r>
+          </a:p>
+          <a:p>
+            <a:pPr marL="0" indent="0">
+              <a:buNone/>
+            </a:pPr>
+            <a:r>
               <a:rPr lang="en-US" sz="1800" dirty="0">
                 <a:ln>
                   <a:solidFill>
                     <a:schemeClr val="tx1"/>
                   </a:solidFill>
                 </a:ln>
+                <a:latin typeface="Helvetica" pitchFamily="2" charset="0"/>
               </a:rPr>
-              <a:t>Team:</a:t>
-            </a:r>
-          </a:p>
-          <a:p>
+              <a:t>Our tool enables user to quickly and accurately fact check all or some of the text on a webpage </a:t>
+            </a:r>
+          </a:p>
+        </p:txBody>
+      </p:sp>
+      <p:sp>
+        <p:nvSpPr>
+          <p:cNvPr id="9" name="Content Placeholder 2">
+            <a:extLst>
+              <a:ext uri="{FF2B5EF4-FFF2-40B4-BE49-F238E27FC236}">
+                <a16:creationId xmlns:a16="http://schemas.microsoft.com/office/drawing/2014/main" id="{F3C090B5-41FA-48EB-A679-32EC12B532D7}"/>
+              </a:ext>
+            </a:extLst>
+          </p:cNvPr>
+          <p:cNvSpPr txBox="1">
+            <a:spLocks/>
+          </p:cNvSpPr>
+          <p:nvPr/>
+        </p:nvSpPr>
+        <p:spPr>
+          <a:xfrm>
+            <a:off x="4035385" y="148856"/>
+            <a:ext cx="3983990" cy="2104412"/>
+          </a:xfrm>
+          <a:prstGeom prst="rect">
+            <a:avLst/>
+          </a:prstGeom>
+          <a:ln>
+            <a:solidFill>
+              <a:schemeClr val="tx1"/>
+            </a:solidFill>
+          </a:ln>
+        </p:spPr>
+        <p:txBody>
+          <a:bodyPr vert="horz" lIns="91440" tIns="45720" rIns="91440" bIns="45720" rtlCol="0">
+            <a:normAutofit lnSpcReduction="10000"/>
+          </a:bodyPr>
+          <a:lstStyle>
+            <a:lvl1pPr marL="228600" indent="-228600" algn="l" defTabSz="914400" rtl="0" eaLnBrk="1" latinLnBrk="0" hangingPunct="1">
+              <a:lnSpc>
+                <a:spcPct val="90000"/>
+              </a:lnSpc>
+              <a:spcBef>
+                <a:spcPts val="1000"/>
+              </a:spcBef>
+              <a:buFont typeface="Arial" panose="020B0604020202020204" pitchFamily="34" charset="0"/>
+              <a:buChar char="•"/>
+              <a:defRPr sz="2800" kern="1200">
+                <a:solidFill>
+                  <a:schemeClr val="tx1"/>
+                </a:solidFill>
+                <a:latin typeface="+mn-lt"/>
+                <a:ea typeface="+mn-ea"/>
+                <a:cs typeface="+mn-cs"/>
+              </a:defRPr>
+            </a:lvl1pPr>
+            <a:lvl2pPr marL="685800" indent="-228600" algn="l" defTabSz="914400" rtl="0" eaLnBrk="1" latinLnBrk="0" hangingPunct="1">
+              <a:lnSpc>
+                <a:spcPct val="90000"/>
+              </a:lnSpc>
+              <a:spcBef>
+                <a:spcPts val="500"/>
+              </a:spcBef>
+              <a:buFont typeface="Arial" panose="020B0604020202020204" pitchFamily="34" charset="0"/>
+              <a:buChar char="•"/>
+              <a:defRPr sz="2400" kern="1200">
+                <a:solidFill>
+                  <a:schemeClr val="tx1"/>
+                </a:solidFill>
+                <a:latin typeface="+mn-lt"/>
+                <a:ea typeface="+mn-ea"/>
+                <a:cs typeface="+mn-cs"/>
+              </a:defRPr>
+            </a:lvl2pPr>
+            <a:lvl3pPr marL="1143000" indent="-228600" algn="l" defTabSz="914400" rtl="0" eaLnBrk="1" latinLnBrk="0" hangingPunct="1">
+              <a:lnSpc>
+                <a:spcPct val="90000"/>
+              </a:lnSpc>
+              <a:spcBef>
+                <a:spcPts val="500"/>
+              </a:spcBef>
+              <a:buFont typeface="Arial" panose="020B0604020202020204" pitchFamily="34" charset="0"/>
+              <a:buChar char="•"/>
+              <a:defRPr sz="2000" kern="1200">
+                <a:solidFill>
+                  <a:schemeClr val="tx1"/>
+                </a:solidFill>
+                <a:latin typeface="+mn-lt"/>
+                <a:ea typeface="+mn-ea"/>
+                <a:cs typeface="+mn-cs"/>
+              </a:defRPr>
+            </a:lvl3pPr>
+            <a:lvl4pPr marL="1600200" indent="-228600" algn="l" defTabSz="914400" rtl="0" eaLnBrk="1" latinLnBrk="0" hangingPunct="1">
+              <a:lnSpc>
+                <a:spcPct val="90000"/>
+              </a:lnSpc>
+              <a:spcBef>
+                <a:spcPts val="500"/>
+              </a:spcBef>
+              <a:buFont typeface="Arial" panose="020B0604020202020204" pitchFamily="34" charset="0"/>
+              <a:buChar char="•"/>
+              <a:defRPr sz="1800" kern="1200">
+                <a:solidFill>
+                  <a:schemeClr val="tx1"/>
+                </a:solidFill>
+                <a:latin typeface="+mn-lt"/>
+                <a:ea typeface="+mn-ea"/>
+                <a:cs typeface="+mn-cs"/>
+              </a:defRPr>
+            </a:lvl4pPr>
+            <a:lvl5pPr marL="2057400" indent="-228600" algn="l" defTabSz="914400" rtl="0" eaLnBrk="1" latinLnBrk="0" hangingPunct="1">
+              <a:lnSpc>
+                <a:spcPct val="90000"/>
+              </a:lnSpc>
+              <a:spcBef>
+                <a:spcPts val="500"/>
+              </a:spcBef>
+              <a:buFont typeface="Arial" panose="020B0604020202020204" pitchFamily="34" charset="0"/>
+              <a:buChar char="•"/>
+              <a:defRPr sz="1800" kern="1200">
+                <a:solidFill>
+                  <a:schemeClr val="tx1"/>
+                </a:solidFill>
+                <a:latin typeface="+mn-lt"/>
+                <a:ea typeface="+mn-ea"/>
+                <a:cs typeface="+mn-cs"/>
+              </a:defRPr>
+            </a:lvl5pPr>
+            <a:lvl6pPr marL="2514600" indent="-228600" algn="l" defTabSz="914400" rtl="0" eaLnBrk="1" latinLnBrk="0" hangingPunct="1">
+              <a:lnSpc>
+                <a:spcPct val="90000"/>
+              </a:lnSpc>
+              <a:spcBef>
+                <a:spcPts val="500"/>
+              </a:spcBef>
+              <a:buFont typeface="Arial" panose="020B0604020202020204" pitchFamily="34" charset="0"/>
+              <a:buChar char="•"/>
+              <a:defRPr sz="1800" kern="1200">
+                <a:solidFill>
+                  <a:schemeClr val="tx1"/>
+                </a:solidFill>
+                <a:latin typeface="+mn-lt"/>
+                <a:ea typeface="+mn-ea"/>
+                <a:cs typeface="+mn-cs"/>
+              </a:defRPr>
+            </a:lvl6pPr>
+            <a:lvl7pPr marL="2971800" indent="-228600" algn="l" defTabSz="914400" rtl="0" eaLnBrk="1" latinLnBrk="0" hangingPunct="1">
+              <a:lnSpc>
+                <a:spcPct val="90000"/>
+              </a:lnSpc>
+              <a:spcBef>
+                <a:spcPts val="500"/>
+              </a:spcBef>
+              <a:buFont typeface="Arial" panose="020B0604020202020204" pitchFamily="34" charset="0"/>
+              <a:buChar char="•"/>
+              <a:defRPr sz="1800" kern="1200">
+                <a:solidFill>
+                  <a:schemeClr val="tx1"/>
+                </a:solidFill>
+                <a:latin typeface="+mn-lt"/>
+                <a:ea typeface="+mn-ea"/>
+                <a:cs typeface="+mn-cs"/>
+              </a:defRPr>
+            </a:lvl7pPr>
+            <a:lvl8pPr marL="3429000" indent="-228600" algn="l" defTabSz="914400" rtl="0" eaLnBrk="1" latinLnBrk="0" hangingPunct="1">
+              <a:lnSpc>
+                <a:spcPct val="90000"/>
+              </a:lnSpc>
+              <a:spcBef>
+                <a:spcPts val="500"/>
+              </a:spcBef>
+              <a:buFont typeface="Arial" panose="020B0604020202020204" pitchFamily="34" charset="0"/>
+              <a:buChar char="•"/>
+              <a:defRPr sz="1800" kern="1200">
+                <a:solidFill>
+                  <a:schemeClr val="tx1"/>
+                </a:solidFill>
+                <a:latin typeface="+mn-lt"/>
+                <a:ea typeface="+mn-ea"/>
+                <a:cs typeface="+mn-cs"/>
+              </a:defRPr>
+            </a:lvl8pPr>
+            <a:lvl9pPr marL="3886200" indent="-228600" algn="l" defTabSz="914400" rtl="0" eaLnBrk="1" latinLnBrk="0" hangingPunct="1">
+              <a:lnSpc>
+                <a:spcPct val="90000"/>
+              </a:lnSpc>
+              <a:spcBef>
+                <a:spcPts val="500"/>
+              </a:spcBef>
+              <a:buFont typeface="Arial" panose="020B0604020202020204" pitchFamily="34" charset="0"/>
+              <a:buChar char="•"/>
+              <a:defRPr sz="1800" kern="1200">
+                <a:solidFill>
+                  <a:schemeClr val="tx1"/>
+                </a:solidFill>
+                <a:latin typeface="+mn-lt"/>
+                <a:ea typeface="+mn-ea"/>
+                <a:cs typeface="+mn-cs"/>
+              </a:defRPr>
+            </a:lvl9pPr>
+          </a:lstStyle>
+          <a:p>
+            <a:pPr marL="0" indent="0">
+              <a:buNone/>
+            </a:pPr>
+            <a:r>
+              <a:rPr lang="en-US" sz="1800" b="1" i="1" dirty="0">
+                <a:ln>
+                  <a:solidFill>
+                    <a:schemeClr val="tx1"/>
+                  </a:solidFill>
+                </a:ln>
+                <a:latin typeface="Helvetica" pitchFamily="2" charset="0"/>
+              </a:rPr>
+              <a:t>Purpose</a:t>
+            </a:r>
+          </a:p>
+          <a:p>
+            <a:pPr marL="0" indent="0">
+              <a:buNone/>
+            </a:pPr>
             <a:r>
               <a:rPr lang="en-US" sz="1800" dirty="0">
                 <a:ln>
@@ -3666,104 +4290,19 @@
                     <a:schemeClr val="tx1"/>
                   </a:solidFill>
                 </a:ln>
+                <a:latin typeface="Helvetica" pitchFamily="2" charset="0"/>
               </a:rPr>
-              <a:t>Andrew </a:t>
-            </a:r>
-            <a:r>
-              <a:rPr lang="en-US" sz="1800" dirty="0" err="1">
-                <a:ln>
-                  <a:solidFill>
-                    <a:schemeClr val="tx1"/>
-                  </a:solidFill>
-                </a:ln>
-              </a:rPr>
-              <a:t>Nease</a:t>
-            </a:r>
-            <a:endParaRPr lang="en-US" sz="1800" dirty="0">
-              <a:ln>
-                <a:solidFill>
-                  <a:schemeClr val="tx1"/>
-                </a:solidFill>
-              </a:ln>
-            </a:endParaRPr>
-          </a:p>
-          <a:p>
-            <a:r>
-              <a:rPr lang="en-US" sz="1800" dirty="0" err="1">
-                <a:ln>
-                  <a:solidFill>
-                    <a:schemeClr val="tx1"/>
-                  </a:solidFill>
-                </a:ln>
-              </a:rPr>
-              <a:t>Lando</a:t>
-            </a:r>
-            <a:r>
-              <a:rPr lang="en-US" sz="1800" dirty="0">
-                <a:ln>
-                  <a:solidFill>
-                    <a:schemeClr val="tx1"/>
-                  </a:solidFill>
-                </a:ln>
-              </a:rPr>
-              <a:t> Slack</a:t>
-            </a:r>
-          </a:p>
-          <a:p>
-            <a:r>
-              <a:rPr lang="en-US" sz="1800" dirty="0">
-                <a:ln>
-                  <a:solidFill>
-                    <a:schemeClr val="tx1"/>
-                  </a:solidFill>
-                </a:ln>
-              </a:rPr>
-              <a:t>Daniel Wood</a:t>
-            </a:r>
-          </a:p>
-          <a:p>
-            <a:pPr marL="0" indent="0">
-              <a:buNone/>
-            </a:pPr>
-            <a:r>
-              <a:rPr lang="en-US" sz="1800" dirty="0">
-                <a:ln>
-                  <a:solidFill>
-                    <a:schemeClr val="tx1"/>
-                  </a:solidFill>
-                </a:ln>
-              </a:rPr>
-              <a:t>Advisor: Prof. </a:t>
-            </a:r>
-            <a:r>
-              <a:rPr lang="en-US" sz="1800" dirty="0" err="1">
-                <a:ln>
-                  <a:solidFill>
-                    <a:schemeClr val="tx1"/>
-                  </a:solidFill>
-                </a:ln>
-              </a:rPr>
-              <a:t>Yiming</a:t>
-            </a:r>
-            <a:r>
-              <a:rPr lang="en-US" sz="1800" dirty="0">
-                <a:ln>
-                  <a:solidFill>
-                    <a:schemeClr val="tx1"/>
-                  </a:solidFill>
-                </a:ln>
-              </a:rPr>
-              <a:t> Hu</a:t>
-            </a:r>
-          </a:p>
-        </p:txBody>
-      </p:sp>
-      <p:sp>
-        <p:nvSpPr>
-          <p:cNvPr id="7" name="Content Placeholder 2">
-            <a:extLst>
-              <a:ext uri="{FF2B5EF4-FFF2-40B4-BE49-F238E27FC236}">
-                <a16:creationId xmlns:a16="http://schemas.microsoft.com/office/drawing/2014/main" id="{3B77DE81-60C6-49AD-A8CF-37A9A8114800}"/>
+              <a:t>We want to enable anyone to be able to fact-check content on the web with as little effort as possible. By doing so, we encourage users to verify anything they read online. This will ideally limit the spread of misinformation online.</a:t>
+            </a:r>
+          </a:p>
+        </p:txBody>
+      </p:sp>
+      <p:sp>
+        <p:nvSpPr>
+          <p:cNvPr id="10" name="Content Placeholder 2">
+            <a:extLst>
+              <a:ext uri="{FF2B5EF4-FFF2-40B4-BE49-F238E27FC236}">
+                <a16:creationId xmlns:a16="http://schemas.microsoft.com/office/drawing/2014/main" id="{72B6592E-0F5C-4E07-A234-418F2856DA51}"/>
               </a:ext>
             </a:extLst>
           </p:cNvPr>
@@ -3774,8 +4313,8 @@
         </p:nvSpPr>
         <p:spPr>
           <a:xfrm>
-            <a:off x="8155577" y="684798"/>
-            <a:ext cx="3657600" cy="5301699"/>
+            <a:off x="8146638" y="153075"/>
+            <a:ext cx="3842333" cy="3923259"/>
           </a:xfrm>
           <a:prstGeom prst="rect">
             <a:avLst/>
@@ -3955,35 +4494,89 @@
             </a:lvl9pPr>
           </a:lstStyle>
           <a:p>
-            <a:r>
-              <a:rPr lang="en-US" dirty="0" err="1">
+            <a:pPr marL="0" indent="0">
+              <a:buNone/>
+            </a:pPr>
+            <a:r>
+              <a:rPr lang="en-US" sz="1800" b="1" i="1" dirty="0">
                 <a:ln>
                   <a:solidFill>
                     <a:schemeClr val="tx1"/>
                   </a:solidFill>
                 </a:ln>
+                <a:latin typeface="Helvetica" pitchFamily="2" charset="0"/>
               </a:rPr>
-              <a:t>Todo</a:t>
-            </a:r>
-            <a:r>
-              <a:rPr lang="en-US" dirty="0">
+              <a:t>Design</a:t>
+            </a:r>
+          </a:p>
+          <a:p>
+            <a:r>
+              <a:rPr lang="en-US" sz="1800" dirty="0">
                 <a:ln>
                   <a:solidFill>
                     <a:schemeClr val="tx1"/>
                   </a:solidFill>
                 </a:ln>
+                <a:latin typeface="Helvetica" pitchFamily="2" charset="0"/>
               </a:rPr>
-              <a:t>: add screenshots of web extension activation and results page (with captions for each)</a:t>
-            </a:r>
-          </a:p>
-        </p:txBody>
-      </p:sp>
-      <p:sp>
-        <p:nvSpPr>
-          <p:cNvPr id="8" name="Content Placeholder 2">
-            <a:extLst>
-              <a:ext uri="{FF2B5EF4-FFF2-40B4-BE49-F238E27FC236}">
-                <a16:creationId xmlns:a16="http://schemas.microsoft.com/office/drawing/2014/main" id="{96F712D3-17A2-4505-9B31-67C72FE9C931}"/>
+              <a:t>Use </a:t>
+            </a:r>
+            <a:r>
+              <a:rPr lang="en-US" sz="1800" dirty="0" err="1">
+                <a:ln>
+                  <a:solidFill>
+                    <a:schemeClr val="tx1"/>
+                  </a:solidFill>
+                </a:ln>
+                <a:latin typeface="Helvetica" pitchFamily="2" charset="0"/>
+              </a:rPr>
+              <a:t>neuralcoref</a:t>
+            </a:r>
+            <a:r>
+              <a:rPr lang="en-US" sz="1800" dirty="0">
+                <a:ln>
+                  <a:solidFill>
+                    <a:schemeClr val="tx1"/>
+                  </a:solidFill>
+                </a:ln>
+                <a:latin typeface="Helvetica" pitchFamily="2" charset="0"/>
+              </a:rPr>
+              <a:t> library as our method for pronoun replacement. This allowed us to implement pronoun replacement without going beyond the scope of our project.</a:t>
+            </a:r>
+          </a:p>
+          <a:p>
+            <a:r>
+              <a:rPr lang="en-US" sz="1800" dirty="0">
+                <a:ln>
+                  <a:solidFill>
+                    <a:schemeClr val="tx1"/>
+                  </a:solidFill>
+                </a:ln>
+                <a:latin typeface="Helvetica" pitchFamily="2" charset="0"/>
+              </a:rPr>
+              <a:t>Use Snopes, Wikipedia, and [others] to check facts against: We believe that checking against a variety of trustworthy sites will provide us with results we can be confident in.</a:t>
+            </a:r>
+          </a:p>
+          <a:p>
+            <a:pPr marL="0" indent="0">
+              <a:buNone/>
+            </a:pPr>
+            <a:endParaRPr lang="en-US" sz="1800" dirty="0">
+              <a:ln>
+                <a:solidFill>
+                  <a:schemeClr val="tx1"/>
+                </a:solidFill>
+              </a:ln>
+            </a:endParaRPr>
+          </a:p>
+        </p:txBody>
+      </p:sp>
+      <p:sp>
+        <p:nvSpPr>
+          <p:cNvPr id="11" name="Content Placeholder 2">
+            <a:extLst>
+              <a:ext uri="{FF2B5EF4-FFF2-40B4-BE49-F238E27FC236}">
+                <a16:creationId xmlns:a16="http://schemas.microsoft.com/office/drawing/2014/main" id="{A3018B26-1330-41FD-BC70-D910BDCD8A00}"/>
               </a:ext>
             </a:extLst>
           </p:cNvPr>
@@ -3994,8 +4587,8 @@
         </p:nvSpPr>
         <p:spPr>
           <a:xfrm>
-            <a:off x="4267200" y="3199754"/>
-            <a:ext cx="3657600" cy="841024"/>
+            <a:off x="4035385" y="4226966"/>
+            <a:ext cx="3983991" cy="2104411"/>
           </a:xfrm>
           <a:prstGeom prst="rect">
             <a:avLst/>
@@ -4179,24 +4772,888 @@
               <a:buNone/>
             </a:pPr>
             <a:r>
+              <a:rPr lang="en-US" sz="1800" b="1" i="1" dirty="0">
+                <a:ln>
+                  <a:solidFill>
+                    <a:schemeClr val="tx1"/>
+                  </a:solidFill>
+                </a:ln>
+                <a:latin typeface="Helvetica" pitchFamily="2" charset="0"/>
+              </a:rPr>
+              <a:t>Improvements</a:t>
+            </a:r>
+          </a:p>
+          <a:p>
+            <a:r>
               <a:rPr lang="en-US" sz="1800" dirty="0">
                 <a:ln>
                   <a:solidFill>
                     <a:schemeClr val="tx1"/>
                   </a:solidFill>
                 </a:ln>
+                <a:latin typeface="Helvetica" pitchFamily="2" charset="0"/>
               </a:rPr>
-              <a:t>Overview: Our tool enables user to quickly and accurately fact check all or some of the text on a webpage </a:t>
-            </a:r>
-          </a:p>
-        </p:txBody>
-      </p:sp>
-      <p:sp>
-        <p:nvSpPr>
-          <p:cNvPr id="9" name="Content Placeholder 2">
-            <a:extLst>
-              <a:ext uri="{FF2B5EF4-FFF2-40B4-BE49-F238E27FC236}">
-                <a16:creationId xmlns:a16="http://schemas.microsoft.com/office/drawing/2014/main" id="{F3C090B5-41FA-48EB-A679-32EC12B532D7}"/>
+              <a:t>Develop a pronoun replacement tool from the ground up to deliver better results</a:t>
+            </a:r>
+          </a:p>
+        </p:txBody>
+      </p:sp>
+      <p:grpSp>
+        <p:nvGrpSpPr>
+          <p:cNvPr id="13" name="Group 12">
+            <a:extLst>
+              <a:ext uri="{FF2B5EF4-FFF2-40B4-BE49-F238E27FC236}">
+                <a16:creationId xmlns:a16="http://schemas.microsoft.com/office/drawing/2014/main" id="{B501440B-A694-7140-8AD0-711D6886A467}"/>
+              </a:ext>
+            </a:extLst>
+          </p:cNvPr>
+          <p:cNvGrpSpPr/>
+          <p:nvPr/>
+        </p:nvGrpSpPr>
+        <p:grpSpPr>
+          <a:xfrm>
+            <a:off x="8085086" y="4221575"/>
+            <a:ext cx="3904488" cy="2359152"/>
+            <a:chOff x="5003240" y="1886699"/>
+            <a:chExt cx="4037354" cy="2389184"/>
+          </a:xfrm>
+        </p:grpSpPr>
+        <p:grpSp>
+          <p:nvGrpSpPr>
+            <p:cNvPr id="14" name="Google Shape;742;p34">
+              <a:extLst>
+                <a:ext uri="{FF2B5EF4-FFF2-40B4-BE49-F238E27FC236}">
+                  <a16:creationId xmlns:a16="http://schemas.microsoft.com/office/drawing/2014/main" id="{31B2A6EF-F5BE-4B40-9691-9801AB0BC899}"/>
+                </a:ext>
+              </a:extLst>
+            </p:cNvPr>
+            <p:cNvGrpSpPr/>
+            <p:nvPr/>
+          </p:nvGrpSpPr>
+          <p:grpSpPr>
+            <a:xfrm>
+              <a:off x="5003240" y="1886699"/>
+              <a:ext cx="4037354" cy="2389184"/>
+              <a:chOff x="1177450" y="241631"/>
+              <a:chExt cx="6173152" cy="3616776"/>
+            </a:xfrm>
+          </p:grpSpPr>
+          <p:sp>
+            <p:nvSpPr>
+              <p:cNvPr id="16" name="Google Shape;743;p34">
+                <a:extLst>
+                  <a:ext uri="{FF2B5EF4-FFF2-40B4-BE49-F238E27FC236}">
+                    <a16:creationId xmlns:a16="http://schemas.microsoft.com/office/drawing/2014/main" id="{08174E5F-4A9C-9448-9DB0-7F0E337B1A5D}"/>
+                  </a:ext>
+                </a:extLst>
+              </p:cNvPr>
+              <p:cNvSpPr/>
+              <p:nvPr/>
+            </p:nvSpPr>
+            <p:spPr>
+              <a:xfrm>
+                <a:off x="1682275" y="241631"/>
+                <a:ext cx="5161606" cy="3454973"/>
+              </a:xfrm>
+              <a:custGeom>
+                <a:avLst/>
+                <a:gdLst/>
+                <a:ahLst/>
+                <a:cxnLst/>
+                <a:rect l="l" t="t" r="r" b="b"/>
+                <a:pathLst>
+                  <a:path w="5161606" h="3454973" extrusionOk="0">
+                    <a:moveTo>
+                      <a:pt x="4992053" y="0"/>
+                    </a:moveTo>
+                    <a:lnTo>
+                      <a:pt x="170498" y="0"/>
+                    </a:lnTo>
+                    <a:cubicBezTo>
+                      <a:pt x="76200" y="0"/>
+                      <a:pt x="0" y="76143"/>
+                      <a:pt x="0" y="170369"/>
+                    </a:cubicBezTo>
+                    <a:lnTo>
+                      <a:pt x="0" y="3396915"/>
+                    </a:lnTo>
+                    <a:cubicBezTo>
+                      <a:pt x="0" y="3429275"/>
+                      <a:pt x="26670" y="3454973"/>
+                      <a:pt x="58102" y="3454973"/>
+                    </a:cubicBezTo>
+                    <a:lnTo>
+                      <a:pt x="5103495" y="3454973"/>
+                    </a:lnTo>
+                    <a:cubicBezTo>
+                      <a:pt x="5135880" y="3454973"/>
+                      <a:pt x="5161598" y="3428324"/>
+                      <a:pt x="5161598" y="3396915"/>
+                    </a:cubicBezTo>
+                    <a:lnTo>
+                      <a:pt x="5161598" y="170369"/>
+                    </a:lnTo>
+                    <a:cubicBezTo>
+                      <a:pt x="5162550" y="76143"/>
+                      <a:pt x="5086350" y="0"/>
+                      <a:pt x="4992053" y="0"/>
+                    </a:cubicBezTo>
+                    <a:close/>
+                    <a:moveTo>
+                      <a:pt x="4981575" y="3245581"/>
+                    </a:moveTo>
+                    <a:lnTo>
+                      <a:pt x="190500" y="3245581"/>
+                    </a:lnTo>
+                    <a:lnTo>
+                      <a:pt x="190500" y="199874"/>
+                    </a:lnTo>
+                    <a:lnTo>
+                      <a:pt x="4981575" y="199874"/>
+                    </a:lnTo>
+                    <a:lnTo>
+                      <a:pt x="4981575" y="3245581"/>
+                    </a:lnTo>
+                    <a:close/>
+                  </a:path>
+                </a:pathLst>
+              </a:custGeom>
+              <a:solidFill>
+                <a:schemeClr val="dk1"/>
+              </a:solidFill>
+              <a:ln>
+                <a:noFill/>
+              </a:ln>
+            </p:spPr>
+            <p:txBody>
+              <a:bodyPr spcFirstLastPara="1" wrap="square" lIns="91425" tIns="45700" rIns="91425" bIns="45700" anchor="ctr" anchorCtr="0">
+                <a:noAutofit/>
+              </a:bodyPr>
+              <a:lstStyle/>
+              <a:p>
+                <a:pPr marL="0" marR="0" lvl="0" indent="0" algn="l" rtl="0">
+                  <a:spcBef>
+                    <a:spcPts val="0"/>
+                  </a:spcBef>
+                  <a:spcAft>
+                    <a:spcPts val="0"/>
+                  </a:spcAft>
+                  <a:buNone/>
+                </a:pPr>
+                <a:endParaRPr sz="1800">
+                  <a:solidFill>
+                    <a:srgbClr val="000000"/>
+                  </a:solidFill>
+                  <a:latin typeface="Calibri"/>
+                  <a:ea typeface="Calibri"/>
+                  <a:cs typeface="Calibri"/>
+                  <a:sym typeface="Calibri"/>
+                </a:endParaRPr>
+              </a:p>
+            </p:txBody>
+          </p:sp>
+          <p:sp>
+            <p:nvSpPr>
+              <p:cNvPr id="17" name="Google Shape;744;p34">
+                <a:extLst>
+                  <a:ext uri="{FF2B5EF4-FFF2-40B4-BE49-F238E27FC236}">
+                    <a16:creationId xmlns:a16="http://schemas.microsoft.com/office/drawing/2014/main" id="{EAAC4AF3-EB2A-DD40-9C26-81009D01774D}"/>
+                  </a:ext>
+                </a:extLst>
+              </p:cNvPr>
+              <p:cNvSpPr/>
+              <p:nvPr/>
+            </p:nvSpPr>
+            <p:spPr>
+              <a:xfrm>
+                <a:off x="1177450" y="3763229"/>
+                <a:ext cx="6173152" cy="95178"/>
+              </a:xfrm>
+              <a:custGeom>
+                <a:avLst/>
+                <a:gdLst/>
+                <a:ahLst/>
+                <a:cxnLst/>
+                <a:rect l="l" t="t" r="r" b="b"/>
+                <a:pathLst>
+                  <a:path w="6173152" h="95178" extrusionOk="0">
+                    <a:moveTo>
+                      <a:pt x="0" y="0"/>
+                    </a:moveTo>
+                    <a:cubicBezTo>
+                      <a:pt x="0" y="0"/>
+                      <a:pt x="129540" y="95178"/>
+                      <a:pt x="450533" y="95178"/>
+                    </a:cubicBezTo>
+                    <a:lnTo>
+                      <a:pt x="5817870" y="95178"/>
+                    </a:lnTo>
+                    <a:cubicBezTo>
+                      <a:pt x="5948363" y="95178"/>
+                      <a:pt x="6173153" y="0"/>
+                      <a:pt x="6173153" y="0"/>
+                    </a:cubicBezTo>
+                    <a:lnTo>
+                      <a:pt x="0" y="0"/>
+                    </a:lnTo>
+                    <a:close/>
+                  </a:path>
+                </a:pathLst>
+              </a:custGeom>
+              <a:solidFill>
+                <a:schemeClr val="dk1"/>
+              </a:solidFill>
+              <a:ln>
+                <a:noFill/>
+              </a:ln>
+            </p:spPr>
+            <p:txBody>
+              <a:bodyPr spcFirstLastPara="1" wrap="square" lIns="91425" tIns="45700" rIns="91425" bIns="45700" anchor="ctr" anchorCtr="0">
+                <a:noAutofit/>
+              </a:bodyPr>
+              <a:lstStyle/>
+              <a:p>
+                <a:pPr marL="0" marR="0" lvl="0" indent="0" algn="l" rtl="0">
+                  <a:spcBef>
+                    <a:spcPts val="0"/>
+                  </a:spcBef>
+                  <a:spcAft>
+                    <a:spcPts val="0"/>
+                  </a:spcAft>
+                  <a:buNone/>
+                </a:pPr>
+                <a:endParaRPr sz="1800">
+                  <a:solidFill>
+                    <a:srgbClr val="000000"/>
+                  </a:solidFill>
+                  <a:latin typeface="Calibri"/>
+                  <a:ea typeface="Calibri"/>
+                  <a:cs typeface="Calibri"/>
+                  <a:sym typeface="Calibri"/>
+                </a:endParaRPr>
+              </a:p>
+            </p:txBody>
+          </p:sp>
+          <p:sp>
+            <p:nvSpPr>
+              <p:cNvPr id="18" name="Google Shape;745;p34">
+                <a:extLst>
+                  <a:ext uri="{FF2B5EF4-FFF2-40B4-BE49-F238E27FC236}">
+                    <a16:creationId xmlns:a16="http://schemas.microsoft.com/office/drawing/2014/main" id="{AB46E44B-3F9E-1F4A-B11F-C672B42891A2}"/>
+                  </a:ext>
+                </a:extLst>
+              </p:cNvPr>
+              <p:cNvSpPr/>
+              <p:nvPr/>
+            </p:nvSpPr>
+            <p:spPr>
+              <a:xfrm>
+                <a:off x="1177450" y="3687086"/>
+                <a:ext cx="6172200" cy="76142"/>
+              </a:xfrm>
+              <a:custGeom>
+                <a:avLst/>
+                <a:gdLst/>
+                <a:ahLst/>
+                <a:cxnLst/>
+                <a:rect l="l" t="t" r="r" b="b"/>
+                <a:pathLst>
+                  <a:path w="6172200" h="76142" extrusionOk="0">
+                    <a:moveTo>
+                      <a:pt x="0" y="76143"/>
+                    </a:moveTo>
+                    <a:lnTo>
+                      <a:pt x="6172200" y="76143"/>
+                    </a:lnTo>
+                    <a:lnTo>
+                      <a:pt x="6172200" y="0"/>
+                    </a:lnTo>
+                    <a:lnTo>
+                      <a:pt x="0" y="0"/>
+                    </a:lnTo>
+                    <a:close/>
+                  </a:path>
+                </a:pathLst>
+              </a:custGeom>
+              <a:solidFill>
+                <a:schemeClr val="dk2"/>
+              </a:solidFill>
+              <a:ln>
+                <a:noFill/>
+              </a:ln>
+            </p:spPr>
+            <p:txBody>
+              <a:bodyPr spcFirstLastPara="1" wrap="square" lIns="91425" tIns="45700" rIns="91425" bIns="45700" anchor="ctr" anchorCtr="0">
+                <a:noAutofit/>
+              </a:bodyPr>
+              <a:lstStyle/>
+              <a:p>
+                <a:pPr marL="0" marR="0" lvl="0" indent="0" algn="l" rtl="0">
+                  <a:spcBef>
+                    <a:spcPts val="0"/>
+                  </a:spcBef>
+                  <a:spcAft>
+                    <a:spcPts val="0"/>
+                  </a:spcAft>
+                  <a:buNone/>
+                </a:pPr>
+                <a:endParaRPr sz="1800">
+                  <a:solidFill>
+                    <a:srgbClr val="000000"/>
+                  </a:solidFill>
+                  <a:latin typeface="Calibri"/>
+                  <a:ea typeface="Calibri"/>
+                  <a:cs typeface="Calibri"/>
+                  <a:sym typeface="Calibri"/>
+                </a:endParaRPr>
+              </a:p>
+            </p:txBody>
+          </p:sp>
+          <p:sp>
+            <p:nvSpPr>
+              <p:cNvPr id="19" name="Google Shape;746;p34">
+                <a:extLst>
+                  <a:ext uri="{FF2B5EF4-FFF2-40B4-BE49-F238E27FC236}">
+                    <a16:creationId xmlns:a16="http://schemas.microsoft.com/office/drawing/2014/main" id="{FE52B783-3AF5-DB4B-8549-94A49936DC8F}"/>
+                  </a:ext>
+                </a:extLst>
+              </p:cNvPr>
+              <p:cNvSpPr/>
+              <p:nvPr/>
+            </p:nvSpPr>
+            <p:spPr>
+              <a:xfrm>
+                <a:off x="3806350" y="3687086"/>
+                <a:ext cx="903922" cy="47589"/>
+              </a:xfrm>
+              <a:custGeom>
+                <a:avLst/>
+                <a:gdLst/>
+                <a:ahLst/>
+                <a:cxnLst/>
+                <a:rect l="l" t="t" r="r" b="b"/>
+                <a:pathLst>
+                  <a:path w="903922" h="47589" extrusionOk="0">
+                    <a:moveTo>
+                      <a:pt x="0" y="0"/>
+                    </a:moveTo>
+                    <a:cubicBezTo>
+                      <a:pt x="0" y="0"/>
+                      <a:pt x="26670" y="47589"/>
+                      <a:pt x="53340" y="47589"/>
+                    </a:cubicBezTo>
+                    <a:lnTo>
+                      <a:pt x="850582" y="47589"/>
+                    </a:lnTo>
+                    <a:cubicBezTo>
+                      <a:pt x="877253" y="47589"/>
+                      <a:pt x="903922" y="0"/>
+                      <a:pt x="903922" y="0"/>
+                    </a:cubicBezTo>
+                    <a:lnTo>
+                      <a:pt x="0" y="0"/>
+                    </a:lnTo>
+                    <a:close/>
+                  </a:path>
+                </a:pathLst>
+              </a:custGeom>
+              <a:solidFill>
+                <a:srgbClr val="666666"/>
+              </a:solidFill>
+              <a:ln>
+                <a:noFill/>
+              </a:ln>
+            </p:spPr>
+            <p:txBody>
+              <a:bodyPr spcFirstLastPara="1" wrap="square" lIns="91425" tIns="45700" rIns="91425" bIns="45700" anchor="ctr" anchorCtr="0">
+                <a:noAutofit/>
+              </a:bodyPr>
+              <a:lstStyle/>
+              <a:p>
+                <a:pPr marL="0" marR="0" lvl="0" indent="0" algn="l" rtl="0">
+                  <a:spcBef>
+                    <a:spcPts val="0"/>
+                  </a:spcBef>
+                  <a:spcAft>
+                    <a:spcPts val="0"/>
+                  </a:spcAft>
+                  <a:buNone/>
+                </a:pPr>
+                <a:endParaRPr sz="1800">
+                  <a:solidFill>
+                    <a:srgbClr val="000000"/>
+                  </a:solidFill>
+                  <a:latin typeface="Calibri"/>
+                  <a:ea typeface="Calibri"/>
+                  <a:cs typeface="Calibri"/>
+                  <a:sym typeface="Calibri"/>
+                </a:endParaRPr>
+              </a:p>
+            </p:txBody>
+          </p:sp>
+        </p:grpSp>
+        <p:pic>
+          <p:nvPicPr>
+            <p:cNvPr id="15" name="Picture 14">
+              <a:extLst>
+                <a:ext uri="{FF2B5EF4-FFF2-40B4-BE49-F238E27FC236}">
+                  <a16:creationId xmlns:a16="http://schemas.microsoft.com/office/drawing/2014/main" id="{B82C25C0-DDBF-A64E-90F2-4E8D6D4CA0A9}"/>
+                </a:ext>
+              </a:extLst>
+            </p:cNvPr>
+            <p:cNvPicPr>
+              <a:picLocks noChangeAspect="1"/>
+            </p:cNvPicPr>
+            <p:nvPr/>
+          </p:nvPicPr>
+          <p:blipFill>
+            <a:blip r:embed="rId3"/>
+            <a:stretch>
+              <a:fillRect/>
+            </a:stretch>
+          </p:blipFill>
+          <p:spPr>
+            <a:xfrm>
+              <a:off x="5447607" y="2016518"/>
+              <a:ext cx="3149486" cy="2006841"/>
+            </a:xfrm>
+            <a:prstGeom prst="rect">
+              <a:avLst/>
+            </a:prstGeom>
+          </p:spPr>
+        </p:pic>
+      </p:grpSp>
+      <p:grpSp>
+        <p:nvGrpSpPr>
+          <p:cNvPr id="20" name="Group 19">
+            <a:extLst>
+              <a:ext uri="{FF2B5EF4-FFF2-40B4-BE49-F238E27FC236}">
+                <a16:creationId xmlns:a16="http://schemas.microsoft.com/office/drawing/2014/main" id="{BE596C78-354E-FD4A-9F84-A413A943A59C}"/>
+              </a:ext>
+            </a:extLst>
+          </p:cNvPr>
+          <p:cNvGrpSpPr/>
+          <p:nvPr/>
+        </p:nvGrpSpPr>
+        <p:grpSpPr>
+          <a:xfrm>
+            <a:off x="64616" y="4222875"/>
+            <a:ext cx="3908122" cy="2359152"/>
+            <a:chOff x="4944246" y="2098566"/>
+            <a:chExt cx="4037354" cy="2389184"/>
+          </a:xfrm>
+        </p:grpSpPr>
+        <p:pic>
+          <p:nvPicPr>
+            <p:cNvPr id="21" name="Picture 20">
+              <a:extLst>
+                <a:ext uri="{FF2B5EF4-FFF2-40B4-BE49-F238E27FC236}">
+                  <a16:creationId xmlns:a16="http://schemas.microsoft.com/office/drawing/2014/main" id="{3B282CD8-57D9-E84A-92E4-412485D05C85}"/>
+                </a:ext>
+              </a:extLst>
+            </p:cNvPr>
+            <p:cNvPicPr>
+              <a:picLocks noChangeAspect="1"/>
+            </p:cNvPicPr>
+            <p:nvPr/>
+          </p:nvPicPr>
+          <p:blipFill>
+            <a:blip r:embed="rId4"/>
+            <a:stretch>
+              <a:fillRect/>
+            </a:stretch>
+          </p:blipFill>
+          <p:spPr>
+            <a:xfrm>
+              <a:off x="5372557" y="2182762"/>
+              <a:ext cx="3204667" cy="2120240"/>
+            </a:xfrm>
+            <a:prstGeom prst="rect">
+              <a:avLst/>
+            </a:prstGeom>
+          </p:spPr>
+        </p:pic>
+        <p:grpSp>
+          <p:nvGrpSpPr>
+            <p:cNvPr id="22" name="Google Shape;742;p34">
+              <a:extLst>
+                <a:ext uri="{FF2B5EF4-FFF2-40B4-BE49-F238E27FC236}">
+                  <a16:creationId xmlns:a16="http://schemas.microsoft.com/office/drawing/2014/main" id="{938F5964-BF21-7744-B5F6-C79BFD142838}"/>
+                </a:ext>
+              </a:extLst>
+            </p:cNvPr>
+            <p:cNvGrpSpPr/>
+            <p:nvPr/>
+          </p:nvGrpSpPr>
+          <p:grpSpPr>
+            <a:xfrm>
+              <a:off x="4944246" y="2098566"/>
+              <a:ext cx="4037354" cy="2389184"/>
+              <a:chOff x="1177450" y="241631"/>
+              <a:chExt cx="6173152" cy="3616776"/>
+            </a:xfrm>
+          </p:grpSpPr>
+          <p:sp>
+            <p:nvSpPr>
+              <p:cNvPr id="23" name="Google Shape;743;p34">
+                <a:extLst>
+                  <a:ext uri="{FF2B5EF4-FFF2-40B4-BE49-F238E27FC236}">
+                    <a16:creationId xmlns:a16="http://schemas.microsoft.com/office/drawing/2014/main" id="{2646029E-7F34-CC47-9114-4667A2654014}"/>
+                  </a:ext>
+                </a:extLst>
+              </p:cNvPr>
+              <p:cNvSpPr/>
+              <p:nvPr/>
+            </p:nvSpPr>
+            <p:spPr>
+              <a:xfrm>
+                <a:off x="1682275" y="241631"/>
+                <a:ext cx="5161606" cy="3454973"/>
+              </a:xfrm>
+              <a:custGeom>
+                <a:avLst/>
+                <a:gdLst/>
+                <a:ahLst/>
+                <a:cxnLst/>
+                <a:rect l="l" t="t" r="r" b="b"/>
+                <a:pathLst>
+                  <a:path w="5161606" h="3454973" extrusionOk="0">
+                    <a:moveTo>
+                      <a:pt x="4992053" y="0"/>
+                    </a:moveTo>
+                    <a:lnTo>
+                      <a:pt x="170498" y="0"/>
+                    </a:lnTo>
+                    <a:cubicBezTo>
+                      <a:pt x="76200" y="0"/>
+                      <a:pt x="0" y="76143"/>
+                      <a:pt x="0" y="170369"/>
+                    </a:cubicBezTo>
+                    <a:lnTo>
+                      <a:pt x="0" y="3396915"/>
+                    </a:lnTo>
+                    <a:cubicBezTo>
+                      <a:pt x="0" y="3429275"/>
+                      <a:pt x="26670" y="3454973"/>
+                      <a:pt x="58102" y="3454973"/>
+                    </a:cubicBezTo>
+                    <a:lnTo>
+                      <a:pt x="5103495" y="3454973"/>
+                    </a:lnTo>
+                    <a:cubicBezTo>
+                      <a:pt x="5135880" y="3454973"/>
+                      <a:pt x="5161598" y="3428324"/>
+                      <a:pt x="5161598" y="3396915"/>
+                    </a:cubicBezTo>
+                    <a:lnTo>
+                      <a:pt x="5161598" y="170369"/>
+                    </a:lnTo>
+                    <a:cubicBezTo>
+                      <a:pt x="5162550" y="76143"/>
+                      <a:pt x="5086350" y="0"/>
+                      <a:pt x="4992053" y="0"/>
+                    </a:cubicBezTo>
+                    <a:close/>
+                    <a:moveTo>
+                      <a:pt x="4981575" y="3245581"/>
+                    </a:moveTo>
+                    <a:lnTo>
+                      <a:pt x="190500" y="3245581"/>
+                    </a:lnTo>
+                    <a:lnTo>
+                      <a:pt x="190500" y="199874"/>
+                    </a:lnTo>
+                    <a:lnTo>
+                      <a:pt x="4981575" y="199874"/>
+                    </a:lnTo>
+                    <a:lnTo>
+                      <a:pt x="4981575" y="3245581"/>
+                    </a:lnTo>
+                    <a:close/>
+                  </a:path>
+                </a:pathLst>
+              </a:custGeom>
+              <a:solidFill>
+                <a:schemeClr val="dk1"/>
+              </a:solidFill>
+              <a:ln>
+                <a:noFill/>
+              </a:ln>
+            </p:spPr>
+            <p:txBody>
+              <a:bodyPr spcFirstLastPara="1" wrap="square" lIns="91425" tIns="45700" rIns="91425" bIns="45700" anchor="ctr" anchorCtr="0">
+                <a:noAutofit/>
+              </a:bodyPr>
+              <a:lstStyle/>
+              <a:p>
+                <a:pPr marL="0" marR="0" lvl="0" indent="0" algn="l" rtl="0">
+                  <a:spcBef>
+                    <a:spcPts val="0"/>
+                  </a:spcBef>
+                  <a:spcAft>
+                    <a:spcPts val="0"/>
+                  </a:spcAft>
+                  <a:buNone/>
+                </a:pPr>
+                <a:endParaRPr sz="1800">
+                  <a:solidFill>
+                    <a:srgbClr val="000000"/>
+                  </a:solidFill>
+                  <a:latin typeface="Calibri"/>
+                  <a:ea typeface="Calibri"/>
+                  <a:cs typeface="Calibri"/>
+                  <a:sym typeface="Calibri"/>
+                </a:endParaRPr>
+              </a:p>
+            </p:txBody>
+          </p:sp>
+          <p:sp>
+            <p:nvSpPr>
+              <p:cNvPr id="24" name="Google Shape;744;p34">
+                <a:extLst>
+                  <a:ext uri="{FF2B5EF4-FFF2-40B4-BE49-F238E27FC236}">
+                    <a16:creationId xmlns:a16="http://schemas.microsoft.com/office/drawing/2014/main" id="{CB4FE3D6-71A8-C74B-859F-061C6C55BF56}"/>
+                  </a:ext>
+                </a:extLst>
+              </p:cNvPr>
+              <p:cNvSpPr/>
+              <p:nvPr/>
+            </p:nvSpPr>
+            <p:spPr>
+              <a:xfrm>
+                <a:off x="1177450" y="3763229"/>
+                <a:ext cx="6173152" cy="95178"/>
+              </a:xfrm>
+              <a:custGeom>
+                <a:avLst/>
+                <a:gdLst/>
+                <a:ahLst/>
+                <a:cxnLst/>
+                <a:rect l="l" t="t" r="r" b="b"/>
+                <a:pathLst>
+                  <a:path w="6173152" h="95178" extrusionOk="0">
+                    <a:moveTo>
+                      <a:pt x="0" y="0"/>
+                    </a:moveTo>
+                    <a:cubicBezTo>
+                      <a:pt x="0" y="0"/>
+                      <a:pt x="129540" y="95178"/>
+                      <a:pt x="450533" y="95178"/>
+                    </a:cubicBezTo>
+                    <a:lnTo>
+                      <a:pt x="5817870" y="95178"/>
+                    </a:lnTo>
+                    <a:cubicBezTo>
+                      <a:pt x="5948363" y="95178"/>
+                      <a:pt x="6173153" y="0"/>
+                      <a:pt x="6173153" y="0"/>
+                    </a:cubicBezTo>
+                    <a:lnTo>
+                      <a:pt x="0" y="0"/>
+                    </a:lnTo>
+                    <a:close/>
+                  </a:path>
+                </a:pathLst>
+              </a:custGeom>
+              <a:solidFill>
+                <a:schemeClr val="dk1"/>
+              </a:solidFill>
+              <a:ln>
+                <a:noFill/>
+              </a:ln>
+            </p:spPr>
+            <p:txBody>
+              <a:bodyPr spcFirstLastPara="1" wrap="square" lIns="91425" tIns="45700" rIns="91425" bIns="45700" anchor="ctr" anchorCtr="0">
+                <a:noAutofit/>
+              </a:bodyPr>
+              <a:lstStyle/>
+              <a:p>
+                <a:pPr marL="0" marR="0" lvl="0" indent="0" algn="l" rtl="0">
+                  <a:spcBef>
+                    <a:spcPts val="0"/>
+                  </a:spcBef>
+                  <a:spcAft>
+                    <a:spcPts val="0"/>
+                  </a:spcAft>
+                  <a:buNone/>
+                </a:pPr>
+                <a:endParaRPr sz="1800">
+                  <a:solidFill>
+                    <a:srgbClr val="000000"/>
+                  </a:solidFill>
+                  <a:latin typeface="Calibri"/>
+                  <a:ea typeface="Calibri"/>
+                  <a:cs typeface="Calibri"/>
+                  <a:sym typeface="Calibri"/>
+                </a:endParaRPr>
+              </a:p>
+            </p:txBody>
+          </p:sp>
+          <p:sp>
+            <p:nvSpPr>
+              <p:cNvPr id="25" name="Google Shape;745;p34">
+                <a:extLst>
+                  <a:ext uri="{FF2B5EF4-FFF2-40B4-BE49-F238E27FC236}">
+                    <a16:creationId xmlns:a16="http://schemas.microsoft.com/office/drawing/2014/main" id="{AC16ACCA-DF30-8C47-AD5C-E16E3E5594C8}"/>
+                  </a:ext>
+                </a:extLst>
+              </p:cNvPr>
+              <p:cNvSpPr/>
+              <p:nvPr/>
+            </p:nvSpPr>
+            <p:spPr>
+              <a:xfrm>
+                <a:off x="1177450" y="3687086"/>
+                <a:ext cx="6172200" cy="76142"/>
+              </a:xfrm>
+              <a:custGeom>
+                <a:avLst/>
+                <a:gdLst/>
+                <a:ahLst/>
+                <a:cxnLst/>
+                <a:rect l="l" t="t" r="r" b="b"/>
+                <a:pathLst>
+                  <a:path w="6172200" h="76142" extrusionOk="0">
+                    <a:moveTo>
+                      <a:pt x="0" y="76143"/>
+                    </a:moveTo>
+                    <a:lnTo>
+                      <a:pt x="6172200" y="76143"/>
+                    </a:lnTo>
+                    <a:lnTo>
+                      <a:pt x="6172200" y="0"/>
+                    </a:lnTo>
+                    <a:lnTo>
+                      <a:pt x="0" y="0"/>
+                    </a:lnTo>
+                    <a:close/>
+                  </a:path>
+                </a:pathLst>
+              </a:custGeom>
+              <a:solidFill>
+                <a:schemeClr val="dk2"/>
+              </a:solidFill>
+              <a:ln>
+                <a:noFill/>
+              </a:ln>
+            </p:spPr>
+            <p:txBody>
+              <a:bodyPr spcFirstLastPara="1" wrap="square" lIns="91425" tIns="45700" rIns="91425" bIns="45700" anchor="ctr" anchorCtr="0">
+                <a:noAutofit/>
+              </a:bodyPr>
+              <a:lstStyle/>
+              <a:p>
+                <a:pPr marL="0" marR="0" lvl="0" indent="0" algn="l" rtl="0">
+                  <a:spcBef>
+                    <a:spcPts val="0"/>
+                  </a:spcBef>
+                  <a:spcAft>
+                    <a:spcPts val="0"/>
+                  </a:spcAft>
+                  <a:buNone/>
+                </a:pPr>
+                <a:endParaRPr sz="1800">
+                  <a:solidFill>
+                    <a:srgbClr val="000000"/>
+                  </a:solidFill>
+                  <a:latin typeface="Calibri"/>
+                  <a:ea typeface="Calibri"/>
+                  <a:cs typeface="Calibri"/>
+                  <a:sym typeface="Calibri"/>
+                </a:endParaRPr>
+              </a:p>
+            </p:txBody>
+          </p:sp>
+          <p:sp>
+            <p:nvSpPr>
+              <p:cNvPr id="26" name="Google Shape;746;p34">
+                <a:extLst>
+                  <a:ext uri="{FF2B5EF4-FFF2-40B4-BE49-F238E27FC236}">
+                    <a16:creationId xmlns:a16="http://schemas.microsoft.com/office/drawing/2014/main" id="{1196365B-409E-5142-8CD6-00607A4925FA}"/>
+                  </a:ext>
+                </a:extLst>
+              </p:cNvPr>
+              <p:cNvSpPr/>
+              <p:nvPr/>
+            </p:nvSpPr>
+            <p:spPr>
+              <a:xfrm>
+                <a:off x="3806350" y="3687086"/>
+                <a:ext cx="903922" cy="47589"/>
+              </a:xfrm>
+              <a:custGeom>
+                <a:avLst/>
+                <a:gdLst/>
+                <a:ahLst/>
+                <a:cxnLst/>
+                <a:rect l="l" t="t" r="r" b="b"/>
+                <a:pathLst>
+                  <a:path w="903922" h="47589" extrusionOk="0">
+                    <a:moveTo>
+                      <a:pt x="0" y="0"/>
+                    </a:moveTo>
+                    <a:cubicBezTo>
+                      <a:pt x="0" y="0"/>
+                      <a:pt x="26670" y="47589"/>
+                      <a:pt x="53340" y="47589"/>
+                    </a:cubicBezTo>
+                    <a:lnTo>
+                      <a:pt x="850582" y="47589"/>
+                    </a:lnTo>
+                    <a:cubicBezTo>
+                      <a:pt x="877253" y="47589"/>
+                      <a:pt x="903922" y="0"/>
+                      <a:pt x="903922" y="0"/>
+                    </a:cubicBezTo>
+                    <a:lnTo>
+                      <a:pt x="0" y="0"/>
+                    </a:lnTo>
+                    <a:close/>
+                  </a:path>
+                </a:pathLst>
+              </a:custGeom>
+              <a:solidFill>
+                <a:srgbClr val="666666"/>
+              </a:solidFill>
+              <a:ln>
+                <a:noFill/>
+              </a:ln>
+            </p:spPr>
+            <p:txBody>
+              <a:bodyPr spcFirstLastPara="1" wrap="square" lIns="91425" tIns="45700" rIns="91425" bIns="45700" anchor="ctr" anchorCtr="0">
+                <a:noAutofit/>
+              </a:bodyPr>
+              <a:lstStyle/>
+              <a:p>
+                <a:pPr marL="0" marR="0" lvl="0" indent="0" algn="l" rtl="0">
+                  <a:spcBef>
+                    <a:spcPts val="0"/>
+                  </a:spcBef>
+                  <a:spcAft>
+                    <a:spcPts val="0"/>
+                  </a:spcAft>
+                  <a:buNone/>
+                </a:pPr>
+                <a:endParaRPr sz="1800">
+                  <a:solidFill>
+                    <a:srgbClr val="000000"/>
+                  </a:solidFill>
+                  <a:latin typeface="Calibri"/>
+                  <a:ea typeface="Calibri"/>
+                  <a:cs typeface="Calibri"/>
+                  <a:sym typeface="Calibri"/>
+                </a:endParaRPr>
+              </a:p>
+            </p:txBody>
+          </p:sp>
+        </p:grpSp>
+      </p:grpSp>
+      <p:sp>
+        <p:nvSpPr>
+          <p:cNvPr id="27" name="Content Placeholder 2">
+            <a:extLst>
+              <a:ext uri="{FF2B5EF4-FFF2-40B4-BE49-F238E27FC236}">
+                <a16:creationId xmlns:a16="http://schemas.microsoft.com/office/drawing/2014/main" id="{DB8A222F-8BDB-BF4C-9FBE-6AA9E9BDB96B}"/>
               </a:ext>
             </a:extLst>
           </p:cNvPr>
@@ -4207,16 +5664,14 @@
         </p:nvSpPr>
         <p:spPr>
           <a:xfrm>
-            <a:off x="4267200" y="4161404"/>
-            <a:ext cx="3657600" cy="1825094"/>
+            <a:off x="640576" y="6581319"/>
+            <a:ext cx="2779370" cy="841024"/>
           </a:xfrm>
           <a:prstGeom prst="rect">
             <a:avLst/>
           </a:prstGeom>
           <a:ln>
-            <a:solidFill>
-              <a:schemeClr val="tx1"/>
-            </a:solidFill>
+            <a:noFill/>
           </a:ln>
         </p:spPr>
         <p:txBody>
@@ -4392,24 +5847,25 @@
               <a:buNone/>
             </a:pPr>
             <a:r>
-              <a:rPr lang="en-US" sz="1800" dirty="0">
+              <a:rPr lang="en-US" sz="1200" i="1" dirty="0">
                 <a:ln>
                   <a:solidFill>
                     <a:schemeClr val="tx1"/>
                   </a:solidFill>
                 </a:ln>
+                <a:latin typeface="Courier" pitchFamily="2" charset="0"/>
               </a:rPr>
-              <a:t>Purpose: We want to enable anyone to be able to fact-check content on the web with as little effort as possible. By doing so, we encourage users to verify anything they read online. This will ideally limit the spread of misinformation online.</a:t>
-            </a:r>
-          </a:p>
-        </p:txBody>
-      </p:sp>
-      <p:sp>
-        <p:nvSpPr>
-          <p:cNvPr id="10" name="Content Placeholder 2">
-            <a:extLst>
-              <a:ext uri="{FF2B5EF4-FFF2-40B4-BE49-F238E27FC236}">
-                <a16:creationId xmlns:a16="http://schemas.microsoft.com/office/drawing/2014/main" id="{72B6592E-0F5C-4E07-A234-418F2856DA51}"/>
+              <a:t>Chrome Extension Activation</a:t>
+            </a:r>
+          </a:p>
+        </p:txBody>
+      </p:sp>
+      <p:sp>
+        <p:nvSpPr>
+          <p:cNvPr id="28" name="Content Placeholder 2">
+            <a:extLst>
+              <a:ext uri="{FF2B5EF4-FFF2-40B4-BE49-F238E27FC236}">
+                <a16:creationId xmlns:a16="http://schemas.microsoft.com/office/drawing/2014/main" id="{A012EDEC-CC83-CF48-8EF1-BC4A8EA3B512}"/>
               </a:ext>
             </a:extLst>
           </p:cNvPr>
@@ -4420,286 +5876,14 @@
         </p:nvSpPr>
         <p:spPr>
           <a:xfrm>
-            <a:off x="396243" y="2319242"/>
-            <a:ext cx="3657600" cy="2714312"/>
+            <a:off x="9037317" y="6583214"/>
+            <a:ext cx="2238685" cy="841024"/>
           </a:xfrm>
           <a:prstGeom prst="rect">
             <a:avLst/>
           </a:prstGeom>
           <a:ln>
-            <a:solidFill>
-              <a:schemeClr val="tx1"/>
-            </a:solidFill>
-          </a:ln>
-        </p:spPr>
-        <p:txBody>
-          <a:bodyPr vert="horz" lIns="91440" tIns="45720" rIns="91440" bIns="45720" rtlCol="0">
-            <a:normAutofit fontScale="92500" lnSpcReduction="10000"/>
-          </a:bodyPr>
-          <a:lstStyle>
-            <a:lvl1pPr marL="228600" indent="-228600" algn="l" defTabSz="914400" rtl="0" eaLnBrk="1" latinLnBrk="0" hangingPunct="1">
-              <a:lnSpc>
-                <a:spcPct val="90000"/>
-              </a:lnSpc>
-              <a:spcBef>
-                <a:spcPts val="1000"/>
-              </a:spcBef>
-              <a:buFont typeface="Arial" panose="020B0604020202020204" pitchFamily="34" charset="0"/>
-              <a:buChar char="•"/>
-              <a:defRPr sz="2800" kern="1200">
-                <a:solidFill>
-                  <a:schemeClr val="tx1"/>
-                </a:solidFill>
-                <a:latin typeface="+mn-lt"/>
-                <a:ea typeface="+mn-ea"/>
-                <a:cs typeface="+mn-cs"/>
-              </a:defRPr>
-            </a:lvl1pPr>
-            <a:lvl2pPr marL="685800" indent="-228600" algn="l" defTabSz="914400" rtl="0" eaLnBrk="1" latinLnBrk="0" hangingPunct="1">
-              <a:lnSpc>
-                <a:spcPct val="90000"/>
-              </a:lnSpc>
-              <a:spcBef>
-                <a:spcPts val="500"/>
-              </a:spcBef>
-              <a:buFont typeface="Arial" panose="020B0604020202020204" pitchFamily="34" charset="0"/>
-              <a:buChar char="•"/>
-              <a:defRPr sz="2400" kern="1200">
-                <a:solidFill>
-                  <a:schemeClr val="tx1"/>
-                </a:solidFill>
-                <a:latin typeface="+mn-lt"/>
-                <a:ea typeface="+mn-ea"/>
-                <a:cs typeface="+mn-cs"/>
-              </a:defRPr>
-            </a:lvl2pPr>
-            <a:lvl3pPr marL="1143000" indent="-228600" algn="l" defTabSz="914400" rtl="0" eaLnBrk="1" latinLnBrk="0" hangingPunct="1">
-              <a:lnSpc>
-                <a:spcPct val="90000"/>
-              </a:lnSpc>
-              <a:spcBef>
-                <a:spcPts val="500"/>
-              </a:spcBef>
-              <a:buFont typeface="Arial" panose="020B0604020202020204" pitchFamily="34" charset="0"/>
-              <a:buChar char="•"/>
-              <a:defRPr sz="2000" kern="1200">
-                <a:solidFill>
-                  <a:schemeClr val="tx1"/>
-                </a:solidFill>
-                <a:latin typeface="+mn-lt"/>
-                <a:ea typeface="+mn-ea"/>
-                <a:cs typeface="+mn-cs"/>
-              </a:defRPr>
-            </a:lvl3pPr>
-            <a:lvl4pPr marL="1600200" indent="-228600" algn="l" defTabSz="914400" rtl="0" eaLnBrk="1" latinLnBrk="0" hangingPunct="1">
-              <a:lnSpc>
-                <a:spcPct val="90000"/>
-              </a:lnSpc>
-              <a:spcBef>
-                <a:spcPts val="500"/>
-              </a:spcBef>
-              <a:buFont typeface="Arial" panose="020B0604020202020204" pitchFamily="34" charset="0"/>
-              <a:buChar char="•"/>
-              <a:defRPr sz="1800" kern="1200">
-                <a:solidFill>
-                  <a:schemeClr val="tx1"/>
-                </a:solidFill>
-                <a:latin typeface="+mn-lt"/>
-                <a:ea typeface="+mn-ea"/>
-                <a:cs typeface="+mn-cs"/>
-              </a:defRPr>
-            </a:lvl4pPr>
-            <a:lvl5pPr marL="2057400" indent="-228600" algn="l" defTabSz="914400" rtl="0" eaLnBrk="1" latinLnBrk="0" hangingPunct="1">
-              <a:lnSpc>
-                <a:spcPct val="90000"/>
-              </a:lnSpc>
-              <a:spcBef>
-                <a:spcPts val="500"/>
-              </a:spcBef>
-              <a:buFont typeface="Arial" panose="020B0604020202020204" pitchFamily="34" charset="0"/>
-              <a:buChar char="•"/>
-              <a:defRPr sz="1800" kern="1200">
-                <a:solidFill>
-                  <a:schemeClr val="tx1"/>
-                </a:solidFill>
-                <a:latin typeface="+mn-lt"/>
-                <a:ea typeface="+mn-ea"/>
-                <a:cs typeface="+mn-cs"/>
-              </a:defRPr>
-            </a:lvl5pPr>
-            <a:lvl6pPr marL="2514600" indent="-228600" algn="l" defTabSz="914400" rtl="0" eaLnBrk="1" latinLnBrk="0" hangingPunct="1">
-              <a:lnSpc>
-                <a:spcPct val="90000"/>
-              </a:lnSpc>
-              <a:spcBef>
-                <a:spcPts val="500"/>
-              </a:spcBef>
-              <a:buFont typeface="Arial" panose="020B0604020202020204" pitchFamily="34" charset="0"/>
-              <a:buChar char="•"/>
-              <a:defRPr sz="1800" kern="1200">
-                <a:solidFill>
-                  <a:schemeClr val="tx1"/>
-                </a:solidFill>
-                <a:latin typeface="+mn-lt"/>
-                <a:ea typeface="+mn-ea"/>
-                <a:cs typeface="+mn-cs"/>
-              </a:defRPr>
-            </a:lvl6pPr>
-            <a:lvl7pPr marL="2971800" indent="-228600" algn="l" defTabSz="914400" rtl="0" eaLnBrk="1" latinLnBrk="0" hangingPunct="1">
-              <a:lnSpc>
-                <a:spcPct val="90000"/>
-              </a:lnSpc>
-              <a:spcBef>
-                <a:spcPts val="500"/>
-              </a:spcBef>
-              <a:buFont typeface="Arial" panose="020B0604020202020204" pitchFamily="34" charset="0"/>
-              <a:buChar char="•"/>
-              <a:defRPr sz="1800" kern="1200">
-                <a:solidFill>
-                  <a:schemeClr val="tx1"/>
-                </a:solidFill>
-                <a:latin typeface="+mn-lt"/>
-                <a:ea typeface="+mn-ea"/>
-                <a:cs typeface="+mn-cs"/>
-              </a:defRPr>
-            </a:lvl7pPr>
-            <a:lvl8pPr marL="3429000" indent="-228600" algn="l" defTabSz="914400" rtl="0" eaLnBrk="1" latinLnBrk="0" hangingPunct="1">
-              <a:lnSpc>
-                <a:spcPct val="90000"/>
-              </a:lnSpc>
-              <a:spcBef>
-                <a:spcPts val="500"/>
-              </a:spcBef>
-              <a:buFont typeface="Arial" panose="020B0604020202020204" pitchFamily="34" charset="0"/>
-              <a:buChar char="•"/>
-              <a:defRPr sz="1800" kern="1200">
-                <a:solidFill>
-                  <a:schemeClr val="tx1"/>
-                </a:solidFill>
-                <a:latin typeface="+mn-lt"/>
-                <a:ea typeface="+mn-ea"/>
-                <a:cs typeface="+mn-cs"/>
-              </a:defRPr>
-            </a:lvl8pPr>
-            <a:lvl9pPr marL="3886200" indent="-228600" algn="l" defTabSz="914400" rtl="0" eaLnBrk="1" latinLnBrk="0" hangingPunct="1">
-              <a:lnSpc>
-                <a:spcPct val="90000"/>
-              </a:lnSpc>
-              <a:spcBef>
-                <a:spcPts val="500"/>
-              </a:spcBef>
-              <a:buFont typeface="Arial" panose="020B0604020202020204" pitchFamily="34" charset="0"/>
-              <a:buChar char="•"/>
-              <a:defRPr sz="1800" kern="1200">
-                <a:solidFill>
-                  <a:schemeClr val="tx1"/>
-                </a:solidFill>
-                <a:latin typeface="+mn-lt"/>
-                <a:ea typeface="+mn-ea"/>
-                <a:cs typeface="+mn-cs"/>
-              </a:defRPr>
-            </a:lvl9pPr>
-          </a:lstStyle>
-          <a:p>
-            <a:pPr marL="0" indent="0">
-              <a:buFont typeface="Arial" panose="020B0604020202020204" pitchFamily="34" charset="0"/>
-              <a:buNone/>
-            </a:pPr>
-            <a:r>
-              <a:rPr lang="en-US" sz="1800" dirty="0">
-                <a:ln>
-                  <a:solidFill>
-                    <a:schemeClr val="tx1"/>
-                  </a:solidFill>
-                </a:ln>
-              </a:rPr>
-              <a:t>Design:</a:t>
-            </a:r>
-          </a:p>
-          <a:p>
-            <a:r>
-              <a:rPr lang="en-US" sz="1800" dirty="0">
-                <a:ln>
-                  <a:solidFill>
-                    <a:schemeClr val="tx1"/>
-                  </a:solidFill>
-                </a:ln>
-              </a:rPr>
-              <a:t>Use </a:t>
-            </a:r>
-            <a:r>
-              <a:rPr lang="en-US" sz="1800" dirty="0" err="1">
-                <a:ln>
-                  <a:solidFill>
-                    <a:schemeClr val="tx1"/>
-                  </a:solidFill>
-                </a:ln>
-              </a:rPr>
-              <a:t>neuralcoref</a:t>
-            </a:r>
-            <a:r>
-              <a:rPr lang="en-US" sz="1800" dirty="0">
-                <a:ln>
-                  <a:solidFill>
-                    <a:schemeClr val="tx1"/>
-                  </a:solidFill>
-                </a:ln>
-              </a:rPr>
-              <a:t> library as our method for pronoun replacement. This allowed us to implement pronoun replacement without going beyond the scope of our project.</a:t>
-            </a:r>
-          </a:p>
-          <a:p>
-            <a:r>
-              <a:rPr lang="en-US" sz="1800" dirty="0">
-                <a:ln>
-                  <a:solidFill>
-                    <a:schemeClr val="tx1"/>
-                  </a:solidFill>
-                </a:ln>
-              </a:rPr>
-              <a:t>Use Snopes, Wikipedia, and [others] to check facts against: We believe that checking against a variety of trustworthy sites will provide us with results we can be confident in.</a:t>
-            </a:r>
-          </a:p>
-          <a:p>
-            <a:pPr marL="0" indent="0">
-              <a:buNone/>
-            </a:pPr>
-            <a:endParaRPr lang="en-US" sz="1800" dirty="0">
-              <a:ln>
-                <a:solidFill>
-                  <a:schemeClr val="tx1"/>
-                </a:solidFill>
-              </a:ln>
-            </a:endParaRPr>
-          </a:p>
-        </p:txBody>
-      </p:sp>
-      <p:sp>
-        <p:nvSpPr>
-          <p:cNvPr id="11" name="Content Placeholder 2">
-            <a:extLst>
-              <a:ext uri="{FF2B5EF4-FFF2-40B4-BE49-F238E27FC236}">
-                <a16:creationId xmlns:a16="http://schemas.microsoft.com/office/drawing/2014/main" id="{A3018B26-1330-41FD-BC70-D910BDCD8A00}"/>
-              </a:ext>
-            </a:extLst>
-          </p:cNvPr>
-          <p:cNvSpPr txBox="1">
-            <a:spLocks/>
-          </p:cNvSpPr>
-          <p:nvPr/>
-        </p:nvSpPr>
-        <p:spPr>
-          <a:xfrm>
-            <a:off x="396243" y="5140819"/>
-            <a:ext cx="3657600" cy="1339004"/>
-          </a:xfrm>
-          <a:prstGeom prst="rect">
-            <a:avLst/>
-          </a:prstGeom>
-          <a:ln>
-            <a:solidFill>
-              <a:schemeClr val="tx1"/>
-            </a:solidFill>
+            <a:noFill/>
           </a:ln>
         </p:spPr>
         <p:txBody>
@@ -4875,26 +6059,15 @@
               <a:buNone/>
             </a:pPr>
             <a:r>
-              <a:rPr lang="en-US" sz="1800" dirty="0">
+              <a:rPr lang="en-US" sz="1200" i="1" dirty="0">
                 <a:ln>
                   <a:solidFill>
                     <a:schemeClr val="tx1"/>
                   </a:solidFill>
                 </a:ln>
+                <a:latin typeface="Courier" pitchFamily="2" charset="0"/>
               </a:rPr>
-              <a:t>Improvements:</a:t>
-            </a:r>
-          </a:p>
-          <a:p>
-            <a:r>
-              <a:rPr lang="en-US" sz="1800" dirty="0">
-                <a:ln>
-                  <a:solidFill>
-                    <a:schemeClr val="tx1"/>
-                  </a:solidFill>
-                </a:ln>
-              </a:rPr>
-              <a:t>Develop a pronoun replacement tool from the ground up to deliver better results</a:t>
+              <a:t>Fact Check Rating Page</a:t>
             </a:r>
           </a:p>
         </p:txBody>

--- a/ExpoPoster.pptx
+++ b/ExpoPoster.pptx
@@ -4314,7 +4314,7 @@
         <p:spPr>
           <a:xfrm>
             <a:off x="8146638" y="153075"/>
-            <a:ext cx="3842333" cy="3923259"/>
+            <a:ext cx="4045362" cy="3923259"/>
           </a:xfrm>
           <a:prstGeom prst="rect">
             <a:avLst/>
@@ -4812,7 +4812,7 @@
         </p:nvGrpSpPr>
         <p:grpSpPr>
           <a:xfrm>
-            <a:off x="8085086" y="4221575"/>
+            <a:off x="8222896" y="4222875"/>
             <a:ext cx="3904488" cy="2359152"/>
             <a:chOff x="5003240" y="1886699"/>
             <a:chExt cx="4037354" cy="2389184"/>
@@ -5876,8 +5876,8 @@
         </p:nvSpPr>
         <p:spPr>
           <a:xfrm>
-            <a:off x="9037317" y="6583214"/>
-            <a:ext cx="2238685" cy="841024"/>
+            <a:off x="9055224" y="6581319"/>
+            <a:ext cx="2228189" cy="841024"/>
           </a:xfrm>
           <a:prstGeom prst="rect">
             <a:avLst/>

--- a/ExpoPoster.pptx
+++ b/ExpoPoster.pptx
@@ -259,7 +259,7 @@
           <a:p>
             <a:fld id="{0AB40213-5084-43E5-B24A-40DA3D61C78A}" type="datetimeFigureOut">
               <a:rPr lang="en-US" smtClean="0"/>
-              <a:t>3/5/21</a:t>
+              <a:t>3/16/2021</a:t>
             </a:fld>
             <a:endParaRPr lang="en-US"/>
           </a:p>
@@ -457,7 +457,7 @@
           <a:p>
             <a:fld id="{0AB40213-5084-43E5-B24A-40DA3D61C78A}" type="datetimeFigureOut">
               <a:rPr lang="en-US" smtClean="0"/>
-              <a:t>3/5/21</a:t>
+              <a:t>3/16/2021</a:t>
             </a:fld>
             <a:endParaRPr lang="en-US"/>
           </a:p>
@@ -665,7 +665,7 @@
           <a:p>
             <a:fld id="{0AB40213-5084-43E5-B24A-40DA3D61C78A}" type="datetimeFigureOut">
               <a:rPr lang="en-US" smtClean="0"/>
-              <a:t>3/5/21</a:t>
+              <a:t>3/16/2021</a:t>
             </a:fld>
             <a:endParaRPr lang="en-US"/>
           </a:p>
@@ -863,7 +863,7 @@
           <a:p>
             <a:fld id="{0AB40213-5084-43E5-B24A-40DA3D61C78A}" type="datetimeFigureOut">
               <a:rPr lang="en-US" smtClean="0"/>
-              <a:t>3/5/21</a:t>
+              <a:t>3/16/2021</a:t>
             </a:fld>
             <a:endParaRPr lang="en-US"/>
           </a:p>
@@ -1138,7 +1138,7 @@
           <a:p>
             <a:fld id="{0AB40213-5084-43E5-B24A-40DA3D61C78A}" type="datetimeFigureOut">
               <a:rPr lang="en-US" smtClean="0"/>
-              <a:t>3/5/21</a:t>
+              <a:t>3/16/2021</a:t>
             </a:fld>
             <a:endParaRPr lang="en-US"/>
           </a:p>
@@ -1403,7 +1403,7 @@
           <a:p>
             <a:fld id="{0AB40213-5084-43E5-B24A-40DA3D61C78A}" type="datetimeFigureOut">
               <a:rPr lang="en-US" smtClean="0"/>
-              <a:t>3/5/21</a:t>
+              <a:t>3/16/2021</a:t>
             </a:fld>
             <a:endParaRPr lang="en-US"/>
           </a:p>
@@ -1815,7 +1815,7 @@
           <a:p>
             <a:fld id="{0AB40213-5084-43E5-B24A-40DA3D61C78A}" type="datetimeFigureOut">
               <a:rPr lang="en-US" smtClean="0"/>
-              <a:t>3/5/21</a:t>
+              <a:t>3/16/2021</a:t>
             </a:fld>
             <a:endParaRPr lang="en-US"/>
           </a:p>
@@ -1956,7 +1956,7 @@
           <a:p>
             <a:fld id="{0AB40213-5084-43E5-B24A-40DA3D61C78A}" type="datetimeFigureOut">
               <a:rPr lang="en-US" smtClean="0"/>
-              <a:t>3/5/21</a:t>
+              <a:t>3/16/2021</a:t>
             </a:fld>
             <a:endParaRPr lang="en-US"/>
           </a:p>
@@ -2069,7 +2069,7 @@
           <a:p>
             <a:fld id="{0AB40213-5084-43E5-B24A-40DA3D61C78A}" type="datetimeFigureOut">
               <a:rPr lang="en-US" smtClean="0"/>
-              <a:t>3/5/21</a:t>
+              <a:t>3/16/2021</a:t>
             </a:fld>
             <a:endParaRPr lang="en-US"/>
           </a:p>
@@ -2380,7 +2380,7 @@
           <a:p>
             <a:fld id="{0AB40213-5084-43E5-B24A-40DA3D61C78A}" type="datetimeFigureOut">
               <a:rPr lang="en-US" smtClean="0"/>
-              <a:t>3/5/21</a:t>
+              <a:t>3/16/2021</a:t>
             </a:fld>
             <a:endParaRPr lang="en-US"/>
           </a:p>
@@ -2668,7 +2668,7 @@
           <a:p>
             <a:fld id="{0AB40213-5084-43E5-B24A-40DA3D61C78A}" type="datetimeFigureOut">
               <a:rPr lang="en-US" smtClean="0"/>
-              <a:t>3/5/21</a:t>
+              <a:t>3/16/2021</a:t>
             </a:fld>
             <a:endParaRPr lang="en-US"/>
           </a:p>
@@ -2909,7 +2909,7 @@
           <a:p>
             <a:fld id="{0AB40213-5084-43E5-B24A-40DA3D61C78A}" type="datetimeFigureOut">
               <a:rPr lang="en-US" smtClean="0"/>
-              <a:t>3/5/21</a:t>
+              <a:t>3/16/2021</a:t>
             </a:fld>
             <a:endParaRPr lang="en-US"/>
           </a:p>
@@ -4327,7 +4327,7 @@
         </p:spPr>
         <p:txBody>
           <a:bodyPr vert="horz" lIns="91440" tIns="45720" rIns="91440" bIns="45720" rtlCol="0">
-            <a:normAutofit/>
+            <a:normAutofit lnSpcReduction="10000"/>
           </a:bodyPr>
           <a:lstStyle>
             <a:lvl1pPr marL="228600" indent="-228600" algn="l" defTabSz="914400" rtl="0" eaLnBrk="1" latinLnBrk="0" hangingPunct="1">
@@ -4541,7 +4541,20 @@
                 </a:ln>
                 <a:latin typeface="Helvetica" pitchFamily="2" charset="0"/>
               </a:rPr>
-              <a:t> library as our method for pronoun replacement. This allowed us to implement pronoun replacement without going beyond the scope of our project.</a:t>
+              <a:t> library as our method for pronoun replacement to avoid going beyond the scope of the project.</a:t>
+            </a:r>
+          </a:p>
+          <a:p>
+            <a:r>
+              <a:rPr lang="en-US" sz="1800" dirty="0">
+                <a:ln>
+                  <a:solidFill>
+                    <a:schemeClr val="tx1"/>
+                  </a:solidFill>
+                </a:ln>
+                <a:latin typeface="Helvetica" pitchFamily="2" charset="0"/>
+              </a:rPr>
+              <a:t>Use spacy library in Python to identify statements from dependency and part-of-speech tags.</a:t>
             </a:r>
           </a:p>
           <a:p>
@@ -4794,6 +4807,19 @@
                 <a:latin typeface="Helvetica" pitchFamily="2" charset="0"/>
               </a:rPr>
               <a:t>Develop a pronoun replacement tool from the ground up to deliver better results</a:t>
+            </a:r>
+          </a:p>
+          <a:p>
+            <a:r>
+              <a:rPr lang="en-US" sz="1800" dirty="0">
+                <a:ln>
+                  <a:solidFill>
+                    <a:schemeClr val="tx1"/>
+                  </a:solidFill>
+                </a:ln>
+                <a:latin typeface="Helvetica" pitchFamily="2" charset="0"/>
+              </a:rPr>
+              <a:t>Add in an option to fact-check an entire webpage</a:t>
             </a:r>
           </a:p>
         </p:txBody>

--- a/ExpoPoster.pptx
+++ b/ExpoPoster.pptx
@@ -259,7 +259,7 @@
           <a:p>
             <a:fld id="{0AB40213-5084-43E5-B24A-40DA3D61C78A}" type="datetimeFigureOut">
               <a:rPr lang="en-US" smtClean="0"/>
-              <a:t>3/16/2021</a:t>
+              <a:t>3/17/21</a:t>
             </a:fld>
             <a:endParaRPr lang="en-US"/>
           </a:p>
@@ -457,7 +457,7 @@
           <a:p>
             <a:fld id="{0AB40213-5084-43E5-B24A-40DA3D61C78A}" type="datetimeFigureOut">
               <a:rPr lang="en-US" smtClean="0"/>
-              <a:t>3/16/2021</a:t>
+              <a:t>3/17/21</a:t>
             </a:fld>
             <a:endParaRPr lang="en-US"/>
           </a:p>
@@ -665,7 +665,7 @@
           <a:p>
             <a:fld id="{0AB40213-5084-43E5-B24A-40DA3D61C78A}" type="datetimeFigureOut">
               <a:rPr lang="en-US" smtClean="0"/>
-              <a:t>3/16/2021</a:t>
+              <a:t>3/17/21</a:t>
             </a:fld>
             <a:endParaRPr lang="en-US"/>
           </a:p>
@@ -863,7 +863,7 @@
           <a:p>
             <a:fld id="{0AB40213-5084-43E5-B24A-40DA3D61C78A}" type="datetimeFigureOut">
               <a:rPr lang="en-US" smtClean="0"/>
-              <a:t>3/16/2021</a:t>
+              <a:t>3/17/21</a:t>
             </a:fld>
             <a:endParaRPr lang="en-US"/>
           </a:p>
@@ -1138,7 +1138,7 @@
           <a:p>
             <a:fld id="{0AB40213-5084-43E5-B24A-40DA3D61C78A}" type="datetimeFigureOut">
               <a:rPr lang="en-US" smtClean="0"/>
-              <a:t>3/16/2021</a:t>
+              <a:t>3/17/21</a:t>
             </a:fld>
             <a:endParaRPr lang="en-US"/>
           </a:p>
@@ -1403,7 +1403,7 @@
           <a:p>
             <a:fld id="{0AB40213-5084-43E5-B24A-40DA3D61C78A}" type="datetimeFigureOut">
               <a:rPr lang="en-US" smtClean="0"/>
-              <a:t>3/16/2021</a:t>
+              <a:t>3/17/21</a:t>
             </a:fld>
             <a:endParaRPr lang="en-US"/>
           </a:p>
@@ -1815,7 +1815,7 @@
           <a:p>
             <a:fld id="{0AB40213-5084-43E5-B24A-40DA3D61C78A}" type="datetimeFigureOut">
               <a:rPr lang="en-US" smtClean="0"/>
-              <a:t>3/16/2021</a:t>
+              <a:t>3/17/21</a:t>
             </a:fld>
             <a:endParaRPr lang="en-US"/>
           </a:p>
@@ -1956,7 +1956,7 @@
           <a:p>
             <a:fld id="{0AB40213-5084-43E5-B24A-40DA3D61C78A}" type="datetimeFigureOut">
               <a:rPr lang="en-US" smtClean="0"/>
-              <a:t>3/16/2021</a:t>
+              <a:t>3/17/21</a:t>
             </a:fld>
             <a:endParaRPr lang="en-US"/>
           </a:p>
@@ -2069,7 +2069,7 @@
           <a:p>
             <a:fld id="{0AB40213-5084-43E5-B24A-40DA3D61C78A}" type="datetimeFigureOut">
               <a:rPr lang="en-US" smtClean="0"/>
-              <a:t>3/16/2021</a:t>
+              <a:t>3/17/21</a:t>
             </a:fld>
             <a:endParaRPr lang="en-US"/>
           </a:p>
@@ -2380,7 +2380,7 @@
           <a:p>
             <a:fld id="{0AB40213-5084-43E5-B24A-40DA3D61C78A}" type="datetimeFigureOut">
               <a:rPr lang="en-US" smtClean="0"/>
-              <a:t>3/16/2021</a:t>
+              <a:t>3/17/21</a:t>
             </a:fld>
             <a:endParaRPr lang="en-US"/>
           </a:p>
@@ -2668,7 +2668,7 @@
           <a:p>
             <a:fld id="{0AB40213-5084-43E5-B24A-40DA3D61C78A}" type="datetimeFigureOut">
               <a:rPr lang="en-US" smtClean="0"/>
-              <a:t>3/16/2021</a:t>
+              <a:t>3/17/21</a:t>
             </a:fld>
             <a:endParaRPr lang="en-US"/>
           </a:p>
@@ -2909,7 +2909,7 @@
           <a:p>
             <a:fld id="{0AB40213-5084-43E5-B24A-40DA3D61C78A}" type="datetimeFigureOut">
               <a:rPr lang="en-US" smtClean="0"/>
-              <a:t>3/16/2021</a:t>
+              <a:t>3/17/21</a:t>
             </a:fld>
             <a:endParaRPr lang="en-US"/>
           </a:p>
@@ -3384,30 +3384,30 @@
         </p:nvSpPr>
         <p:spPr>
           <a:xfrm>
-            <a:off x="0" y="0"/>
-            <a:ext cx="3908121" cy="1640910"/>
+            <a:off x="104449" y="134293"/>
+            <a:ext cx="3893906" cy="1017142"/>
           </a:xfrm>
         </p:spPr>
         <p:txBody>
           <a:bodyPr>
-            <a:normAutofit fontScale="90000"/>
+            <a:noAutofit/>
           </a:bodyPr>
           <a:lstStyle/>
           <a:p>
             <a:pPr algn="ctr"/>
             <a:r>
-              <a:rPr lang="en-US" b="1" dirty="0">
+              <a:rPr lang="en-US" sz="3200" b="1" dirty="0">
                 <a:latin typeface="Courier" pitchFamily="2" charset="0"/>
               </a:rPr>
               <a:t>Deception Detective</a:t>
             </a:r>
             <a:br>
-              <a:rPr lang="en-US" b="1" dirty="0">
+              <a:rPr lang="en-US" sz="3200" b="1" dirty="0">
                 <a:latin typeface="Courier" pitchFamily="2" charset="0"/>
               </a:rPr>
             </a:br>
             <a:r>
-              <a:rPr lang="en-US" b="1" dirty="0">
+              <a:rPr lang="en-US" sz="3200" b="1" dirty="0">
                 <a:latin typeface="Courier" pitchFamily="2" charset="0"/>
               </a:rPr>
               <a:t>Fact-Checker</a:t>
@@ -3433,8 +3433,8 @@
         </p:nvSpPr>
         <p:spPr>
           <a:xfrm>
-            <a:off x="4035385" y="2400641"/>
-            <a:ext cx="3983990" cy="1678951"/>
+            <a:off x="4093215" y="2780719"/>
+            <a:ext cx="3955384" cy="1986353"/>
           </a:xfrm>
           <a:ln>
             <a:solidFill>
@@ -3499,7 +3499,7 @@
                 </a:ln>
                 <a:latin typeface="Helvetica" pitchFamily="2" charset="0"/>
               </a:rPr>
-              <a:t>Etc.</a:t>
+              <a:t>Full page automated fact-checking</a:t>
             </a:r>
           </a:p>
         </p:txBody>
@@ -3520,8 +3520,8 @@
         </p:nvSpPr>
         <p:spPr>
           <a:xfrm>
-            <a:off x="-7015" y="1820187"/>
-            <a:ext cx="1925398" cy="2104412"/>
+            <a:off x="1066569" y="2780718"/>
+            <a:ext cx="1969667" cy="230305"/>
           </a:xfrm>
           <a:prstGeom prst="rect">
             <a:avLst/>
@@ -3534,7 +3534,7 @@
         </p:spPr>
         <p:txBody>
           <a:bodyPr vert="horz" lIns="91440" tIns="45720" rIns="91440" bIns="45720" rtlCol="0">
-            <a:normAutofit fontScale="92500" lnSpcReduction="10000"/>
+            <a:normAutofit fontScale="62500" lnSpcReduction="20000"/>
           </a:bodyPr>
           <a:lstStyle>
             <a:lvl1pPr marL="228600" indent="-228600" algn="l" defTabSz="914400" rtl="0" eaLnBrk="1" latinLnBrk="0" hangingPunct="1">
@@ -3701,7 +3701,7 @@
             </a:lvl9pPr>
           </a:lstStyle>
           <a:p>
-            <a:pPr marL="0" indent="0">
+            <a:pPr marL="0" indent="0" algn="ctr">
               <a:buNone/>
             </a:pPr>
             <a:r>
@@ -3715,86 +3715,8 @@
                 <a:ea typeface="HELVETICA NEUE MEDIUM" panose="02000503000000020004" pitchFamily="2" charset="0"/>
                 <a:cs typeface="HELVETICA NEUE MEDIUM" panose="02000503000000020004" pitchFamily="2" charset="0"/>
               </a:rPr>
-              <a:t>Team</a:t>
-            </a:r>
-          </a:p>
-          <a:p>
-            <a:r>
-              <a:rPr lang="en-US" sz="1800" dirty="0">
-                <a:ln>
-                  <a:solidFill>
-                    <a:schemeClr val="tx1"/>
-                  </a:solidFill>
-                </a:ln>
-                <a:latin typeface="Helvetica" pitchFamily="2" charset="0"/>
-                <a:ea typeface="Helvetica Neue Medium" panose="02000503000000020004" pitchFamily="2" charset="0"/>
-                <a:cs typeface="Helvetica Neue Medium" panose="02000503000000020004" pitchFamily="2" charset="0"/>
-              </a:rPr>
-              <a:t>Andrew Nease</a:t>
-            </a:r>
-          </a:p>
-          <a:p>
-            <a:r>
-              <a:rPr lang="en-US" sz="1800" dirty="0" err="1">
-                <a:ln>
-                  <a:solidFill>
-                    <a:schemeClr val="tx1"/>
-                  </a:solidFill>
-                </a:ln>
-                <a:latin typeface="Helvetica" pitchFamily="2" charset="0"/>
-                <a:ea typeface="Helvetica Neue Medium" panose="02000503000000020004" pitchFamily="2" charset="0"/>
-                <a:cs typeface="Helvetica Neue Medium" panose="02000503000000020004" pitchFamily="2" charset="0"/>
-              </a:rPr>
-              <a:t>Lando</a:t>
-            </a:r>
-            <a:r>
-              <a:rPr lang="en-US" sz="1800" dirty="0">
-                <a:ln>
-                  <a:solidFill>
-                    <a:schemeClr val="tx1"/>
-                  </a:solidFill>
-                </a:ln>
-                <a:latin typeface="Helvetica" pitchFamily="2" charset="0"/>
-                <a:ea typeface="Helvetica Neue Medium" panose="02000503000000020004" pitchFamily="2" charset="0"/>
-                <a:cs typeface="Helvetica Neue Medium" panose="02000503000000020004" pitchFamily="2" charset="0"/>
-              </a:rPr>
-              <a:t> Slack</a:t>
-            </a:r>
-          </a:p>
-          <a:p>
-            <a:r>
-              <a:rPr lang="en-US" sz="1800" dirty="0">
-                <a:ln>
-                  <a:solidFill>
-                    <a:schemeClr val="tx1"/>
-                  </a:solidFill>
-                </a:ln>
-                <a:latin typeface="Helvetica" pitchFamily="2" charset="0"/>
-                <a:ea typeface="Helvetica Neue Medium" panose="02000503000000020004" pitchFamily="2" charset="0"/>
-                <a:cs typeface="Helvetica Neue Medium" panose="02000503000000020004" pitchFamily="2" charset="0"/>
-              </a:rPr>
-              <a:t>Daniel Wood</a:t>
-            </a:r>
-          </a:p>
-          <a:p>
-            <a:pPr marL="0" indent="0">
-              <a:buNone/>
-            </a:pPr>
-            <a:r>
-              <a:rPr lang="en-US" sz="1800" b="1" i="1" dirty="0">
-                <a:ln>
-                  <a:solidFill>
-                    <a:schemeClr val="tx1"/>
-                  </a:solidFill>
-                </a:ln>
-                <a:latin typeface="Helvetica" pitchFamily="2" charset="0"/>
-                <a:ea typeface="HELVETICA NEUE MEDIUM" panose="02000503000000020004" pitchFamily="2" charset="0"/>
-                <a:cs typeface="HELVETICA NEUE MEDIUM" panose="02000503000000020004" pitchFamily="2" charset="0"/>
-              </a:rPr>
-              <a:t>Advisor </a:t>
-            </a:r>
-          </a:p>
-          <a:p>
+              <a:t>Advisor - </a:t>
+            </a:r>
             <a:r>
               <a:rPr lang="en-US" sz="1800" dirty="0">
                 <a:ln>
@@ -3853,8 +3775,8 @@
         </p:nvSpPr>
         <p:spPr>
           <a:xfrm>
-            <a:off x="2032000" y="1820188"/>
-            <a:ext cx="1876121" cy="2104411"/>
+            <a:off x="130458" y="3088453"/>
+            <a:ext cx="3845718" cy="825225"/>
           </a:xfrm>
           <a:prstGeom prst="rect">
             <a:avLst/>
@@ -3867,7 +3789,7 @@
         </p:spPr>
         <p:txBody>
           <a:bodyPr vert="horz" lIns="91440" tIns="45720" rIns="91440" bIns="45720" rtlCol="0">
-            <a:normAutofit/>
+            <a:normAutofit fontScale="70000" lnSpcReduction="20000"/>
           </a:bodyPr>
           <a:lstStyle>
             <a:lvl1pPr marL="228600" indent="-228600" algn="l" defTabSz="914400" rtl="0" eaLnBrk="1" latinLnBrk="0" hangingPunct="1">
@@ -4083,8 +4005,8 @@
         </p:nvSpPr>
         <p:spPr>
           <a:xfrm>
-            <a:off x="4035385" y="148856"/>
-            <a:ext cx="3983990" cy="2104412"/>
+            <a:off x="4116253" y="11984"/>
+            <a:ext cx="3951702" cy="2636889"/>
           </a:xfrm>
           <a:prstGeom prst="rect">
             <a:avLst/>
@@ -4097,7 +4019,7 @@
         </p:spPr>
         <p:txBody>
           <a:bodyPr vert="horz" lIns="91440" tIns="45720" rIns="91440" bIns="45720" rtlCol="0">
-            <a:normAutofit lnSpcReduction="10000"/>
+            <a:normAutofit/>
           </a:bodyPr>
           <a:lstStyle>
             <a:lvl1pPr marL="228600" indent="-228600" algn="l" defTabSz="914400" rtl="0" eaLnBrk="1" latinLnBrk="0" hangingPunct="1">
@@ -4313,8 +4235,8 @@
         </p:nvSpPr>
         <p:spPr>
           <a:xfrm>
-            <a:off x="8146638" y="153075"/>
-            <a:ext cx="4045362" cy="3923259"/>
+            <a:off x="8165638" y="11984"/>
+            <a:ext cx="3893906" cy="3923259"/>
           </a:xfrm>
           <a:prstGeom prst="rect">
             <a:avLst/>
@@ -4327,7 +4249,7 @@
         </p:spPr>
         <p:txBody>
           <a:bodyPr vert="horz" lIns="91440" tIns="45720" rIns="91440" bIns="45720" rtlCol="0">
-            <a:normAutofit lnSpcReduction="10000"/>
+            <a:normAutofit fontScale="92500" lnSpcReduction="10000"/>
           </a:bodyPr>
           <a:lstStyle>
             <a:lvl1pPr marL="228600" indent="-228600" algn="l" defTabSz="914400" rtl="0" eaLnBrk="1" latinLnBrk="0" hangingPunct="1">
@@ -4600,8 +4522,8 @@
         </p:nvSpPr>
         <p:spPr>
           <a:xfrm>
-            <a:off x="4035385" y="4226966"/>
-            <a:ext cx="3983991" cy="2104411"/>
+            <a:off x="4116253" y="4898918"/>
+            <a:ext cx="3951703" cy="1947098"/>
           </a:xfrm>
           <a:prstGeom prst="rect">
             <a:avLst/>
@@ -4811,6 +4733,17 @@
           </a:p>
           <a:p>
             <a:r>
+              <a:rPr lang="en-US" sz="1800">
+                <a:ln>
+                  <a:solidFill>
+                    <a:schemeClr val="tx1"/>
+                  </a:solidFill>
+                </a:ln>
+                <a:latin typeface="Helvetica" pitchFamily="2" charset="0"/>
+              </a:rPr>
+              <a:t>Selection based </a:t>
+            </a:r>
+            <a:r>
               <a:rPr lang="en-US" sz="1800" dirty="0">
                 <a:ln>
                   <a:solidFill>
@@ -4819,7 +4752,7 @@
                 </a:ln>
                 <a:latin typeface="Helvetica" pitchFamily="2" charset="0"/>
               </a:rPr>
-              <a:t>Add in an option to fact-check an entire webpage</a:t>
+              <a:t>fact-checking, rather than full page</a:t>
             </a:r>
           </a:p>
         </p:txBody>
@@ -4838,8 +4771,8 @@
         </p:nvGrpSpPr>
         <p:grpSpPr>
           <a:xfrm>
-            <a:off x="8222896" y="4222875"/>
-            <a:ext cx="3904488" cy="2359152"/>
+            <a:off x="8112324" y="4002754"/>
+            <a:ext cx="4215384" cy="2587752"/>
             <a:chOff x="5003240" y="1886699"/>
             <a:chExt cx="4037354" cy="2389184"/>
           </a:xfrm>
@@ -5263,8 +5196,8 @@
         </p:nvGrpSpPr>
         <p:grpSpPr>
           <a:xfrm>
-            <a:off x="64616" y="4222875"/>
-            <a:ext cx="3908122" cy="2359152"/>
+            <a:off x="-137240" y="3991110"/>
+            <a:ext cx="4211771" cy="2584637"/>
             <a:chOff x="4944246" y="2098566"/>
             <a:chExt cx="4037354" cy="2389184"/>
           </a:xfrm>
@@ -5690,7 +5623,7 @@
         </p:nvSpPr>
         <p:spPr>
           <a:xfrm>
-            <a:off x="640576" y="6581319"/>
+            <a:off x="564375" y="6595579"/>
             <a:ext cx="2779370" cy="841024"/>
           </a:xfrm>
           <a:prstGeom prst="rect">
@@ -5902,7 +5835,7 @@
         </p:nvSpPr>
         <p:spPr>
           <a:xfrm>
-            <a:off x="9055224" y="6581319"/>
+            <a:off x="9102018" y="6584256"/>
             <a:ext cx="2228189" cy="841024"/>
           </a:xfrm>
           <a:prstGeom prst="rect">
@@ -6095,6 +6028,802 @@
               </a:rPr>
               <a:t>Fact Check Rating Page</a:t>
             </a:r>
+          </a:p>
+        </p:txBody>
+      </p:sp>
+      <p:sp>
+        <p:nvSpPr>
+          <p:cNvPr id="29" name="Content Placeholder 2">
+            <a:extLst>
+              <a:ext uri="{FF2B5EF4-FFF2-40B4-BE49-F238E27FC236}">
+                <a16:creationId xmlns:a16="http://schemas.microsoft.com/office/drawing/2014/main" id="{799BF90A-589B-4A4B-A57B-6FB334A0A94B}"/>
+              </a:ext>
+            </a:extLst>
+          </p:cNvPr>
+          <p:cNvSpPr txBox="1">
+            <a:spLocks/>
+          </p:cNvSpPr>
+          <p:nvPr/>
+        </p:nvSpPr>
+        <p:spPr>
+          <a:xfrm>
+            <a:off x="266569" y="2472983"/>
+            <a:ext cx="1093942" cy="230305"/>
+          </a:xfrm>
+          <a:prstGeom prst="rect">
+            <a:avLst/>
+          </a:prstGeom>
+          <a:ln>
+            <a:solidFill>
+              <a:schemeClr val="tx1"/>
+            </a:solidFill>
+          </a:ln>
+        </p:spPr>
+        <p:txBody>
+          <a:bodyPr vert="horz" lIns="91440" tIns="45720" rIns="91440" bIns="45720" rtlCol="0">
+            <a:normAutofit fontScale="55000" lnSpcReduction="20000"/>
+          </a:bodyPr>
+          <a:lstStyle>
+            <a:lvl1pPr marL="228600" indent="-228600" algn="l" defTabSz="914400" rtl="0" eaLnBrk="1" latinLnBrk="0" hangingPunct="1">
+              <a:lnSpc>
+                <a:spcPct val="90000"/>
+              </a:lnSpc>
+              <a:spcBef>
+                <a:spcPts val="1000"/>
+              </a:spcBef>
+              <a:buFont typeface="Arial" panose="020B0604020202020204" pitchFamily="34" charset="0"/>
+              <a:buChar char="•"/>
+              <a:defRPr sz="2800" kern="1200">
+                <a:solidFill>
+                  <a:schemeClr val="tx1"/>
+                </a:solidFill>
+                <a:latin typeface="+mn-lt"/>
+                <a:ea typeface="+mn-ea"/>
+                <a:cs typeface="+mn-cs"/>
+              </a:defRPr>
+            </a:lvl1pPr>
+            <a:lvl2pPr marL="685800" indent="-228600" algn="l" defTabSz="914400" rtl="0" eaLnBrk="1" latinLnBrk="0" hangingPunct="1">
+              <a:lnSpc>
+                <a:spcPct val="90000"/>
+              </a:lnSpc>
+              <a:spcBef>
+                <a:spcPts val="500"/>
+              </a:spcBef>
+              <a:buFont typeface="Arial" panose="020B0604020202020204" pitchFamily="34" charset="0"/>
+              <a:buChar char="•"/>
+              <a:defRPr sz="2400" kern="1200">
+                <a:solidFill>
+                  <a:schemeClr val="tx1"/>
+                </a:solidFill>
+                <a:latin typeface="+mn-lt"/>
+                <a:ea typeface="+mn-ea"/>
+                <a:cs typeface="+mn-cs"/>
+              </a:defRPr>
+            </a:lvl2pPr>
+            <a:lvl3pPr marL="1143000" indent="-228600" algn="l" defTabSz="914400" rtl="0" eaLnBrk="1" latinLnBrk="0" hangingPunct="1">
+              <a:lnSpc>
+                <a:spcPct val="90000"/>
+              </a:lnSpc>
+              <a:spcBef>
+                <a:spcPts val="500"/>
+              </a:spcBef>
+              <a:buFont typeface="Arial" panose="020B0604020202020204" pitchFamily="34" charset="0"/>
+              <a:buChar char="•"/>
+              <a:defRPr sz="2000" kern="1200">
+                <a:solidFill>
+                  <a:schemeClr val="tx1"/>
+                </a:solidFill>
+                <a:latin typeface="+mn-lt"/>
+                <a:ea typeface="+mn-ea"/>
+                <a:cs typeface="+mn-cs"/>
+              </a:defRPr>
+            </a:lvl3pPr>
+            <a:lvl4pPr marL="1600200" indent="-228600" algn="l" defTabSz="914400" rtl="0" eaLnBrk="1" latinLnBrk="0" hangingPunct="1">
+              <a:lnSpc>
+                <a:spcPct val="90000"/>
+              </a:lnSpc>
+              <a:spcBef>
+                <a:spcPts val="500"/>
+              </a:spcBef>
+              <a:buFont typeface="Arial" panose="020B0604020202020204" pitchFamily="34" charset="0"/>
+              <a:buChar char="•"/>
+              <a:defRPr sz="1800" kern="1200">
+                <a:solidFill>
+                  <a:schemeClr val="tx1"/>
+                </a:solidFill>
+                <a:latin typeface="+mn-lt"/>
+                <a:ea typeface="+mn-ea"/>
+                <a:cs typeface="+mn-cs"/>
+              </a:defRPr>
+            </a:lvl4pPr>
+            <a:lvl5pPr marL="2057400" indent="-228600" algn="l" defTabSz="914400" rtl="0" eaLnBrk="1" latinLnBrk="0" hangingPunct="1">
+              <a:lnSpc>
+                <a:spcPct val="90000"/>
+              </a:lnSpc>
+              <a:spcBef>
+                <a:spcPts val="500"/>
+              </a:spcBef>
+              <a:buFont typeface="Arial" panose="020B0604020202020204" pitchFamily="34" charset="0"/>
+              <a:buChar char="•"/>
+              <a:defRPr sz="1800" kern="1200">
+                <a:solidFill>
+                  <a:schemeClr val="tx1"/>
+                </a:solidFill>
+                <a:latin typeface="+mn-lt"/>
+                <a:ea typeface="+mn-ea"/>
+                <a:cs typeface="+mn-cs"/>
+              </a:defRPr>
+            </a:lvl5pPr>
+            <a:lvl6pPr marL="2514600" indent="-228600" algn="l" defTabSz="914400" rtl="0" eaLnBrk="1" latinLnBrk="0" hangingPunct="1">
+              <a:lnSpc>
+                <a:spcPct val="90000"/>
+              </a:lnSpc>
+              <a:spcBef>
+                <a:spcPts val="500"/>
+              </a:spcBef>
+              <a:buFont typeface="Arial" panose="020B0604020202020204" pitchFamily="34" charset="0"/>
+              <a:buChar char="•"/>
+              <a:defRPr sz="1800" kern="1200">
+                <a:solidFill>
+                  <a:schemeClr val="tx1"/>
+                </a:solidFill>
+                <a:latin typeface="+mn-lt"/>
+                <a:ea typeface="+mn-ea"/>
+                <a:cs typeface="+mn-cs"/>
+              </a:defRPr>
+            </a:lvl6pPr>
+            <a:lvl7pPr marL="2971800" indent="-228600" algn="l" defTabSz="914400" rtl="0" eaLnBrk="1" latinLnBrk="0" hangingPunct="1">
+              <a:lnSpc>
+                <a:spcPct val="90000"/>
+              </a:lnSpc>
+              <a:spcBef>
+                <a:spcPts val="500"/>
+              </a:spcBef>
+              <a:buFont typeface="Arial" panose="020B0604020202020204" pitchFamily="34" charset="0"/>
+              <a:buChar char="•"/>
+              <a:defRPr sz="1800" kern="1200">
+                <a:solidFill>
+                  <a:schemeClr val="tx1"/>
+                </a:solidFill>
+                <a:latin typeface="+mn-lt"/>
+                <a:ea typeface="+mn-ea"/>
+                <a:cs typeface="+mn-cs"/>
+              </a:defRPr>
+            </a:lvl7pPr>
+            <a:lvl8pPr marL="3429000" indent="-228600" algn="l" defTabSz="914400" rtl="0" eaLnBrk="1" latinLnBrk="0" hangingPunct="1">
+              <a:lnSpc>
+                <a:spcPct val="90000"/>
+              </a:lnSpc>
+              <a:spcBef>
+                <a:spcPts val="500"/>
+              </a:spcBef>
+              <a:buFont typeface="Arial" panose="020B0604020202020204" pitchFamily="34" charset="0"/>
+              <a:buChar char="•"/>
+              <a:defRPr sz="1800" kern="1200">
+                <a:solidFill>
+                  <a:schemeClr val="tx1"/>
+                </a:solidFill>
+                <a:latin typeface="+mn-lt"/>
+                <a:ea typeface="+mn-ea"/>
+                <a:cs typeface="+mn-cs"/>
+              </a:defRPr>
+            </a:lvl8pPr>
+            <a:lvl9pPr marL="3886200" indent="-228600" algn="l" defTabSz="914400" rtl="0" eaLnBrk="1" latinLnBrk="0" hangingPunct="1">
+              <a:lnSpc>
+                <a:spcPct val="90000"/>
+              </a:lnSpc>
+              <a:spcBef>
+                <a:spcPts val="500"/>
+              </a:spcBef>
+              <a:buFont typeface="Arial" panose="020B0604020202020204" pitchFamily="34" charset="0"/>
+              <a:buChar char="•"/>
+              <a:defRPr sz="1800" kern="1200">
+                <a:solidFill>
+                  <a:schemeClr val="tx1"/>
+                </a:solidFill>
+                <a:latin typeface="+mn-lt"/>
+                <a:ea typeface="+mn-ea"/>
+                <a:cs typeface="+mn-cs"/>
+              </a:defRPr>
+            </a:lvl9pPr>
+          </a:lstStyle>
+          <a:p>
+            <a:pPr marL="0" indent="0" algn="ctr">
+              <a:buNone/>
+            </a:pPr>
+            <a:r>
+              <a:rPr lang="en-US" sz="1800" dirty="0">
+                <a:ln>
+                  <a:solidFill>
+                    <a:schemeClr val="tx1"/>
+                  </a:solidFill>
+                </a:ln>
+                <a:latin typeface="Helvetica" pitchFamily="2" charset="0"/>
+                <a:ea typeface="Helvetica Neue Medium" panose="02000503000000020004" pitchFamily="2" charset="0"/>
+                <a:cs typeface="Helvetica Neue Medium" panose="02000503000000020004" pitchFamily="2" charset="0"/>
+              </a:rPr>
+              <a:t>Andrew Nease</a:t>
+            </a:r>
+            <a:endParaRPr lang="en-US" sz="1800" dirty="0">
+              <a:ln>
+                <a:solidFill>
+                  <a:schemeClr val="tx1"/>
+                </a:solidFill>
+              </a:ln>
+              <a:latin typeface="Helvetica" pitchFamily="2" charset="0"/>
+              <a:ea typeface="Helvetica Neue Medium" panose="02000503000000020004" pitchFamily="2" charset="0"/>
+              <a:cs typeface="Helvetica Neue Medium" panose="02000503000000020004" pitchFamily="2" charset="0"/>
+            </a:endParaRPr>
+          </a:p>
+        </p:txBody>
+      </p:sp>
+      <p:pic>
+        <p:nvPicPr>
+          <p:cNvPr id="7" name="Picture 6" descr="A person in a suit smiling&#10;&#10;Description automatically generated with medium confidence">
+            <a:extLst>
+              <a:ext uri="{FF2B5EF4-FFF2-40B4-BE49-F238E27FC236}">
+                <a16:creationId xmlns:a16="http://schemas.microsoft.com/office/drawing/2014/main" id="{6E1F7EB4-28D7-AC40-9416-2AD31FF8AE82}"/>
+              </a:ext>
+            </a:extLst>
+          </p:cNvPr>
+          <p:cNvPicPr>
+            <a:picLocks noChangeAspect="1"/>
+          </p:cNvPicPr>
+          <p:nvPr/>
+        </p:nvPicPr>
+        <p:blipFill rotWithShape="1">
+          <a:blip r:embed="rId5">
+            <a:extLst>
+              <a:ext uri="{28A0092B-C50C-407E-A947-70E740481C1C}">
+                <a14:useLocalDpi xmlns:a14="http://schemas.microsoft.com/office/drawing/2010/main" val="0"/>
+              </a:ext>
+            </a:extLst>
+          </a:blip>
+          <a:srcRect t="9796" b="20740"/>
+          <a:stretch/>
+        </p:blipFill>
+        <p:spPr>
+          <a:xfrm>
+            <a:off x="266569" y="1289671"/>
+            <a:ext cx="1093941" cy="1139854"/>
+          </a:xfrm>
+          <a:prstGeom prst="rect">
+            <a:avLst/>
+          </a:prstGeom>
+        </p:spPr>
+      </p:pic>
+      <p:sp>
+        <p:nvSpPr>
+          <p:cNvPr id="32" name="Content Placeholder 2">
+            <a:extLst>
+              <a:ext uri="{FF2B5EF4-FFF2-40B4-BE49-F238E27FC236}">
+                <a16:creationId xmlns:a16="http://schemas.microsoft.com/office/drawing/2014/main" id="{A2123257-D0B9-AC46-84A2-4C4911D0DF84}"/>
+              </a:ext>
+            </a:extLst>
+          </p:cNvPr>
+          <p:cNvSpPr txBox="1">
+            <a:spLocks/>
+          </p:cNvSpPr>
+          <p:nvPr/>
+        </p:nvSpPr>
+        <p:spPr>
+          <a:xfrm>
+            <a:off x="1507263" y="2472982"/>
+            <a:ext cx="1093942" cy="230305"/>
+          </a:xfrm>
+          <a:prstGeom prst="rect">
+            <a:avLst/>
+          </a:prstGeom>
+          <a:ln>
+            <a:solidFill>
+              <a:schemeClr val="tx1"/>
+            </a:solidFill>
+          </a:ln>
+        </p:spPr>
+        <p:txBody>
+          <a:bodyPr vert="horz" lIns="91440" tIns="45720" rIns="91440" bIns="45720" rtlCol="0">
+            <a:normAutofit/>
+          </a:bodyPr>
+          <a:lstStyle>
+            <a:lvl1pPr marL="228600" indent="-228600" algn="l" defTabSz="914400" rtl="0" eaLnBrk="1" latinLnBrk="0" hangingPunct="1">
+              <a:lnSpc>
+                <a:spcPct val="90000"/>
+              </a:lnSpc>
+              <a:spcBef>
+                <a:spcPts val="1000"/>
+              </a:spcBef>
+              <a:buFont typeface="Arial" panose="020B0604020202020204" pitchFamily="34" charset="0"/>
+              <a:buChar char="•"/>
+              <a:defRPr sz="2800" kern="1200">
+                <a:solidFill>
+                  <a:schemeClr val="tx1"/>
+                </a:solidFill>
+                <a:latin typeface="+mn-lt"/>
+                <a:ea typeface="+mn-ea"/>
+                <a:cs typeface="+mn-cs"/>
+              </a:defRPr>
+            </a:lvl1pPr>
+            <a:lvl2pPr marL="685800" indent="-228600" algn="l" defTabSz="914400" rtl="0" eaLnBrk="1" latinLnBrk="0" hangingPunct="1">
+              <a:lnSpc>
+                <a:spcPct val="90000"/>
+              </a:lnSpc>
+              <a:spcBef>
+                <a:spcPts val="500"/>
+              </a:spcBef>
+              <a:buFont typeface="Arial" panose="020B0604020202020204" pitchFamily="34" charset="0"/>
+              <a:buChar char="•"/>
+              <a:defRPr sz="2400" kern="1200">
+                <a:solidFill>
+                  <a:schemeClr val="tx1"/>
+                </a:solidFill>
+                <a:latin typeface="+mn-lt"/>
+                <a:ea typeface="+mn-ea"/>
+                <a:cs typeface="+mn-cs"/>
+              </a:defRPr>
+            </a:lvl2pPr>
+            <a:lvl3pPr marL="1143000" indent="-228600" algn="l" defTabSz="914400" rtl="0" eaLnBrk="1" latinLnBrk="0" hangingPunct="1">
+              <a:lnSpc>
+                <a:spcPct val="90000"/>
+              </a:lnSpc>
+              <a:spcBef>
+                <a:spcPts val="500"/>
+              </a:spcBef>
+              <a:buFont typeface="Arial" panose="020B0604020202020204" pitchFamily="34" charset="0"/>
+              <a:buChar char="•"/>
+              <a:defRPr sz="2000" kern="1200">
+                <a:solidFill>
+                  <a:schemeClr val="tx1"/>
+                </a:solidFill>
+                <a:latin typeface="+mn-lt"/>
+                <a:ea typeface="+mn-ea"/>
+                <a:cs typeface="+mn-cs"/>
+              </a:defRPr>
+            </a:lvl3pPr>
+            <a:lvl4pPr marL="1600200" indent="-228600" algn="l" defTabSz="914400" rtl="0" eaLnBrk="1" latinLnBrk="0" hangingPunct="1">
+              <a:lnSpc>
+                <a:spcPct val="90000"/>
+              </a:lnSpc>
+              <a:spcBef>
+                <a:spcPts val="500"/>
+              </a:spcBef>
+              <a:buFont typeface="Arial" panose="020B0604020202020204" pitchFamily="34" charset="0"/>
+              <a:buChar char="•"/>
+              <a:defRPr sz="1800" kern="1200">
+                <a:solidFill>
+                  <a:schemeClr val="tx1"/>
+                </a:solidFill>
+                <a:latin typeface="+mn-lt"/>
+                <a:ea typeface="+mn-ea"/>
+                <a:cs typeface="+mn-cs"/>
+              </a:defRPr>
+            </a:lvl4pPr>
+            <a:lvl5pPr marL="2057400" indent="-228600" algn="l" defTabSz="914400" rtl="0" eaLnBrk="1" latinLnBrk="0" hangingPunct="1">
+              <a:lnSpc>
+                <a:spcPct val="90000"/>
+              </a:lnSpc>
+              <a:spcBef>
+                <a:spcPts val="500"/>
+              </a:spcBef>
+              <a:buFont typeface="Arial" panose="020B0604020202020204" pitchFamily="34" charset="0"/>
+              <a:buChar char="•"/>
+              <a:defRPr sz="1800" kern="1200">
+                <a:solidFill>
+                  <a:schemeClr val="tx1"/>
+                </a:solidFill>
+                <a:latin typeface="+mn-lt"/>
+                <a:ea typeface="+mn-ea"/>
+                <a:cs typeface="+mn-cs"/>
+              </a:defRPr>
+            </a:lvl5pPr>
+            <a:lvl6pPr marL="2514600" indent="-228600" algn="l" defTabSz="914400" rtl="0" eaLnBrk="1" latinLnBrk="0" hangingPunct="1">
+              <a:lnSpc>
+                <a:spcPct val="90000"/>
+              </a:lnSpc>
+              <a:spcBef>
+                <a:spcPts val="500"/>
+              </a:spcBef>
+              <a:buFont typeface="Arial" panose="020B0604020202020204" pitchFamily="34" charset="0"/>
+              <a:buChar char="•"/>
+              <a:defRPr sz="1800" kern="1200">
+                <a:solidFill>
+                  <a:schemeClr val="tx1"/>
+                </a:solidFill>
+                <a:latin typeface="+mn-lt"/>
+                <a:ea typeface="+mn-ea"/>
+                <a:cs typeface="+mn-cs"/>
+              </a:defRPr>
+            </a:lvl6pPr>
+            <a:lvl7pPr marL="2971800" indent="-228600" algn="l" defTabSz="914400" rtl="0" eaLnBrk="1" latinLnBrk="0" hangingPunct="1">
+              <a:lnSpc>
+                <a:spcPct val="90000"/>
+              </a:lnSpc>
+              <a:spcBef>
+                <a:spcPts val="500"/>
+              </a:spcBef>
+              <a:buFont typeface="Arial" panose="020B0604020202020204" pitchFamily="34" charset="0"/>
+              <a:buChar char="•"/>
+              <a:defRPr sz="1800" kern="1200">
+                <a:solidFill>
+                  <a:schemeClr val="tx1"/>
+                </a:solidFill>
+                <a:latin typeface="+mn-lt"/>
+                <a:ea typeface="+mn-ea"/>
+                <a:cs typeface="+mn-cs"/>
+              </a:defRPr>
+            </a:lvl7pPr>
+            <a:lvl8pPr marL="3429000" indent="-228600" algn="l" defTabSz="914400" rtl="0" eaLnBrk="1" latinLnBrk="0" hangingPunct="1">
+              <a:lnSpc>
+                <a:spcPct val="90000"/>
+              </a:lnSpc>
+              <a:spcBef>
+                <a:spcPts val="500"/>
+              </a:spcBef>
+              <a:buFont typeface="Arial" panose="020B0604020202020204" pitchFamily="34" charset="0"/>
+              <a:buChar char="•"/>
+              <a:defRPr sz="1800" kern="1200">
+                <a:solidFill>
+                  <a:schemeClr val="tx1"/>
+                </a:solidFill>
+                <a:latin typeface="+mn-lt"/>
+                <a:ea typeface="+mn-ea"/>
+                <a:cs typeface="+mn-cs"/>
+              </a:defRPr>
+            </a:lvl8pPr>
+            <a:lvl9pPr marL="3886200" indent="-228600" algn="l" defTabSz="914400" rtl="0" eaLnBrk="1" latinLnBrk="0" hangingPunct="1">
+              <a:lnSpc>
+                <a:spcPct val="90000"/>
+              </a:lnSpc>
+              <a:spcBef>
+                <a:spcPts val="500"/>
+              </a:spcBef>
+              <a:buFont typeface="Arial" panose="020B0604020202020204" pitchFamily="34" charset="0"/>
+              <a:buChar char="•"/>
+              <a:defRPr sz="1800" kern="1200">
+                <a:solidFill>
+                  <a:schemeClr val="tx1"/>
+                </a:solidFill>
+                <a:latin typeface="+mn-lt"/>
+                <a:ea typeface="+mn-ea"/>
+                <a:cs typeface="+mn-cs"/>
+              </a:defRPr>
+            </a:lvl9pPr>
+          </a:lstStyle>
+          <a:p>
+            <a:pPr marL="0" indent="0" algn="ctr">
+              <a:buNone/>
+            </a:pPr>
+            <a:r>
+              <a:rPr lang="en-US" sz="1000" dirty="0" err="1">
+                <a:ln>
+                  <a:solidFill>
+                    <a:schemeClr val="tx1"/>
+                  </a:solidFill>
+                </a:ln>
+                <a:latin typeface="Helvetica" pitchFamily="2" charset="0"/>
+                <a:ea typeface="Helvetica Neue Medium" panose="02000503000000020004" pitchFamily="2" charset="0"/>
+                <a:cs typeface="Helvetica Neue Medium" panose="02000503000000020004" pitchFamily="2" charset="0"/>
+              </a:rPr>
+              <a:t>Lando</a:t>
+            </a:r>
+            <a:r>
+              <a:rPr lang="en-US" sz="1000" dirty="0">
+                <a:ln>
+                  <a:solidFill>
+                    <a:schemeClr val="tx1"/>
+                  </a:solidFill>
+                </a:ln>
+                <a:latin typeface="Helvetica" pitchFamily="2" charset="0"/>
+                <a:ea typeface="Helvetica Neue Medium" panose="02000503000000020004" pitchFamily="2" charset="0"/>
+                <a:cs typeface="Helvetica Neue Medium" panose="02000503000000020004" pitchFamily="2" charset="0"/>
+              </a:rPr>
+              <a:t> Slack</a:t>
+            </a:r>
+            <a:endParaRPr lang="en-US" sz="1000" dirty="0">
+              <a:ln>
+                <a:solidFill>
+                  <a:schemeClr val="tx1"/>
+                </a:solidFill>
+              </a:ln>
+              <a:latin typeface="Helvetica" pitchFamily="2" charset="0"/>
+              <a:ea typeface="Helvetica Neue Medium" panose="02000503000000020004" pitchFamily="2" charset="0"/>
+              <a:cs typeface="Helvetica Neue Medium" panose="02000503000000020004" pitchFamily="2" charset="0"/>
+            </a:endParaRPr>
+          </a:p>
+        </p:txBody>
+      </p:sp>
+      <p:pic>
+        <p:nvPicPr>
+          <p:cNvPr id="33" name="Picture 32" descr="A person in a suit smiling&#10;&#10;Description automatically generated with medium confidence">
+            <a:extLst>
+              <a:ext uri="{FF2B5EF4-FFF2-40B4-BE49-F238E27FC236}">
+                <a16:creationId xmlns:a16="http://schemas.microsoft.com/office/drawing/2014/main" id="{23F4820B-E056-F34F-91C2-F3AD7E069513}"/>
+              </a:ext>
+            </a:extLst>
+          </p:cNvPr>
+          <p:cNvPicPr>
+            <a:picLocks noChangeAspect="1"/>
+          </p:cNvPicPr>
+          <p:nvPr/>
+        </p:nvPicPr>
+        <p:blipFill rotWithShape="1">
+          <a:blip r:embed="rId5">
+            <a:extLst>
+              <a:ext uri="{28A0092B-C50C-407E-A947-70E740481C1C}">
+                <a14:useLocalDpi xmlns:a14="http://schemas.microsoft.com/office/drawing/2010/main" val="0"/>
+              </a:ext>
+            </a:extLst>
+          </a:blip>
+          <a:srcRect t="9796" b="20740"/>
+          <a:stretch/>
+        </p:blipFill>
+        <p:spPr>
+          <a:xfrm>
+            <a:off x="1507264" y="1279457"/>
+            <a:ext cx="1093941" cy="1139854"/>
+          </a:xfrm>
+          <a:prstGeom prst="rect">
+            <a:avLst/>
+          </a:prstGeom>
+        </p:spPr>
+      </p:pic>
+      <p:pic>
+        <p:nvPicPr>
+          <p:cNvPr id="34" name="Picture 33" descr="A person in a suit smiling&#10;&#10;Description automatically generated with medium confidence">
+            <a:extLst>
+              <a:ext uri="{FF2B5EF4-FFF2-40B4-BE49-F238E27FC236}">
+                <a16:creationId xmlns:a16="http://schemas.microsoft.com/office/drawing/2014/main" id="{B389A85F-3D1C-9947-895C-A509D7783CDC}"/>
+              </a:ext>
+            </a:extLst>
+          </p:cNvPr>
+          <p:cNvPicPr>
+            <a:picLocks noChangeAspect="1"/>
+          </p:cNvPicPr>
+          <p:nvPr/>
+        </p:nvPicPr>
+        <p:blipFill rotWithShape="1">
+          <a:blip r:embed="rId5">
+            <a:extLst>
+              <a:ext uri="{28A0092B-C50C-407E-A947-70E740481C1C}">
+                <a14:useLocalDpi xmlns:a14="http://schemas.microsoft.com/office/drawing/2010/main" val="0"/>
+              </a:ext>
+            </a:extLst>
+          </a:blip>
+          <a:srcRect t="9796" b="20740"/>
+          <a:stretch/>
+        </p:blipFill>
+        <p:spPr>
+          <a:xfrm>
+            <a:off x="2746292" y="1279457"/>
+            <a:ext cx="1093941" cy="1139854"/>
+          </a:xfrm>
+          <a:prstGeom prst="rect">
+            <a:avLst/>
+          </a:prstGeom>
+        </p:spPr>
+      </p:pic>
+      <p:sp>
+        <p:nvSpPr>
+          <p:cNvPr id="35" name="Content Placeholder 2">
+            <a:extLst>
+              <a:ext uri="{FF2B5EF4-FFF2-40B4-BE49-F238E27FC236}">
+                <a16:creationId xmlns:a16="http://schemas.microsoft.com/office/drawing/2014/main" id="{FBFCCB2A-CEDC-CF45-85B7-3875CA7F5E43}"/>
+              </a:ext>
+            </a:extLst>
+          </p:cNvPr>
+          <p:cNvSpPr txBox="1">
+            <a:spLocks/>
+          </p:cNvSpPr>
+          <p:nvPr/>
+        </p:nvSpPr>
+        <p:spPr>
+          <a:xfrm>
+            <a:off x="2746291" y="2472981"/>
+            <a:ext cx="1093942" cy="230305"/>
+          </a:xfrm>
+          <a:prstGeom prst="rect">
+            <a:avLst/>
+          </a:prstGeom>
+          <a:ln>
+            <a:solidFill>
+              <a:schemeClr val="tx1"/>
+            </a:solidFill>
+          </a:ln>
+        </p:spPr>
+        <p:txBody>
+          <a:bodyPr vert="horz" lIns="91440" tIns="45720" rIns="91440" bIns="45720" rtlCol="0">
+            <a:normAutofit/>
+          </a:bodyPr>
+          <a:lstStyle>
+            <a:lvl1pPr marL="228600" indent="-228600" algn="l" defTabSz="914400" rtl="0" eaLnBrk="1" latinLnBrk="0" hangingPunct="1">
+              <a:lnSpc>
+                <a:spcPct val="90000"/>
+              </a:lnSpc>
+              <a:spcBef>
+                <a:spcPts val="1000"/>
+              </a:spcBef>
+              <a:buFont typeface="Arial" panose="020B0604020202020204" pitchFamily="34" charset="0"/>
+              <a:buChar char="•"/>
+              <a:defRPr sz="2800" kern="1200">
+                <a:solidFill>
+                  <a:schemeClr val="tx1"/>
+                </a:solidFill>
+                <a:latin typeface="+mn-lt"/>
+                <a:ea typeface="+mn-ea"/>
+                <a:cs typeface="+mn-cs"/>
+              </a:defRPr>
+            </a:lvl1pPr>
+            <a:lvl2pPr marL="685800" indent="-228600" algn="l" defTabSz="914400" rtl="0" eaLnBrk="1" latinLnBrk="0" hangingPunct="1">
+              <a:lnSpc>
+                <a:spcPct val="90000"/>
+              </a:lnSpc>
+              <a:spcBef>
+                <a:spcPts val="500"/>
+              </a:spcBef>
+              <a:buFont typeface="Arial" panose="020B0604020202020204" pitchFamily="34" charset="0"/>
+              <a:buChar char="•"/>
+              <a:defRPr sz="2400" kern="1200">
+                <a:solidFill>
+                  <a:schemeClr val="tx1"/>
+                </a:solidFill>
+                <a:latin typeface="+mn-lt"/>
+                <a:ea typeface="+mn-ea"/>
+                <a:cs typeface="+mn-cs"/>
+              </a:defRPr>
+            </a:lvl2pPr>
+            <a:lvl3pPr marL="1143000" indent="-228600" algn="l" defTabSz="914400" rtl="0" eaLnBrk="1" latinLnBrk="0" hangingPunct="1">
+              <a:lnSpc>
+                <a:spcPct val="90000"/>
+              </a:lnSpc>
+              <a:spcBef>
+                <a:spcPts val="500"/>
+              </a:spcBef>
+              <a:buFont typeface="Arial" panose="020B0604020202020204" pitchFamily="34" charset="0"/>
+              <a:buChar char="•"/>
+              <a:defRPr sz="2000" kern="1200">
+                <a:solidFill>
+                  <a:schemeClr val="tx1"/>
+                </a:solidFill>
+                <a:latin typeface="+mn-lt"/>
+                <a:ea typeface="+mn-ea"/>
+                <a:cs typeface="+mn-cs"/>
+              </a:defRPr>
+            </a:lvl3pPr>
+            <a:lvl4pPr marL="1600200" indent="-228600" algn="l" defTabSz="914400" rtl="0" eaLnBrk="1" latinLnBrk="0" hangingPunct="1">
+              <a:lnSpc>
+                <a:spcPct val="90000"/>
+              </a:lnSpc>
+              <a:spcBef>
+                <a:spcPts val="500"/>
+              </a:spcBef>
+              <a:buFont typeface="Arial" panose="020B0604020202020204" pitchFamily="34" charset="0"/>
+              <a:buChar char="•"/>
+              <a:defRPr sz="1800" kern="1200">
+                <a:solidFill>
+                  <a:schemeClr val="tx1"/>
+                </a:solidFill>
+                <a:latin typeface="+mn-lt"/>
+                <a:ea typeface="+mn-ea"/>
+                <a:cs typeface="+mn-cs"/>
+              </a:defRPr>
+            </a:lvl4pPr>
+            <a:lvl5pPr marL="2057400" indent="-228600" algn="l" defTabSz="914400" rtl="0" eaLnBrk="1" latinLnBrk="0" hangingPunct="1">
+              <a:lnSpc>
+                <a:spcPct val="90000"/>
+              </a:lnSpc>
+              <a:spcBef>
+                <a:spcPts val="500"/>
+              </a:spcBef>
+              <a:buFont typeface="Arial" panose="020B0604020202020204" pitchFamily="34" charset="0"/>
+              <a:buChar char="•"/>
+              <a:defRPr sz="1800" kern="1200">
+                <a:solidFill>
+                  <a:schemeClr val="tx1"/>
+                </a:solidFill>
+                <a:latin typeface="+mn-lt"/>
+                <a:ea typeface="+mn-ea"/>
+                <a:cs typeface="+mn-cs"/>
+              </a:defRPr>
+            </a:lvl5pPr>
+            <a:lvl6pPr marL="2514600" indent="-228600" algn="l" defTabSz="914400" rtl="0" eaLnBrk="1" latinLnBrk="0" hangingPunct="1">
+              <a:lnSpc>
+                <a:spcPct val="90000"/>
+              </a:lnSpc>
+              <a:spcBef>
+                <a:spcPts val="500"/>
+              </a:spcBef>
+              <a:buFont typeface="Arial" panose="020B0604020202020204" pitchFamily="34" charset="0"/>
+              <a:buChar char="•"/>
+              <a:defRPr sz="1800" kern="1200">
+                <a:solidFill>
+                  <a:schemeClr val="tx1"/>
+                </a:solidFill>
+                <a:latin typeface="+mn-lt"/>
+                <a:ea typeface="+mn-ea"/>
+                <a:cs typeface="+mn-cs"/>
+              </a:defRPr>
+            </a:lvl6pPr>
+            <a:lvl7pPr marL="2971800" indent="-228600" algn="l" defTabSz="914400" rtl="0" eaLnBrk="1" latinLnBrk="0" hangingPunct="1">
+              <a:lnSpc>
+                <a:spcPct val="90000"/>
+              </a:lnSpc>
+              <a:spcBef>
+                <a:spcPts val="500"/>
+              </a:spcBef>
+              <a:buFont typeface="Arial" panose="020B0604020202020204" pitchFamily="34" charset="0"/>
+              <a:buChar char="•"/>
+              <a:defRPr sz="1800" kern="1200">
+                <a:solidFill>
+                  <a:schemeClr val="tx1"/>
+                </a:solidFill>
+                <a:latin typeface="+mn-lt"/>
+                <a:ea typeface="+mn-ea"/>
+                <a:cs typeface="+mn-cs"/>
+              </a:defRPr>
+            </a:lvl7pPr>
+            <a:lvl8pPr marL="3429000" indent="-228600" algn="l" defTabSz="914400" rtl="0" eaLnBrk="1" latinLnBrk="0" hangingPunct="1">
+              <a:lnSpc>
+                <a:spcPct val="90000"/>
+              </a:lnSpc>
+              <a:spcBef>
+                <a:spcPts val="500"/>
+              </a:spcBef>
+              <a:buFont typeface="Arial" panose="020B0604020202020204" pitchFamily="34" charset="0"/>
+              <a:buChar char="•"/>
+              <a:defRPr sz="1800" kern="1200">
+                <a:solidFill>
+                  <a:schemeClr val="tx1"/>
+                </a:solidFill>
+                <a:latin typeface="+mn-lt"/>
+                <a:ea typeface="+mn-ea"/>
+                <a:cs typeface="+mn-cs"/>
+              </a:defRPr>
+            </a:lvl8pPr>
+            <a:lvl9pPr marL="3886200" indent="-228600" algn="l" defTabSz="914400" rtl="0" eaLnBrk="1" latinLnBrk="0" hangingPunct="1">
+              <a:lnSpc>
+                <a:spcPct val="90000"/>
+              </a:lnSpc>
+              <a:spcBef>
+                <a:spcPts val="500"/>
+              </a:spcBef>
+              <a:buFont typeface="Arial" panose="020B0604020202020204" pitchFamily="34" charset="0"/>
+              <a:buChar char="•"/>
+              <a:defRPr sz="1800" kern="1200">
+                <a:solidFill>
+                  <a:schemeClr val="tx1"/>
+                </a:solidFill>
+                <a:latin typeface="+mn-lt"/>
+                <a:ea typeface="+mn-ea"/>
+                <a:cs typeface="+mn-cs"/>
+              </a:defRPr>
+            </a:lvl9pPr>
+          </a:lstStyle>
+          <a:p>
+            <a:pPr marL="0" indent="0" algn="ctr">
+              <a:buNone/>
+            </a:pPr>
+            <a:r>
+              <a:rPr lang="en-US" sz="1000" dirty="0">
+                <a:ln>
+                  <a:solidFill>
+                    <a:schemeClr val="tx1"/>
+                  </a:solidFill>
+                </a:ln>
+                <a:latin typeface="Helvetica" pitchFamily="2" charset="0"/>
+                <a:ea typeface="Helvetica Neue Medium" panose="02000503000000020004" pitchFamily="2" charset="0"/>
+                <a:cs typeface="Helvetica Neue Medium" panose="02000503000000020004" pitchFamily="2" charset="0"/>
+              </a:rPr>
+              <a:t>Daniel Wood</a:t>
+            </a:r>
+            <a:endParaRPr lang="en-US" sz="1000" dirty="0">
+              <a:ln>
+                <a:solidFill>
+                  <a:schemeClr val="tx1"/>
+                </a:solidFill>
+              </a:ln>
+              <a:latin typeface="Helvetica" pitchFamily="2" charset="0"/>
+              <a:ea typeface="Helvetica Neue Medium" panose="02000503000000020004" pitchFamily="2" charset="0"/>
+              <a:cs typeface="Helvetica Neue Medium" panose="02000503000000020004" pitchFamily="2" charset="0"/>
+            </a:endParaRPr>
           </a:p>
         </p:txBody>
       </p:sp>

--- a/ExpoPoster.pptx
+++ b/ExpoPoster.pptx
@@ -259,7 +259,7 @@
           <a:p>
             <a:fld id="{0AB40213-5084-43E5-B24A-40DA3D61C78A}" type="datetimeFigureOut">
               <a:rPr lang="en-US" smtClean="0"/>
-              <a:t>3/17/21</a:t>
+              <a:t>3/17/2021</a:t>
             </a:fld>
             <a:endParaRPr lang="en-US"/>
           </a:p>
@@ -457,7 +457,7 @@
           <a:p>
             <a:fld id="{0AB40213-5084-43E5-B24A-40DA3D61C78A}" type="datetimeFigureOut">
               <a:rPr lang="en-US" smtClean="0"/>
-              <a:t>3/17/21</a:t>
+              <a:t>3/17/2021</a:t>
             </a:fld>
             <a:endParaRPr lang="en-US"/>
           </a:p>
@@ -665,7 +665,7 @@
           <a:p>
             <a:fld id="{0AB40213-5084-43E5-B24A-40DA3D61C78A}" type="datetimeFigureOut">
               <a:rPr lang="en-US" smtClean="0"/>
-              <a:t>3/17/21</a:t>
+              <a:t>3/17/2021</a:t>
             </a:fld>
             <a:endParaRPr lang="en-US"/>
           </a:p>
@@ -863,7 +863,7 @@
           <a:p>
             <a:fld id="{0AB40213-5084-43E5-B24A-40DA3D61C78A}" type="datetimeFigureOut">
               <a:rPr lang="en-US" smtClean="0"/>
-              <a:t>3/17/21</a:t>
+              <a:t>3/17/2021</a:t>
             </a:fld>
             <a:endParaRPr lang="en-US"/>
           </a:p>
@@ -1138,7 +1138,7 @@
           <a:p>
             <a:fld id="{0AB40213-5084-43E5-B24A-40DA3D61C78A}" type="datetimeFigureOut">
               <a:rPr lang="en-US" smtClean="0"/>
-              <a:t>3/17/21</a:t>
+              <a:t>3/17/2021</a:t>
             </a:fld>
             <a:endParaRPr lang="en-US"/>
           </a:p>
@@ -1403,7 +1403,7 @@
           <a:p>
             <a:fld id="{0AB40213-5084-43E5-B24A-40DA3D61C78A}" type="datetimeFigureOut">
               <a:rPr lang="en-US" smtClean="0"/>
-              <a:t>3/17/21</a:t>
+              <a:t>3/17/2021</a:t>
             </a:fld>
             <a:endParaRPr lang="en-US"/>
           </a:p>
@@ -1815,7 +1815,7 @@
           <a:p>
             <a:fld id="{0AB40213-5084-43E5-B24A-40DA3D61C78A}" type="datetimeFigureOut">
               <a:rPr lang="en-US" smtClean="0"/>
-              <a:t>3/17/21</a:t>
+              <a:t>3/17/2021</a:t>
             </a:fld>
             <a:endParaRPr lang="en-US"/>
           </a:p>
@@ -1956,7 +1956,7 @@
           <a:p>
             <a:fld id="{0AB40213-5084-43E5-B24A-40DA3D61C78A}" type="datetimeFigureOut">
               <a:rPr lang="en-US" smtClean="0"/>
-              <a:t>3/17/21</a:t>
+              <a:t>3/17/2021</a:t>
             </a:fld>
             <a:endParaRPr lang="en-US"/>
           </a:p>
@@ -2069,7 +2069,7 @@
           <a:p>
             <a:fld id="{0AB40213-5084-43E5-B24A-40DA3D61C78A}" type="datetimeFigureOut">
               <a:rPr lang="en-US" smtClean="0"/>
-              <a:t>3/17/21</a:t>
+              <a:t>3/17/2021</a:t>
             </a:fld>
             <a:endParaRPr lang="en-US"/>
           </a:p>
@@ -2380,7 +2380,7 @@
           <a:p>
             <a:fld id="{0AB40213-5084-43E5-B24A-40DA3D61C78A}" type="datetimeFigureOut">
               <a:rPr lang="en-US" smtClean="0"/>
-              <a:t>3/17/21</a:t>
+              <a:t>3/17/2021</a:t>
             </a:fld>
             <a:endParaRPr lang="en-US"/>
           </a:p>
@@ -2668,7 +2668,7 @@
           <a:p>
             <a:fld id="{0AB40213-5084-43E5-B24A-40DA3D61C78A}" type="datetimeFigureOut">
               <a:rPr lang="en-US" smtClean="0"/>
-              <a:t>3/17/21</a:t>
+              <a:t>3/17/2021</a:t>
             </a:fld>
             <a:endParaRPr lang="en-US"/>
           </a:p>
@@ -2909,7 +2909,7 @@
           <a:p>
             <a:fld id="{0AB40213-5084-43E5-B24A-40DA3D61C78A}" type="datetimeFigureOut">
               <a:rPr lang="en-US" smtClean="0"/>
-              <a:t>3/17/21</a:t>
+              <a:t>3/17/2021</a:t>
             </a:fld>
             <a:endParaRPr lang="en-US"/>
           </a:p>
@@ -3789,7 +3789,7 @@
         </p:spPr>
         <p:txBody>
           <a:bodyPr vert="horz" lIns="91440" tIns="45720" rIns="91440" bIns="45720" rtlCol="0">
-            <a:normAutofit fontScale="70000" lnSpcReduction="20000"/>
+            <a:normAutofit fontScale="77500" lnSpcReduction="20000"/>
           </a:bodyPr>
           <a:lstStyle>
             <a:lvl1pPr marL="228600" indent="-228600" algn="l" defTabSz="914400" rtl="0" eaLnBrk="1" latinLnBrk="0" hangingPunct="1">
@@ -6244,16 +6244,6 @@
               </a:rPr>
               <a:t>Andrew Nease</a:t>
             </a:r>
-            <a:endParaRPr lang="en-US" sz="1800" dirty="0">
-              <a:ln>
-                <a:solidFill>
-                  <a:schemeClr val="tx1"/>
-                </a:solidFill>
-              </a:ln>
-              <a:latin typeface="Helvetica" pitchFamily="2" charset="0"/>
-              <a:ea typeface="Helvetica Neue Medium" panose="02000503000000020004" pitchFamily="2" charset="0"/>
-              <a:cs typeface="Helvetica Neue Medium" panose="02000503000000020004" pitchFamily="2" charset="0"/>
-            </a:endParaRPr>
           </a:p>
         </p:txBody>
       </p:sp>
@@ -6518,16 +6508,6 @@
               </a:rPr>
               <a:t> Slack</a:t>
             </a:r>
-            <a:endParaRPr lang="en-US" sz="1000" dirty="0">
-              <a:ln>
-                <a:solidFill>
-                  <a:schemeClr val="tx1"/>
-                </a:solidFill>
-              </a:ln>
-              <a:latin typeface="Helvetica" pitchFamily="2" charset="0"/>
-              <a:ea typeface="Helvetica Neue Medium" panose="02000503000000020004" pitchFamily="2" charset="0"/>
-              <a:cs typeface="Helvetica Neue Medium" panose="02000503000000020004" pitchFamily="2" charset="0"/>
-            </a:endParaRPr>
           </a:p>
         </p:txBody>
       </p:sp>
@@ -6566,41 +6546,6 @@
           </a:prstGeom>
         </p:spPr>
       </p:pic>
-      <p:pic>
-        <p:nvPicPr>
-          <p:cNvPr id="34" name="Picture 33" descr="A person in a suit smiling&#10;&#10;Description automatically generated with medium confidence">
-            <a:extLst>
-              <a:ext uri="{FF2B5EF4-FFF2-40B4-BE49-F238E27FC236}">
-                <a16:creationId xmlns:a16="http://schemas.microsoft.com/office/drawing/2014/main" id="{B389A85F-3D1C-9947-895C-A509D7783CDC}"/>
-              </a:ext>
-            </a:extLst>
-          </p:cNvPr>
-          <p:cNvPicPr>
-            <a:picLocks noChangeAspect="1"/>
-          </p:cNvPicPr>
-          <p:nvPr/>
-        </p:nvPicPr>
-        <p:blipFill rotWithShape="1">
-          <a:blip r:embed="rId5">
-            <a:extLst>
-              <a:ext uri="{28A0092B-C50C-407E-A947-70E740481C1C}">
-                <a14:useLocalDpi xmlns:a14="http://schemas.microsoft.com/office/drawing/2010/main" val="0"/>
-              </a:ext>
-            </a:extLst>
-          </a:blip>
-          <a:srcRect t="9796" b="20740"/>
-          <a:stretch/>
-        </p:blipFill>
-        <p:spPr>
-          <a:xfrm>
-            <a:off x="2746292" y="1279457"/>
-            <a:ext cx="1093941" cy="1139854"/>
-          </a:xfrm>
-          <a:prstGeom prst="rect">
-            <a:avLst/>
-          </a:prstGeom>
-        </p:spPr>
-      </p:pic>
       <p:sp>
         <p:nvSpPr>
           <p:cNvPr id="35" name="Content Placeholder 2">
@@ -6814,19 +6759,45 @@
               </a:rPr>
               <a:t>Daniel Wood</a:t>
             </a:r>
-            <a:endParaRPr lang="en-US" sz="1000" dirty="0">
-              <a:ln>
-                <a:solidFill>
-                  <a:schemeClr val="tx1"/>
-                </a:solidFill>
-              </a:ln>
-              <a:latin typeface="Helvetica" pitchFamily="2" charset="0"/>
-              <a:ea typeface="Helvetica Neue Medium" panose="02000503000000020004" pitchFamily="2" charset="0"/>
-              <a:cs typeface="Helvetica Neue Medium" panose="02000503000000020004" pitchFamily="2" charset="0"/>
-            </a:endParaRPr>
-          </a:p>
-        </p:txBody>
-      </p:sp>
+          </a:p>
+        </p:txBody>
+      </p:sp>
+      <p:pic>
+        <p:nvPicPr>
+          <p:cNvPr id="5" name="Picture 4" descr="A person in a striped shirt&#10;&#10;Description automatically generated with low confidence">
+            <a:extLst>
+              <a:ext uri="{FF2B5EF4-FFF2-40B4-BE49-F238E27FC236}">
+                <a16:creationId xmlns:a16="http://schemas.microsoft.com/office/drawing/2014/main" id="{2510292C-F65A-40BE-B933-40B11EF18E39}"/>
+              </a:ext>
+            </a:extLst>
+          </p:cNvPr>
+          <p:cNvPicPr>
+            <a:picLocks noChangeAspect="1"/>
+          </p:cNvPicPr>
+          <p:nvPr/>
+        </p:nvPicPr>
+        <p:blipFill>
+          <a:blip r:embed="rId6">
+            <a:extLst>
+              <a:ext uri="{28A0092B-C50C-407E-A947-70E740481C1C}">
+                <a14:useLocalDpi xmlns:a14="http://schemas.microsoft.com/office/drawing/2010/main" val="0"/>
+              </a:ext>
+            </a:extLst>
+          </a:blip>
+          <a:stretch>
+            <a:fillRect/>
+          </a:stretch>
+        </p:blipFill>
+        <p:spPr>
+          <a:xfrm>
+            <a:off x="2746291" y="1311023"/>
+            <a:ext cx="1093941" cy="1093941"/>
+          </a:xfrm>
+          <a:prstGeom prst="rect">
+            <a:avLst/>
+          </a:prstGeom>
+        </p:spPr>
+      </p:pic>
     </p:spTree>
     <p:extLst>
       <p:ext uri="{BB962C8B-B14F-4D97-AF65-F5344CB8AC3E}">

--- a/ExpoPoster.pptx
+++ b/ExpoPoster.pptx
@@ -112,6 +112,14 @@
 </p:presentation>
 </file>
 
+<file path=ppt/revisionInfo.xml><?xml version="1.0" encoding="utf-8"?>
+<p1510:revInfo xmlns:a="http://schemas.openxmlformats.org/drawingml/2006/main" xmlns:r="http://schemas.openxmlformats.org/officeDocument/2006/relationships" xmlns:p1510="http://schemas.microsoft.com/office/powerpoint/2015/10/main">
+  <p1510:revLst>
+    <p1510:client id="{2830749F-6EA7-0E64-454E-40F37975D608}" v="378" dt="2021-03-21T00:07:45.832"/>
+  </p1510:revLst>
+</p1510:revInfo>
+</file>
+
 <file path=ppt/slideLayouts/slideLayout1.xml><?xml version="1.0" encoding="utf-8"?>
 <p:sldLayout xmlns:a="http://schemas.openxmlformats.org/drawingml/2006/main" xmlns:r="http://schemas.openxmlformats.org/officeDocument/2006/relationships" xmlns:p="http://schemas.openxmlformats.org/presentationml/2006/main" type="title" preserve="1">
   <p:cSld name="Title Slide">
@@ -259,7 +267,7 @@
           <a:p>
             <a:fld id="{0AB40213-5084-43E5-B24A-40DA3D61C78A}" type="datetimeFigureOut">
               <a:rPr lang="en-US" smtClean="0"/>
-              <a:t>3/17/2021</a:t>
+              <a:t>3/20/2021</a:t>
             </a:fld>
             <a:endParaRPr lang="en-US"/>
           </a:p>
@@ -457,7 +465,7 @@
           <a:p>
             <a:fld id="{0AB40213-5084-43E5-B24A-40DA3D61C78A}" type="datetimeFigureOut">
               <a:rPr lang="en-US" smtClean="0"/>
-              <a:t>3/17/2021</a:t>
+              <a:t>3/20/2021</a:t>
             </a:fld>
             <a:endParaRPr lang="en-US"/>
           </a:p>
@@ -665,7 +673,7 @@
           <a:p>
             <a:fld id="{0AB40213-5084-43E5-B24A-40DA3D61C78A}" type="datetimeFigureOut">
               <a:rPr lang="en-US" smtClean="0"/>
-              <a:t>3/17/2021</a:t>
+              <a:t>3/20/2021</a:t>
             </a:fld>
             <a:endParaRPr lang="en-US"/>
           </a:p>
@@ -863,7 +871,7 @@
           <a:p>
             <a:fld id="{0AB40213-5084-43E5-B24A-40DA3D61C78A}" type="datetimeFigureOut">
               <a:rPr lang="en-US" smtClean="0"/>
-              <a:t>3/17/2021</a:t>
+              <a:t>3/20/2021</a:t>
             </a:fld>
             <a:endParaRPr lang="en-US"/>
           </a:p>
@@ -1138,7 +1146,7 @@
           <a:p>
             <a:fld id="{0AB40213-5084-43E5-B24A-40DA3D61C78A}" type="datetimeFigureOut">
               <a:rPr lang="en-US" smtClean="0"/>
-              <a:t>3/17/2021</a:t>
+              <a:t>3/20/2021</a:t>
             </a:fld>
             <a:endParaRPr lang="en-US"/>
           </a:p>
@@ -1403,7 +1411,7 @@
           <a:p>
             <a:fld id="{0AB40213-5084-43E5-B24A-40DA3D61C78A}" type="datetimeFigureOut">
               <a:rPr lang="en-US" smtClean="0"/>
-              <a:t>3/17/2021</a:t>
+              <a:t>3/20/2021</a:t>
             </a:fld>
             <a:endParaRPr lang="en-US"/>
           </a:p>
@@ -1815,7 +1823,7 @@
           <a:p>
             <a:fld id="{0AB40213-5084-43E5-B24A-40DA3D61C78A}" type="datetimeFigureOut">
               <a:rPr lang="en-US" smtClean="0"/>
-              <a:t>3/17/2021</a:t>
+              <a:t>3/20/2021</a:t>
             </a:fld>
             <a:endParaRPr lang="en-US"/>
           </a:p>
@@ -1956,7 +1964,7 @@
           <a:p>
             <a:fld id="{0AB40213-5084-43E5-B24A-40DA3D61C78A}" type="datetimeFigureOut">
               <a:rPr lang="en-US" smtClean="0"/>
-              <a:t>3/17/2021</a:t>
+              <a:t>3/20/2021</a:t>
             </a:fld>
             <a:endParaRPr lang="en-US"/>
           </a:p>
@@ -2069,7 +2077,7 @@
           <a:p>
             <a:fld id="{0AB40213-5084-43E5-B24A-40DA3D61C78A}" type="datetimeFigureOut">
               <a:rPr lang="en-US" smtClean="0"/>
-              <a:t>3/17/2021</a:t>
+              <a:t>3/20/2021</a:t>
             </a:fld>
             <a:endParaRPr lang="en-US"/>
           </a:p>
@@ -2380,7 +2388,7 @@
           <a:p>
             <a:fld id="{0AB40213-5084-43E5-B24A-40DA3D61C78A}" type="datetimeFigureOut">
               <a:rPr lang="en-US" smtClean="0"/>
-              <a:t>3/17/2021</a:t>
+              <a:t>3/20/2021</a:t>
             </a:fld>
             <a:endParaRPr lang="en-US"/>
           </a:p>
@@ -2668,7 +2676,7 @@
           <a:p>
             <a:fld id="{0AB40213-5084-43E5-B24A-40DA3D61C78A}" type="datetimeFigureOut">
               <a:rPr lang="en-US" smtClean="0"/>
-              <a:t>3/17/2021</a:t>
+              <a:t>3/20/2021</a:t>
             </a:fld>
             <a:endParaRPr lang="en-US"/>
           </a:p>
@@ -2909,7 +2917,7 @@
           <a:p>
             <a:fld id="{0AB40213-5084-43E5-B24A-40DA3D61C78A}" type="datetimeFigureOut">
               <a:rPr lang="en-US" smtClean="0"/>
-              <a:t>3/17/2021</a:t>
+              <a:t>3/20/2021</a:t>
             </a:fld>
             <a:endParaRPr lang="en-US"/>
           </a:p>
@@ -3443,8 +3451,8 @@
           </a:ln>
         </p:spPr>
         <p:txBody>
-          <a:bodyPr>
-            <a:normAutofit/>
+          <a:bodyPr vert="horz" lIns="91440" tIns="45720" rIns="91440" bIns="45720" rtlCol="0" anchor="t">
+            <a:normAutofit lnSpcReduction="10000"/>
           </a:bodyPr>
           <a:lstStyle/>
           <a:p>
@@ -3464,6 +3472,7 @@
             </a:r>
           </a:p>
           <a:p>
+            <a:pPr marL="227965" indent="-227965"/>
             <a:r>
               <a:rPr lang="en-US" sz="1800" dirty="0">
                 <a:ln>
@@ -3475,8 +3484,18 @@
               </a:rPr>
               <a:t>What source to check facts against</a:t>
             </a:r>
-          </a:p>
-          <a:p>
+            <a:endParaRPr lang="en-US" sz="1800" dirty="0">
+              <a:ln>
+                <a:solidFill>
+                  <a:prstClr val="black"/>
+                </a:solidFill>
+              </a:ln>
+              <a:latin typeface="Helvetica" pitchFamily="2" charset="0"/>
+              <a:cs typeface="Helvetica" pitchFamily="2" charset="0"/>
+            </a:endParaRPr>
+          </a:p>
+          <a:p>
+            <a:pPr marL="227965" indent="-227965"/>
             <a:r>
               <a:rPr lang="en-US" sz="1800" dirty="0">
                 <a:ln>
@@ -3488,8 +3507,18 @@
               </a:rPr>
               <a:t>Natural language complexity</a:t>
             </a:r>
-          </a:p>
-          <a:p>
+            <a:endParaRPr lang="en-US" sz="1800" dirty="0">
+              <a:ln>
+                <a:solidFill>
+                  <a:prstClr val="black"/>
+                </a:solidFill>
+              </a:ln>
+              <a:latin typeface="Helvetica" pitchFamily="2" charset="0"/>
+              <a:cs typeface="Helvetica" pitchFamily="2" charset="0"/>
+            </a:endParaRPr>
+          </a:p>
+          <a:p>
+            <a:pPr marL="227965" indent="-227965"/>
             <a:r>
               <a:rPr lang="en-US" sz="1800" dirty="0">
                 <a:ln>
@@ -3501,6 +3530,51 @@
               </a:rPr>
               <a:t>Full page automated fact-checking</a:t>
             </a:r>
+            <a:endParaRPr lang="en-US" sz="1800" dirty="0">
+              <a:ln>
+                <a:solidFill>
+                  <a:prstClr val="black"/>
+                </a:solidFill>
+              </a:ln>
+              <a:latin typeface="Helvetica" pitchFamily="2" charset="0"/>
+              <a:cs typeface="Helvetica" pitchFamily="2" charset="0"/>
+            </a:endParaRPr>
+          </a:p>
+          <a:p>
+            <a:pPr marL="227965" indent="-227965"/>
+            <a:r>
+              <a:rPr lang="en-US" sz="1800">
+                <a:ln>
+                  <a:solidFill>
+                    <a:prstClr val="black"/>
+                  </a:solidFill>
+                </a:ln>
+                <a:latin typeface="Helvetica"/>
+                <a:cs typeface="Helvetica"/>
+              </a:rPr>
+              <a:t>Parsing and scraping different website HTML structures</a:t>
+            </a:r>
+            <a:endParaRPr lang="en-US" sz="1800" dirty="0">
+              <a:ln>
+                <a:solidFill>
+                  <a:prstClr val="black"/>
+                </a:solidFill>
+              </a:ln>
+              <a:latin typeface="Helvetica" pitchFamily="2" charset="0"/>
+              <a:cs typeface="Helvetica"/>
+            </a:endParaRPr>
+          </a:p>
+          <a:p>
+            <a:pPr marL="227965" indent="-227965"/>
+            <a:endParaRPr lang="en-US" sz="1800" dirty="0">
+              <a:ln>
+                <a:solidFill>
+                  <a:prstClr val="black"/>
+                </a:solidFill>
+              </a:ln>
+              <a:latin typeface="Helvetica" pitchFamily="2" charset="0"/>
+              <a:cs typeface="Helvetica"/>
+            </a:endParaRPr>
           </a:p>
         </p:txBody>
       </p:sp>
@@ -4018,8 +4092,8 @@
           </a:ln>
         </p:spPr>
         <p:txBody>
-          <a:bodyPr vert="horz" lIns="91440" tIns="45720" rIns="91440" bIns="45720" rtlCol="0">
-            <a:normAutofit/>
+          <a:bodyPr vert="horz" lIns="91440" tIns="45720" rIns="91440" bIns="45720" rtlCol="0" anchor="t">
+            <a:normAutofit lnSpcReduction="10000"/>
           </a:bodyPr>
           <a:lstStyle>
             <a:lvl1pPr marL="228600" indent="-228600" algn="l" defTabSz="914400" rtl="0" eaLnBrk="1" latinLnBrk="0" hangingPunct="1">
@@ -4212,10 +4286,44 @@
                     <a:schemeClr val="tx1"/>
                   </a:solidFill>
                 </a:ln>
-                <a:latin typeface="Helvetica" pitchFamily="2" charset="0"/>
+                <a:latin typeface="Helvetica"/>
+                <a:cs typeface="Helvetica"/>
               </a:rPr>
-              <a:t>We want to enable anyone to be able to fact-check content on the web with as little effort as possible. By doing so, we encourage users to verify anything they read online. This will ideally limit the spread of misinformation online.</a:t>
-            </a:r>
+              <a:t>We want to enable anyone to be able to fact-check content on the web with as little effort as possible. By doing so, we encourage users to verify anything they read online. This will ideally limit the spread of misinformation </a:t>
+            </a:r>
+            <a:r>
+              <a:rPr lang="en-US" sz="1800">
+                <a:ln>
+                  <a:solidFill>
+                    <a:schemeClr val="tx1"/>
+                  </a:solidFill>
+                </a:ln>
+                <a:latin typeface="Helvetica"/>
+                <a:cs typeface="Helvetica"/>
+              </a:rPr>
+              <a:t>online and</a:t>
+            </a:r>
+            <a:r>
+              <a:rPr lang="en-US" sz="1800" dirty="0">
+                <a:ln>
+                  <a:solidFill>
+                    <a:schemeClr val="tx1"/>
+                  </a:solidFill>
+                </a:ln>
+                <a:latin typeface="Helvetica"/>
+                <a:cs typeface="Helvetica"/>
+              </a:rPr>
+              <a:t> increase user's confidence in their online research.</a:t>
+            </a:r>
+            <a:endParaRPr lang="en-US" sz="1800" dirty="0">
+              <a:ln>
+                <a:solidFill>
+                  <a:prstClr val="black"/>
+                </a:solidFill>
+              </a:ln>
+              <a:latin typeface="Helvetica" pitchFamily="2" charset="0"/>
+              <a:cs typeface="Helvetica"/>
+            </a:endParaRPr>
           </a:p>
         </p:txBody>
       </p:sp>
@@ -4248,8 +4356,8 @@
           </a:ln>
         </p:spPr>
         <p:txBody>
-          <a:bodyPr vert="horz" lIns="91440" tIns="45720" rIns="91440" bIns="45720" rtlCol="0">
-            <a:normAutofit fontScale="92500" lnSpcReduction="10000"/>
+          <a:bodyPr vert="horz" lIns="91440" tIns="45720" rIns="91440" bIns="45720" rtlCol="0" anchor="t">
+            <a:normAutofit lnSpcReduction="10000"/>
           </a:bodyPr>
           <a:lstStyle>
             <a:lvl1pPr marL="228600" indent="-228600" algn="l" defTabSz="914400" rtl="0" eaLnBrk="1" latinLnBrk="0" hangingPunct="1">
@@ -4439,18 +4547,20 @@
                     <a:schemeClr val="tx1"/>
                   </a:solidFill>
                 </a:ln>
-                <a:latin typeface="Helvetica" pitchFamily="2" charset="0"/>
+                <a:latin typeface="Helvetica"/>
+                <a:cs typeface="Helvetica"/>
               </a:rPr>
               <a:t>Use </a:t>
             </a:r>
             <a:r>
-              <a:rPr lang="en-US" sz="1800" dirty="0" err="1">
+              <a:rPr lang="en-US" sz="1800" err="1">
                 <a:ln>
                   <a:solidFill>
                     <a:schemeClr val="tx1"/>
                   </a:solidFill>
                 </a:ln>
-                <a:latin typeface="Helvetica" pitchFamily="2" charset="0"/>
+                <a:latin typeface="Helvetica"/>
+                <a:cs typeface="Helvetica"/>
               </a:rPr>
               <a:t>neuralcoref</a:t>
             </a:r>
@@ -4461,10 +4571,20 @@
                     <a:schemeClr val="tx1"/>
                   </a:solidFill>
                 </a:ln>
-                <a:latin typeface="Helvetica" pitchFamily="2" charset="0"/>
+                <a:latin typeface="Helvetica"/>
+                <a:cs typeface="Helvetica"/>
               </a:rPr>
               <a:t> library as our method for pronoun replacement to avoid going beyond the scope of the project.</a:t>
             </a:r>
+            <a:endParaRPr lang="en-US" sz="1800" dirty="0">
+              <a:ln>
+                <a:solidFill>
+                  <a:prstClr val="black"/>
+                </a:solidFill>
+              </a:ln>
+              <a:latin typeface="Helvetica"/>
+              <a:cs typeface="Helvetica"/>
+            </a:endParaRPr>
           </a:p>
           <a:p>
             <a:r>
@@ -4481,16 +4601,38 @@
           </a:p>
           <a:p>
             <a:r>
+              <a:rPr lang="en-US" sz="1800">
+                <a:ln>
+                  <a:solidFill>
+                    <a:schemeClr val="tx1"/>
+                  </a:solidFill>
+                </a:ln>
+                <a:latin typeface="Helvetica"/>
+                <a:cs typeface="Helvetica"/>
+              </a:rPr>
+              <a:t>Use Snopes and Wikipedia to check facts against: </a:t>
+            </a:r>
+            <a:r>
               <a:rPr lang="en-US" sz="1800" dirty="0">
                 <a:ln>
                   <a:solidFill>
                     <a:schemeClr val="tx1"/>
                   </a:solidFill>
                 </a:ln>
-                <a:latin typeface="Helvetica" pitchFamily="2" charset="0"/>
+                <a:latin typeface="Helvetica"/>
+                <a:cs typeface="Helvetica"/>
               </a:rPr>
-              <a:t>Use Snopes, Wikipedia, and [others] to check facts against: We believe that checking against a variety of trustworthy sites will provide us with results we can be confident in.</a:t>
-            </a:r>
+              <a:t>We believe that checking against a variety of trustworthy sites will provide us with results we can be confident in.</a:t>
+            </a:r>
+            <a:endParaRPr lang="en-US" sz="1800" dirty="0">
+              <a:ln>
+                <a:solidFill>
+                  <a:prstClr val="black"/>
+                </a:solidFill>
+              </a:ln>
+              <a:latin typeface="Helvetica"/>
+              <a:cs typeface="Helvetica"/>
+            </a:endParaRPr>
           </a:p>
           <a:p>
             <a:pPr marL="0" indent="0">
@@ -6511,41 +6653,6 @@
           </a:p>
         </p:txBody>
       </p:sp>
-      <p:pic>
-        <p:nvPicPr>
-          <p:cNvPr id="33" name="Picture 32" descr="A person in a suit smiling&#10;&#10;Description automatically generated with medium confidence">
-            <a:extLst>
-              <a:ext uri="{FF2B5EF4-FFF2-40B4-BE49-F238E27FC236}">
-                <a16:creationId xmlns:a16="http://schemas.microsoft.com/office/drawing/2014/main" id="{23F4820B-E056-F34F-91C2-F3AD7E069513}"/>
-              </a:ext>
-            </a:extLst>
-          </p:cNvPr>
-          <p:cNvPicPr>
-            <a:picLocks noChangeAspect="1"/>
-          </p:cNvPicPr>
-          <p:nvPr/>
-        </p:nvPicPr>
-        <p:blipFill rotWithShape="1">
-          <a:blip r:embed="rId5">
-            <a:extLst>
-              <a:ext uri="{28A0092B-C50C-407E-A947-70E740481C1C}">
-                <a14:useLocalDpi xmlns:a14="http://schemas.microsoft.com/office/drawing/2010/main" val="0"/>
-              </a:ext>
-            </a:extLst>
-          </a:blip>
-          <a:srcRect t="9796" b="20740"/>
-          <a:stretch/>
-        </p:blipFill>
-        <p:spPr>
-          <a:xfrm>
-            <a:off x="1507264" y="1279457"/>
-            <a:ext cx="1093941" cy="1139854"/>
-          </a:xfrm>
-          <a:prstGeom prst="rect">
-            <a:avLst/>
-          </a:prstGeom>
-        </p:spPr>
-      </p:pic>
       <p:sp>
         <p:nvSpPr>
           <p:cNvPr id="35" name="Content Placeholder 2">
@@ -6792,6 +6899,36 @@
           <a:xfrm>
             <a:off x="2746291" y="1311023"/>
             <a:ext cx="1093941" cy="1093941"/>
+          </a:xfrm>
+          <a:prstGeom prst="rect">
+            <a:avLst/>
+          </a:prstGeom>
+        </p:spPr>
+      </p:pic>
+      <p:pic>
+        <p:nvPicPr>
+          <p:cNvPr id="4" name="Picture 29">
+            <a:extLst>
+              <a:ext uri="{FF2B5EF4-FFF2-40B4-BE49-F238E27FC236}">
+                <a16:creationId xmlns:a16="http://schemas.microsoft.com/office/drawing/2014/main" id="{6418C9BA-F813-4A72-9010-591A4A8E2CD5}"/>
+              </a:ext>
+            </a:extLst>
+          </p:cNvPr>
+          <p:cNvPicPr>
+            <a:picLocks noChangeAspect="1"/>
+          </p:cNvPicPr>
+          <p:nvPr/>
+        </p:nvPicPr>
+        <p:blipFill>
+          <a:blip r:embed="rId7"/>
+          <a:stretch>
+            <a:fillRect/>
+          </a:stretch>
+        </p:blipFill>
+        <p:spPr>
+          <a:xfrm>
+            <a:off x="1499369" y="1311971"/>
+            <a:ext cx="1095235" cy="1086271"/>
           </a:xfrm>
           <a:prstGeom prst="rect">
             <a:avLst/>

--- a/ExpoPoster.pptx
+++ b/ExpoPoster.pptx
@@ -267,7 +267,7 @@
           <a:p>
             <a:fld id="{0AB40213-5084-43E5-B24A-40DA3D61C78A}" type="datetimeFigureOut">
               <a:rPr lang="en-US" smtClean="0"/>
-              <a:t>3/20/2021</a:t>
+              <a:t>3/23/21</a:t>
             </a:fld>
             <a:endParaRPr lang="en-US"/>
           </a:p>
@@ -465,7 +465,7 @@
           <a:p>
             <a:fld id="{0AB40213-5084-43E5-B24A-40DA3D61C78A}" type="datetimeFigureOut">
               <a:rPr lang="en-US" smtClean="0"/>
-              <a:t>3/20/2021</a:t>
+              <a:t>3/23/21</a:t>
             </a:fld>
             <a:endParaRPr lang="en-US"/>
           </a:p>
@@ -673,7 +673,7 @@
           <a:p>
             <a:fld id="{0AB40213-5084-43E5-B24A-40DA3D61C78A}" type="datetimeFigureOut">
               <a:rPr lang="en-US" smtClean="0"/>
-              <a:t>3/20/2021</a:t>
+              <a:t>3/23/21</a:t>
             </a:fld>
             <a:endParaRPr lang="en-US"/>
           </a:p>
@@ -871,7 +871,7 @@
           <a:p>
             <a:fld id="{0AB40213-5084-43E5-B24A-40DA3D61C78A}" type="datetimeFigureOut">
               <a:rPr lang="en-US" smtClean="0"/>
-              <a:t>3/20/2021</a:t>
+              <a:t>3/23/21</a:t>
             </a:fld>
             <a:endParaRPr lang="en-US"/>
           </a:p>
@@ -1146,7 +1146,7 @@
           <a:p>
             <a:fld id="{0AB40213-5084-43E5-B24A-40DA3D61C78A}" type="datetimeFigureOut">
               <a:rPr lang="en-US" smtClean="0"/>
-              <a:t>3/20/2021</a:t>
+              <a:t>3/23/21</a:t>
             </a:fld>
             <a:endParaRPr lang="en-US"/>
           </a:p>
@@ -1411,7 +1411,7 @@
           <a:p>
             <a:fld id="{0AB40213-5084-43E5-B24A-40DA3D61C78A}" type="datetimeFigureOut">
               <a:rPr lang="en-US" smtClean="0"/>
-              <a:t>3/20/2021</a:t>
+              <a:t>3/23/21</a:t>
             </a:fld>
             <a:endParaRPr lang="en-US"/>
           </a:p>
@@ -1823,7 +1823,7 @@
           <a:p>
             <a:fld id="{0AB40213-5084-43E5-B24A-40DA3D61C78A}" type="datetimeFigureOut">
               <a:rPr lang="en-US" smtClean="0"/>
-              <a:t>3/20/2021</a:t>
+              <a:t>3/23/21</a:t>
             </a:fld>
             <a:endParaRPr lang="en-US"/>
           </a:p>
@@ -1964,7 +1964,7 @@
           <a:p>
             <a:fld id="{0AB40213-5084-43E5-B24A-40DA3D61C78A}" type="datetimeFigureOut">
               <a:rPr lang="en-US" smtClean="0"/>
-              <a:t>3/20/2021</a:t>
+              <a:t>3/23/21</a:t>
             </a:fld>
             <a:endParaRPr lang="en-US"/>
           </a:p>
@@ -2077,7 +2077,7 @@
           <a:p>
             <a:fld id="{0AB40213-5084-43E5-B24A-40DA3D61C78A}" type="datetimeFigureOut">
               <a:rPr lang="en-US" smtClean="0"/>
-              <a:t>3/20/2021</a:t>
+              <a:t>3/23/21</a:t>
             </a:fld>
             <a:endParaRPr lang="en-US"/>
           </a:p>
@@ -2388,7 +2388,7 @@
           <a:p>
             <a:fld id="{0AB40213-5084-43E5-B24A-40DA3D61C78A}" type="datetimeFigureOut">
               <a:rPr lang="en-US" smtClean="0"/>
-              <a:t>3/20/2021</a:t>
+              <a:t>3/23/21</a:t>
             </a:fld>
             <a:endParaRPr lang="en-US"/>
           </a:p>
@@ -2676,7 +2676,7 @@
           <a:p>
             <a:fld id="{0AB40213-5084-43E5-B24A-40DA3D61C78A}" type="datetimeFigureOut">
               <a:rPr lang="en-US" smtClean="0"/>
-              <a:t>3/20/2021</a:t>
+              <a:t>3/23/21</a:t>
             </a:fld>
             <a:endParaRPr lang="en-US"/>
           </a:p>
@@ -2917,7 +2917,7 @@
           <a:p>
             <a:fld id="{0AB40213-5084-43E5-B24A-40DA3D61C78A}" type="datetimeFigureOut">
               <a:rPr lang="en-US" smtClean="0"/>
-              <a:t>3/20/2021</a:t>
+              <a:t>3/23/21</a:t>
             </a:fld>
             <a:endParaRPr lang="en-US"/>
           </a:p>
@@ -3543,7 +3543,7 @@
           <a:p>
             <a:pPr marL="227965" indent="-227965"/>
             <a:r>
-              <a:rPr lang="en-US" sz="1800">
+              <a:rPr lang="en-US" sz="1800" dirty="0">
                 <a:ln>
                   <a:solidFill>
                     <a:prstClr val="black"/>
@@ -3863,7 +3863,7 @@
         </p:spPr>
         <p:txBody>
           <a:bodyPr vert="horz" lIns="91440" tIns="45720" rIns="91440" bIns="45720" rtlCol="0">
-            <a:normAutofit fontScale="77500" lnSpcReduction="20000"/>
+            <a:normAutofit fontScale="70000" lnSpcReduction="20000"/>
           </a:bodyPr>
           <a:lstStyle>
             <a:lvl1pPr marL="228600" indent="-228600" algn="l" defTabSz="914400" rtl="0" eaLnBrk="1" latinLnBrk="0" hangingPunct="1">
@@ -4899,12 +4899,47 @@
           </a:p>
         </p:txBody>
       </p:sp>
+      <p:pic>
+        <p:nvPicPr>
+          <p:cNvPr id="15" name="Picture 14">
+            <a:extLst>
+              <a:ext uri="{FF2B5EF4-FFF2-40B4-BE49-F238E27FC236}">
+                <a16:creationId xmlns:a16="http://schemas.microsoft.com/office/drawing/2014/main" id="{B82C25C0-DDBF-A64E-90F2-4E8D6D4CA0A9}"/>
+              </a:ext>
+            </a:extLst>
+          </p:cNvPr>
+          <p:cNvPicPr>
+            <a:picLocks noChangeAspect="1"/>
+          </p:cNvPicPr>
+          <p:nvPr/>
+        </p:nvPicPr>
+        <p:blipFill>
+          <a:blip r:embed="rId3">
+            <a:extLst>
+              <a:ext uri="{28A0092B-C50C-407E-A947-70E740481C1C}">
+                <a14:useLocalDpi xmlns:a14="http://schemas.microsoft.com/office/drawing/2010/main" val="0"/>
+              </a:ext>
+            </a:extLst>
+          </a:blip>
+          <a:srcRect/>
+          <a:stretch/>
+        </p:blipFill>
+        <p:spPr>
+          <a:xfrm>
+            <a:off x="8551430" y="4120748"/>
+            <a:ext cx="3330996" cy="2255137"/>
+          </a:xfrm>
+          <a:prstGeom prst="rect">
+            <a:avLst/>
+          </a:prstGeom>
+        </p:spPr>
+      </p:pic>
       <p:grpSp>
         <p:nvGrpSpPr>
-          <p:cNvPr id="13" name="Group 12">
-            <a:extLst>
-              <a:ext uri="{FF2B5EF4-FFF2-40B4-BE49-F238E27FC236}">
-                <a16:creationId xmlns:a16="http://schemas.microsoft.com/office/drawing/2014/main" id="{B501440B-A694-7140-8AD0-711D6886A467}"/>
+          <p:cNvPr id="14" name="Google Shape;742;p34">
+            <a:extLst>
+              <a:ext uri="{FF2B5EF4-FFF2-40B4-BE49-F238E27FC236}">
+                <a16:creationId xmlns:a16="http://schemas.microsoft.com/office/drawing/2014/main" id="{31B2A6EF-F5BE-4B40-9691-9801AB0BC899}"/>
               </a:ext>
             </a:extLst>
           </p:cNvPr>
@@ -4915,421 +4950,405 @@
           <a:xfrm>
             <a:off x="8112324" y="4002754"/>
             <a:ext cx="4215384" cy="2587752"/>
-            <a:chOff x="5003240" y="1886699"/>
-            <a:chExt cx="4037354" cy="2389184"/>
+            <a:chOff x="1177450" y="241631"/>
+            <a:chExt cx="6173152" cy="3616776"/>
           </a:xfrm>
         </p:grpSpPr>
-        <p:grpSp>
-          <p:nvGrpSpPr>
-            <p:cNvPr id="14" name="Google Shape;742;p34">
+        <p:sp>
+          <p:nvSpPr>
+            <p:cNvPr id="16" name="Google Shape;743;p34">
               <a:extLst>
                 <a:ext uri="{FF2B5EF4-FFF2-40B4-BE49-F238E27FC236}">
-                  <a16:creationId xmlns:a16="http://schemas.microsoft.com/office/drawing/2014/main" id="{31B2A6EF-F5BE-4B40-9691-9801AB0BC899}"/>
+                  <a16:creationId xmlns:a16="http://schemas.microsoft.com/office/drawing/2014/main" id="{08174E5F-4A9C-9448-9DB0-7F0E337B1A5D}"/>
                 </a:ext>
               </a:extLst>
             </p:cNvPr>
-            <p:cNvGrpSpPr/>
+            <p:cNvSpPr/>
             <p:nvPr/>
-          </p:nvGrpSpPr>
-          <p:grpSpPr>
+          </p:nvSpPr>
+          <p:spPr>
             <a:xfrm>
-              <a:off x="5003240" y="1886699"/>
-              <a:ext cx="4037354" cy="2389184"/>
-              <a:chOff x="1177450" y="241631"/>
-              <a:chExt cx="6173152" cy="3616776"/>
+              <a:off x="1682275" y="241631"/>
+              <a:ext cx="5161606" cy="3454973"/>
             </a:xfrm>
-          </p:grpSpPr>
-          <p:sp>
-            <p:nvSpPr>
-              <p:cNvPr id="16" name="Google Shape;743;p34">
-                <a:extLst>
-                  <a:ext uri="{FF2B5EF4-FFF2-40B4-BE49-F238E27FC236}">
-                    <a16:creationId xmlns:a16="http://schemas.microsoft.com/office/drawing/2014/main" id="{08174E5F-4A9C-9448-9DB0-7F0E337B1A5D}"/>
-                  </a:ext>
-                </a:extLst>
-              </p:cNvPr>
-              <p:cNvSpPr/>
-              <p:nvPr/>
-            </p:nvSpPr>
-            <p:spPr>
-              <a:xfrm>
-                <a:off x="1682275" y="241631"/>
-                <a:ext cx="5161606" cy="3454973"/>
-              </a:xfrm>
-              <a:custGeom>
-                <a:avLst/>
-                <a:gdLst/>
-                <a:ahLst/>
-                <a:cxnLst/>
-                <a:rect l="l" t="t" r="r" b="b"/>
-                <a:pathLst>
-                  <a:path w="5161606" h="3454973" extrusionOk="0">
-                    <a:moveTo>
-                      <a:pt x="4992053" y="0"/>
-                    </a:moveTo>
-                    <a:lnTo>
-                      <a:pt x="170498" y="0"/>
-                    </a:lnTo>
-                    <a:cubicBezTo>
-                      <a:pt x="76200" y="0"/>
-                      <a:pt x="0" y="76143"/>
-                      <a:pt x="0" y="170369"/>
-                    </a:cubicBezTo>
-                    <a:lnTo>
-                      <a:pt x="0" y="3396915"/>
-                    </a:lnTo>
-                    <a:cubicBezTo>
-                      <a:pt x="0" y="3429275"/>
-                      <a:pt x="26670" y="3454973"/>
-                      <a:pt x="58102" y="3454973"/>
-                    </a:cubicBezTo>
-                    <a:lnTo>
-                      <a:pt x="5103495" y="3454973"/>
-                    </a:lnTo>
-                    <a:cubicBezTo>
-                      <a:pt x="5135880" y="3454973"/>
-                      <a:pt x="5161598" y="3428324"/>
-                      <a:pt x="5161598" y="3396915"/>
-                    </a:cubicBezTo>
-                    <a:lnTo>
-                      <a:pt x="5161598" y="170369"/>
-                    </a:lnTo>
-                    <a:cubicBezTo>
-                      <a:pt x="5162550" y="76143"/>
-                      <a:pt x="5086350" y="0"/>
-                      <a:pt x="4992053" y="0"/>
-                    </a:cubicBezTo>
-                    <a:close/>
-                    <a:moveTo>
-                      <a:pt x="4981575" y="3245581"/>
-                    </a:moveTo>
-                    <a:lnTo>
-                      <a:pt x="190500" y="3245581"/>
-                    </a:lnTo>
-                    <a:lnTo>
-                      <a:pt x="190500" y="199874"/>
-                    </a:lnTo>
-                    <a:lnTo>
-                      <a:pt x="4981575" y="199874"/>
-                    </a:lnTo>
-                    <a:lnTo>
-                      <a:pt x="4981575" y="3245581"/>
-                    </a:lnTo>
-                    <a:close/>
-                  </a:path>
-                </a:pathLst>
-              </a:custGeom>
-              <a:solidFill>
-                <a:schemeClr val="dk1"/>
-              </a:solidFill>
-              <a:ln>
-                <a:noFill/>
-              </a:ln>
-            </p:spPr>
-            <p:txBody>
-              <a:bodyPr spcFirstLastPara="1" wrap="square" lIns="91425" tIns="45700" rIns="91425" bIns="45700" anchor="ctr" anchorCtr="0">
-                <a:noAutofit/>
-              </a:bodyPr>
-              <a:lstStyle/>
-              <a:p>
-                <a:pPr marL="0" marR="0" lvl="0" indent="0" algn="l" rtl="0">
-                  <a:spcBef>
-                    <a:spcPts val="0"/>
-                  </a:spcBef>
-                  <a:spcAft>
-                    <a:spcPts val="0"/>
-                  </a:spcAft>
-                  <a:buNone/>
-                </a:pPr>
-                <a:endParaRPr sz="1800">
-                  <a:solidFill>
-                    <a:srgbClr val="000000"/>
-                  </a:solidFill>
-                  <a:latin typeface="Calibri"/>
-                  <a:ea typeface="Calibri"/>
-                  <a:cs typeface="Calibri"/>
-                  <a:sym typeface="Calibri"/>
-                </a:endParaRPr>
-              </a:p>
-            </p:txBody>
-          </p:sp>
-          <p:sp>
-            <p:nvSpPr>
-              <p:cNvPr id="17" name="Google Shape;744;p34">
-                <a:extLst>
-                  <a:ext uri="{FF2B5EF4-FFF2-40B4-BE49-F238E27FC236}">
-                    <a16:creationId xmlns:a16="http://schemas.microsoft.com/office/drawing/2014/main" id="{EAAC4AF3-EB2A-DD40-9C26-81009D01774D}"/>
-                  </a:ext>
-                </a:extLst>
-              </p:cNvPr>
-              <p:cNvSpPr/>
-              <p:nvPr/>
-            </p:nvSpPr>
-            <p:spPr>
-              <a:xfrm>
-                <a:off x="1177450" y="3763229"/>
-                <a:ext cx="6173152" cy="95178"/>
-              </a:xfrm>
-              <a:custGeom>
-                <a:avLst/>
-                <a:gdLst/>
-                <a:ahLst/>
-                <a:cxnLst/>
-                <a:rect l="l" t="t" r="r" b="b"/>
-                <a:pathLst>
-                  <a:path w="6173152" h="95178" extrusionOk="0">
-                    <a:moveTo>
-                      <a:pt x="0" y="0"/>
-                    </a:moveTo>
-                    <a:cubicBezTo>
-                      <a:pt x="0" y="0"/>
-                      <a:pt x="129540" y="95178"/>
-                      <a:pt x="450533" y="95178"/>
-                    </a:cubicBezTo>
-                    <a:lnTo>
-                      <a:pt x="5817870" y="95178"/>
-                    </a:lnTo>
-                    <a:cubicBezTo>
-                      <a:pt x="5948363" y="95178"/>
-                      <a:pt x="6173153" y="0"/>
-                      <a:pt x="6173153" y="0"/>
-                    </a:cubicBezTo>
-                    <a:lnTo>
-                      <a:pt x="0" y="0"/>
-                    </a:lnTo>
-                    <a:close/>
-                  </a:path>
-                </a:pathLst>
-              </a:custGeom>
-              <a:solidFill>
-                <a:schemeClr val="dk1"/>
-              </a:solidFill>
-              <a:ln>
-                <a:noFill/>
-              </a:ln>
-            </p:spPr>
-            <p:txBody>
-              <a:bodyPr spcFirstLastPara="1" wrap="square" lIns="91425" tIns="45700" rIns="91425" bIns="45700" anchor="ctr" anchorCtr="0">
-                <a:noAutofit/>
-              </a:bodyPr>
-              <a:lstStyle/>
-              <a:p>
-                <a:pPr marL="0" marR="0" lvl="0" indent="0" algn="l" rtl="0">
-                  <a:spcBef>
-                    <a:spcPts val="0"/>
-                  </a:spcBef>
-                  <a:spcAft>
-                    <a:spcPts val="0"/>
-                  </a:spcAft>
-                  <a:buNone/>
-                </a:pPr>
-                <a:endParaRPr sz="1800">
-                  <a:solidFill>
-                    <a:srgbClr val="000000"/>
-                  </a:solidFill>
-                  <a:latin typeface="Calibri"/>
-                  <a:ea typeface="Calibri"/>
-                  <a:cs typeface="Calibri"/>
-                  <a:sym typeface="Calibri"/>
-                </a:endParaRPr>
-              </a:p>
-            </p:txBody>
-          </p:sp>
-          <p:sp>
-            <p:nvSpPr>
-              <p:cNvPr id="18" name="Google Shape;745;p34">
-                <a:extLst>
-                  <a:ext uri="{FF2B5EF4-FFF2-40B4-BE49-F238E27FC236}">
-                    <a16:creationId xmlns:a16="http://schemas.microsoft.com/office/drawing/2014/main" id="{AB46E44B-3F9E-1F4A-B11F-C672B42891A2}"/>
-                  </a:ext>
-                </a:extLst>
-              </p:cNvPr>
-              <p:cNvSpPr/>
-              <p:nvPr/>
-            </p:nvSpPr>
-            <p:spPr>
-              <a:xfrm>
-                <a:off x="1177450" y="3687086"/>
-                <a:ext cx="6172200" cy="76142"/>
-              </a:xfrm>
-              <a:custGeom>
-                <a:avLst/>
-                <a:gdLst/>
-                <a:ahLst/>
-                <a:cxnLst/>
-                <a:rect l="l" t="t" r="r" b="b"/>
-                <a:pathLst>
-                  <a:path w="6172200" h="76142" extrusionOk="0">
-                    <a:moveTo>
-                      <a:pt x="0" y="76143"/>
-                    </a:moveTo>
-                    <a:lnTo>
-                      <a:pt x="6172200" y="76143"/>
-                    </a:lnTo>
-                    <a:lnTo>
-                      <a:pt x="6172200" y="0"/>
-                    </a:lnTo>
-                    <a:lnTo>
-                      <a:pt x="0" y="0"/>
-                    </a:lnTo>
-                    <a:close/>
-                  </a:path>
-                </a:pathLst>
-              </a:custGeom>
-              <a:solidFill>
-                <a:schemeClr val="dk2"/>
-              </a:solidFill>
-              <a:ln>
-                <a:noFill/>
-              </a:ln>
-            </p:spPr>
-            <p:txBody>
-              <a:bodyPr spcFirstLastPara="1" wrap="square" lIns="91425" tIns="45700" rIns="91425" bIns="45700" anchor="ctr" anchorCtr="0">
-                <a:noAutofit/>
-              </a:bodyPr>
-              <a:lstStyle/>
-              <a:p>
-                <a:pPr marL="0" marR="0" lvl="0" indent="0" algn="l" rtl="0">
-                  <a:spcBef>
-                    <a:spcPts val="0"/>
-                  </a:spcBef>
-                  <a:spcAft>
-                    <a:spcPts val="0"/>
-                  </a:spcAft>
-                  <a:buNone/>
-                </a:pPr>
-                <a:endParaRPr sz="1800">
-                  <a:solidFill>
-                    <a:srgbClr val="000000"/>
-                  </a:solidFill>
-                  <a:latin typeface="Calibri"/>
-                  <a:ea typeface="Calibri"/>
-                  <a:cs typeface="Calibri"/>
-                  <a:sym typeface="Calibri"/>
-                </a:endParaRPr>
-              </a:p>
-            </p:txBody>
-          </p:sp>
-          <p:sp>
-            <p:nvSpPr>
-              <p:cNvPr id="19" name="Google Shape;746;p34">
-                <a:extLst>
-                  <a:ext uri="{FF2B5EF4-FFF2-40B4-BE49-F238E27FC236}">
-                    <a16:creationId xmlns:a16="http://schemas.microsoft.com/office/drawing/2014/main" id="{FE52B783-3AF5-DB4B-8549-94A49936DC8F}"/>
-                  </a:ext>
-                </a:extLst>
-              </p:cNvPr>
-              <p:cNvSpPr/>
-              <p:nvPr/>
-            </p:nvSpPr>
-            <p:spPr>
-              <a:xfrm>
-                <a:off x="3806350" y="3687086"/>
-                <a:ext cx="903922" cy="47589"/>
-              </a:xfrm>
-              <a:custGeom>
-                <a:avLst/>
-                <a:gdLst/>
-                <a:ahLst/>
-                <a:cxnLst/>
-                <a:rect l="l" t="t" r="r" b="b"/>
-                <a:pathLst>
-                  <a:path w="903922" h="47589" extrusionOk="0">
-                    <a:moveTo>
-                      <a:pt x="0" y="0"/>
-                    </a:moveTo>
-                    <a:cubicBezTo>
-                      <a:pt x="0" y="0"/>
-                      <a:pt x="26670" y="47589"/>
-                      <a:pt x="53340" y="47589"/>
-                    </a:cubicBezTo>
-                    <a:lnTo>
-                      <a:pt x="850582" y="47589"/>
-                    </a:lnTo>
-                    <a:cubicBezTo>
-                      <a:pt x="877253" y="47589"/>
-                      <a:pt x="903922" y="0"/>
-                      <a:pt x="903922" y="0"/>
-                    </a:cubicBezTo>
-                    <a:lnTo>
-                      <a:pt x="0" y="0"/>
-                    </a:lnTo>
-                    <a:close/>
-                  </a:path>
-                </a:pathLst>
-              </a:custGeom>
-              <a:solidFill>
-                <a:srgbClr val="666666"/>
-              </a:solidFill>
-              <a:ln>
-                <a:noFill/>
-              </a:ln>
-            </p:spPr>
-            <p:txBody>
-              <a:bodyPr spcFirstLastPara="1" wrap="square" lIns="91425" tIns="45700" rIns="91425" bIns="45700" anchor="ctr" anchorCtr="0">
-                <a:noAutofit/>
-              </a:bodyPr>
-              <a:lstStyle/>
-              <a:p>
-                <a:pPr marL="0" marR="0" lvl="0" indent="0" algn="l" rtl="0">
-                  <a:spcBef>
-                    <a:spcPts val="0"/>
-                  </a:spcBef>
-                  <a:spcAft>
-                    <a:spcPts val="0"/>
-                  </a:spcAft>
-                  <a:buNone/>
-                </a:pPr>
-                <a:endParaRPr sz="1800">
-                  <a:solidFill>
-                    <a:srgbClr val="000000"/>
-                  </a:solidFill>
-                  <a:latin typeface="Calibri"/>
-                  <a:ea typeface="Calibri"/>
-                  <a:cs typeface="Calibri"/>
-                  <a:sym typeface="Calibri"/>
-                </a:endParaRPr>
-              </a:p>
-            </p:txBody>
-          </p:sp>
-        </p:grpSp>
-        <p:pic>
-          <p:nvPicPr>
-            <p:cNvPr id="15" name="Picture 14">
+            <a:custGeom>
+              <a:avLst/>
+              <a:gdLst/>
+              <a:ahLst/>
+              <a:cxnLst/>
+              <a:rect l="l" t="t" r="r" b="b"/>
+              <a:pathLst>
+                <a:path w="5161606" h="3454973" extrusionOk="0">
+                  <a:moveTo>
+                    <a:pt x="4992053" y="0"/>
+                  </a:moveTo>
+                  <a:lnTo>
+                    <a:pt x="170498" y="0"/>
+                  </a:lnTo>
+                  <a:cubicBezTo>
+                    <a:pt x="76200" y="0"/>
+                    <a:pt x="0" y="76143"/>
+                    <a:pt x="0" y="170369"/>
+                  </a:cubicBezTo>
+                  <a:lnTo>
+                    <a:pt x="0" y="3396915"/>
+                  </a:lnTo>
+                  <a:cubicBezTo>
+                    <a:pt x="0" y="3429275"/>
+                    <a:pt x="26670" y="3454973"/>
+                    <a:pt x="58102" y="3454973"/>
+                  </a:cubicBezTo>
+                  <a:lnTo>
+                    <a:pt x="5103495" y="3454973"/>
+                  </a:lnTo>
+                  <a:cubicBezTo>
+                    <a:pt x="5135880" y="3454973"/>
+                    <a:pt x="5161598" y="3428324"/>
+                    <a:pt x="5161598" y="3396915"/>
+                  </a:cubicBezTo>
+                  <a:lnTo>
+                    <a:pt x="5161598" y="170369"/>
+                  </a:lnTo>
+                  <a:cubicBezTo>
+                    <a:pt x="5162550" y="76143"/>
+                    <a:pt x="5086350" y="0"/>
+                    <a:pt x="4992053" y="0"/>
+                  </a:cubicBezTo>
+                  <a:close/>
+                  <a:moveTo>
+                    <a:pt x="4981575" y="3245581"/>
+                  </a:moveTo>
+                  <a:lnTo>
+                    <a:pt x="190500" y="3245581"/>
+                  </a:lnTo>
+                  <a:lnTo>
+                    <a:pt x="190500" y="199874"/>
+                  </a:lnTo>
+                  <a:lnTo>
+                    <a:pt x="4981575" y="199874"/>
+                  </a:lnTo>
+                  <a:lnTo>
+                    <a:pt x="4981575" y="3245581"/>
+                  </a:lnTo>
+                  <a:close/>
+                </a:path>
+              </a:pathLst>
+            </a:custGeom>
+            <a:solidFill>
+              <a:schemeClr val="dk1"/>
+            </a:solidFill>
+            <a:ln>
+              <a:noFill/>
+            </a:ln>
+          </p:spPr>
+          <p:txBody>
+            <a:bodyPr spcFirstLastPara="1" wrap="square" lIns="91425" tIns="45700" rIns="91425" bIns="45700" anchor="ctr" anchorCtr="0">
+              <a:noAutofit/>
+            </a:bodyPr>
+            <a:lstStyle/>
+            <a:p>
+              <a:pPr marL="0" marR="0" lvl="0" indent="0" algn="l" rtl="0">
+                <a:spcBef>
+                  <a:spcPts val="0"/>
+                </a:spcBef>
+                <a:spcAft>
+                  <a:spcPts val="0"/>
+                </a:spcAft>
+                <a:buNone/>
+              </a:pPr>
+              <a:endParaRPr sz="1800">
+                <a:solidFill>
+                  <a:srgbClr val="000000"/>
+                </a:solidFill>
+                <a:latin typeface="Calibri"/>
+                <a:ea typeface="Calibri"/>
+                <a:cs typeface="Calibri"/>
+                <a:sym typeface="Calibri"/>
+              </a:endParaRPr>
+            </a:p>
+          </p:txBody>
+        </p:sp>
+        <p:sp>
+          <p:nvSpPr>
+            <p:cNvPr id="17" name="Google Shape;744;p34">
               <a:extLst>
                 <a:ext uri="{FF2B5EF4-FFF2-40B4-BE49-F238E27FC236}">
-                  <a16:creationId xmlns:a16="http://schemas.microsoft.com/office/drawing/2014/main" id="{B82C25C0-DDBF-A64E-90F2-4E8D6D4CA0A9}"/>
+                  <a16:creationId xmlns:a16="http://schemas.microsoft.com/office/drawing/2014/main" id="{EAAC4AF3-EB2A-DD40-9C26-81009D01774D}"/>
                 </a:ext>
               </a:extLst>
             </p:cNvPr>
-            <p:cNvPicPr>
-              <a:picLocks noChangeAspect="1"/>
-            </p:cNvPicPr>
+            <p:cNvSpPr/>
             <p:nvPr/>
-          </p:nvPicPr>
-          <p:blipFill>
-            <a:blip r:embed="rId3"/>
-            <a:stretch>
-              <a:fillRect/>
-            </a:stretch>
-          </p:blipFill>
+          </p:nvSpPr>
           <p:spPr>
             <a:xfrm>
-              <a:off x="5447607" y="2016518"/>
-              <a:ext cx="3149486" cy="2006841"/>
+              <a:off x="1177450" y="3763229"/>
+              <a:ext cx="6173152" cy="95178"/>
             </a:xfrm>
-            <a:prstGeom prst="rect">
+            <a:custGeom>
               <a:avLst/>
-            </a:prstGeom>
+              <a:gdLst/>
+              <a:ahLst/>
+              <a:cxnLst/>
+              <a:rect l="l" t="t" r="r" b="b"/>
+              <a:pathLst>
+                <a:path w="6173152" h="95178" extrusionOk="0">
+                  <a:moveTo>
+                    <a:pt x="0" y="0"/>
+                  </a:moveTo>
+                  <a:cubicBezTo>
+                    <a:pt x="0" y="0"/>
+                    <a:pt x="129540" y="95178"/>
+                    <a:pt x="450533" y="95178"/>
+                  </a:cubicBezTo>
+                  <a:lnTo>
+                    <a:pt x="5817870" y="95178"/>
+                  </a:lnTo>
+                  <a:cubicBezTo>
+                    <a:pt x="5948363" y="95178"/>
+                    <a:pt x="6173153" y="0"/>
+                    <a:pt x="6173153" y="0"/>
+                  </a:cubicBezTo>
+                  <a:lnTo>
+                    <a:pt x="0" y="0"/>
+                  </a:lnTo>
+                  <a:close/>
+                </a:path>
+              </a:pathLst>
+            </a:custGeom>
+            <a:solidFill>
+              <a:schemeClr val="dk1"/>
+            </a:solidFill>
+            <a:ln>
+              <a:noFill/>
+            </a:ln>
           </p:spPr>
-        </p:pic>
+          <p:txBody>
+            <a:bodyPr spcFirstLastPara="1" wrap="square" lIns="91425" tIns="45700" rIns="91425" bIns="45700" anchor="ctr" anchorCtr="0">
+              <a:noAutofit/>
+            </a:bodyPr>
+            <a:lstStyle/>
+            <a:p>
+              <a:pPr marL="0" marR="0" lvl="0" indent="0" algn="l" rtl="0">
+                <a:spcBef>
+                  <a:spcPts val="0"/>
+                </a:spcBef>
+                <a:spcAft>
+                  <a:spcPts val="0"/>
+                </a:spcAft>
+                <a:buNone/>
+              </a:pPr>
+              <a:endParaRPr sz="1800">
+                <a:solidFill>
+                  <a:srgbClr val="000000"/>
+                </a:solidFill>
+                <a:latin typeface="Calibri"/>
+                <a:ea typeface="Calibri"/>
+                <a:cs typeface="Calibri"/>
+                <a:sym typeface="Calibri"/>
+              </a:endParaRPr>
+            </a:p>
+          </p:txBody>
+        </p:sp>
+        <p:sp>
+          <p:nvSpPr>
+            <p:cNvPr id="18" name="Google Shape;745;p34">
+              <a:extLst>
+                <a:ext uri="{FF2B5EF4-FFF2-40B4-BE49-F238E27FC236}">
+                  <a16:creationId xmlns:a16="http://schemas.microsoft.com/office/drawing/2014/main" id="{AB46E44B-3F9E-1F4A-B11F-C672B42891A2}"/>
+                </a:ext>
+              </a:extLst>
+            </p:cNvPr>
+            <p:cNvSpPr/>
+            <p:nvPr/>
+          </p:nvSpPr>
+          <p:spPr>
+            <a:xfrm>
+              <a:off x="1177450" y="3687086"/>
+              <a:ext cx="6172200" cy="76142"/>
+            </a:xfrm>
+            <a:custGeom>
+              <a:avLst/>
+              <a:gdLst/>
+              <a:ahLst/>
+              <a:cxnLst/>
+              <a:rect l="l" t="t" r="r" b="b"/>
+              <a:pathLst>
+                <a:path w="6172200" h="76142" extrusionOk="0">
+                  <a:moveTo>
+                    <a:pt x="0" y="76143"/>
+                  </a:moveTo>
+                  <a:lnTo>
+                    <a:pt x="6172200" y="76143"/>
+                  </a:lnTo>
+                  <a:lnTo>
+                    <a:pt x="6172200" y="0"/>
+                  </a:lnTo>
+                  <a:lnTo>
+                    <a:pt x="0" y="0"/>
+                  </a:lnTo>
+                  <a:close/>
+                </a:path>
+              </a:pathLst>
+            </a:custGeom>
+            <a:solidFill>
+              <a:schemeClr val="dk2"/>
+            </a:solidFill>
+            <a:ln>
+              <a:noFill/>
+            </a:ln>
+          </p:spPr>
+          <p:txBody>
+            <a:bodyPr spcFirstLastPara="1" wrap="square" lIns="91425" tIns="45700" rIns="91425" bIns="45700" anchor="ctr" anchorCtr="0">
+              <a:noAutofit/>
+            </a:bodyPr>
+            <a:lstStyle/>
+            <a:p>
+              <a:pPr marL="0" marR="0" lvl="0" indent="0" algn="l" rtl="0">
+                <a:spcBef>
+                  <a:spcPts val="0"/>
+                </a:spcBef>
+                <a:spcAft>
+                  <a:spcPts val="0"/>
+                </a:spcAft>
+                <a:buNone/>
+              </a:pPr>
+              <a:endParaRPr sz="1800">
+                <a:solidFill>
+                  <a:srgbClr val="000000"/>
+                </a:solidFill>
+                <a:latin typeface="Calibri"/>
+                <a:ea typeface="Calibri"/>
+                <a:cs typeface="Calibri"/>
+                <a:sym typeface="Calibri"/>
+              </a:endParaRPr>
+            </a:p>
+          </p:txBody>
+        </p:sp>
+        <p:sp>
+          <p:nvSpPr>
+            <p:cNvPr id="19" name="Google Shape;746;p34">
+              <a:extLst>
+                <a:ext uri="{FF2B5EF4-FFF2-40B4-BE49-F238E27FC236}">
+                  <a16:creationId xmlns:a16="http://schemas.microsoft.com/office/drawing/2014/main" id="{FE52B783-3AF5-DB4B-8549-94A49936DC8F}"/>
+                </a:ext>
+              </a:extLst>
+            </p:cNvPr>
+            <p:cNvSpPr/>
+            <p:nvPr/>
+          </p:nvSpPr>
+          <p:spPr>
+            <a:xfrm>
+              <a:off x="3806350" y="3687086"/>
+              <a:ext cx="903922" cy="47589"/>
+            </a:xfrm>
+            <a:custGeom>
+              <a:avLst/>
+              <a:gdLst/>
+              <a:ahLst/>
+              <a:cxnLst/>
+              <a:rect l="l" t="t" r="r" b="b"/>
+              <a:pathLst>
+                <a:path w="903922" h="47589" extrusionOk="0">
+                  <a:moveTo>
+                    <a:pt x="0" y="0"/>
+                  </a:moveTo>
+                  <a:cubicBezTo>
+                    <a:pt x="0" y="0"/>
+                    <a:pt x="26670" y="47589"/>
+                    <a:pt x="53340" y="47589"/>
+                  </a:cubicBezTo>
+                  <a:lnTo>
+                    <a:pt x="850582" y="47589"/>
+                  </a:lnTo>
+                  <a:cubicBezTo>
+                    <a:pt x="877253" y="47589"/>
+                    <a:pt x="903922" y="0"/>
+                    <a:pt x="903922" y="0"/>
+                  </a:cubicBezTo>
+                  <a:lnTo>
+                    <a:pt x="0" y="0"/>
+                  </a:lnTo>
+                  <a:close/>
+                </a:path>
+              </a:pathLst>
+            </a:custGeom>
+            <a:solidFill>
+              <a:srgbClr val="666666"/>
+            </a:solidFill>
+            <a:ln>
+              <a:noFill/>
+            </a:ln>
+          </p:spPr>
+          <p:txBody>
+            <a:bodyPr spcFirstLastPara="1" wrap="square" lIns="91425" tIns="45700" rIns="91425" bIns="45700" anchor="ctr" anchorCtr="0">
+              <a:noAutofit/>
+            </a:bodyPr>
+            <a:lstStyle/>
+            <a:p>
+              <a:pPr marL="0" marR="0" lvl="0" indent="0" algn="l" rtl="0">
+                <a:spcBef>
+                  <a:spcPts val="0"/>
+                </a:spcBef>
+                <a:spcAft>
+                  <a:spcPts val="0"/>
+                </a:spcAft>
+                <a:buNone/>
+              </a:pPr>
+              <a:endParaRPr sz="1800">
+                <a:solidFill>
+                  <a:srgbClr val="000000"/>
+                </a:solidFill>
+                <a:latin typeface="Calibri"/>
+                <a:ea typeface="Calibri"/>
+                <a:cs typeface="Calibri"/>
+                <a:sym typeface="Calibri"/>
+              </a:endParaRPr>
+            </a:p>
+          </p:txBody>
+        </p:sp>
       </p:grpSp>
+      <p:pic>
+        <p:nvPicPr>
+          <p:cNvPr id="21" name="Picture 20">
+            <a:extLst>
+              <a:ext uri="{FF2B5EF4-FFF2-40B4-BE49-F238E27FC236}">
+                <a16:creationId xmlns:a16="http://schemas.microsoft.com/office/drawing/2014/main" id="{3B282CD8-57D9-E84A-92E4-412485D05C85}"/>
+              </a:ext>
+            </a:extLst>
+          </p:cNvPr>
+          <p:cNvPicPr>
+            <a:picLocks noChangeAspect="1"/>
+          </p:cNvPicPr>
+          <p:nvPr/>
+        </p:nvPicPr>
+        <p:blipFill>
+          <a:blip r:embed="rId4">
+            <a:extLst>
+              <a:ext uri="{28A0092B-C50C-407E-A947-70E740481C1C}">
+                <a14:useLocalDpi xmlns:a14="http://schemas.microsoft.com/office/drawing/2010/main" val="0"/>
+              </a:ext>
+            </a:extLst>
+          </a:blip>
+          <a:srcRect/>
+          <a:stretch/>
+        </p:blipFill>
+        <p:spPr>
+          <a:xfrm>
+            <a:off x="309574" y="4129189"/>
+            <a:ext cx="3343111" cy="2246696"/>
+          </a:xfrm>
+          <a:prstGeom prst="rect">
+            <a:avLst/>
+          </a:prstGeom>
+        </p:spPr>
+      </p:pic>
       <p:grpSp>
         <p:nvGrpSpPr>
-          <p:cNvPr id="20" name="Group 19">
-            <a:extLst>
-              <a:ext uri="{FF2B5EF4-FFF2-40B4-BE49-F238E27FC236}">
-                <a16:creationId xmlns:a16="http://schemas.microsoft.com/office/drawing/2014/main" id="{BE596C78-354E-FD4A-9F84-A413A943A59C}"/>
+          <p:cNvPr id="22" name="Google Shape;742;p34">
+            <a:extLst>
+              <a:ext uri="{FF2B5EF4-FFF2-40B4-BE49-F238E27FC236}">
+                <a16:creationId xmlns:a16="http://schemas.microsoft.com/office/drawing/2014/main" id="{938F5964-BF21-7744-B5F6-C79BFD142838}"/>
               </a:ext>
             </a:extLst>
           </p:cNvPr>
@@ -5340,414 +5359,363 @@
           <a:xfrm>
             <a:off x="-137240" y="3991110"/>
             <a:ext cx="4211771" cy="2584637"/>
-            <a:chOff x="4944246" y="2098566"/>
-            <a:chExt cx="4037354" cy="2389184"/>
+            <a:chOff x="1177450" y="241631"/>
+            <a:chExt cx="6173152" cy="3616776"/>
           </a:xfrm>
         </p:grpSpPr>
-        <p:pic>
-          <p:nvPicPr>
-            <p:cNvPr id="21" name="Picture 20">
+        <p:sp>
+          <p:nvSpPr>
+            <p:cNvPr id="23" name="Google Shape;743;p34">
               <a:extLst>
                 <a:ext uri="{FF2B5EF4-FFF2-40B4-BE49-F238E27FC236}">
-                  <a16:creationId xmlns:a16="http://schemas.microsoft.com/office/drawing/2014/main" id="{3B282CD8-57D9-E84A-92E4-412485D05C85}"/>
+                  <a16:creationId xmlns:a16="http://schemas.microsoft.com/office/drawing/2014/main" id="{2646029E-7F34-CC47-9114-4667A2654014}"/>
                 </a:ext>
               </a:extLst>
             </p:cNvPr>
-            <p:cNvPicPr>
-              <a:picLocks noChangeAspect="1"/>
-            </p:cNvPicPr>
+            <p:cNvSpPr/>
             <p:nvPr/>
-          </p:nvPicPr>
-          <p:blipFill>
-            <a:blip r:embed="rId4"/>
-            <a:stretch>
-              <a:fillRect/>
-            </a:stretch>
-          </p:blipFill>
+          </p:nvSpPr>
           <p:spPr>
             <a:xfrm>
-              <a:off x="5372557" y="2182762"/>
-              <a:ext cx="3204667" cy="2120240"/>
+              <a:off x="1682275" y="241631"/>
+              <a:ext cx="5161606" cy="3454973"/>
             </a:xfrm>
-            <a:prstGeom prst="rect">
+            <a:custGeom>
               <a:avLst/>
-            </a:prstGeom>
+              <a:gdLst/>
+              <a:ahLst/>
+              <a:cxnLst/>
+              <a:rect l="l" t="t" r="r" b="b"/>
+              <a:pathLst>
+                <a:path w="5161606" h="3454973" extrusionOk="0">
+                  <a:moveTo>
+                    <a:pt x="4992053" y="0"/>
+                  </a:moveTo>
+                  <a:lnTo>
+                    <a:pt x="170498" y="0"/>
+                  </a:lnTo>
+                  <a:cubicBezTo>
+                    <a:pt x="76200" y="0"/>
+                    <a:pt x="0" y="76143"/>
+                    <a:pt x="0" y="170369"/>
+                  </a:cubicBezTo>
+                  <a:lnTo>
+                    <a:pt x="0" y="3396915"/>
+                  </a:lnTo>
+                  <a:cubicBezTo>
+                    <a:pt x="0" y="3429275"/>
+                    <a:pt x="26670" y="3454973"/>
+                    <a:pt x="58102" y="3454973"/>
+                  </a:cubicBezTo>
+                  <a:lnTo>
+                    <a:pt x="5103495" y="3454973"/>
+                  </a:lnTo>
+                  <a:cubicBezTo>
+                    <a:pt x="5135880" y="3454973"/>
+                    <a:pt x="5161598" y="3428324"/>
+                    <a:pt x="5161598" y="3396915"/>
+                  </a:cubicBezTo>
+                  <a:lnTo>
+                    <a:pt x="5161598" y="170369"/>
+                  </a:lnTo>
+                  <a:cubicBezTo>
+                    <a:pt x="5162550" y="76143"/>
+                    <a:pt x="5086350" y="0"/>
+                    <a:pt x="4992053" y="0"/>
+                  </a:cubicBezTo>
+                  <a:close/>
+                  <a:moveTo>
+                    <a:pt x="4981575" y="3245581"/>
+                  </a:moveTo>
+                  <a:lnTo>
+                    <a:pt x="190500" y="3245581"/>
+                  </a:lnTo>
+                  <a:lnTo>
+                    <a:pt x="190500" y="199874"/>
+                  </a:lnTo>
+                  <a:lnTo>
+                    <a:pt x="4981575" y="199874"/>
+                  </a:lnTo>
+                  <a:lnTo>
+                    <a:pt x="4981575" y="3245581"/>
+                  </a:lnTo>
+                  <a:close/>
+                </a:path>
+              </a:pathLst>
+            </a:custGeom>
+            <a:solidFill>
+              <a:schemeClr val="dk1"/>
+            </a:solidFill>
+            <a:ln>
+              <a:noFill/>
+            </a:ln>
           </p:spPr>
-        </p:pic>
-        <p:grpSp>
-          <p:nvGrpSpPr>
-            <p:cNvPr id="22" name="Google Shape;742;p34">
+          <p:txBody>
+            <a:bodyPr spcFirstLastPara="1" wrap="square" lIns="91425" tIns="45700" rIns="91425" bIns="45700" anchor="ctr" anchorCtr="0">
+              <a:noAutofit/>
+            </a:bodyPr>
+            <a:lstStyle/>
+            <a:p>
+              <a:pPr marL="0" marR="0" lvl="0" indent="0" algn="l" rtl="0">
+                <a:spcBef>
+                  <a:spcPts val="0"/>
+                </a:spcBef>
+                <a:spcAft>
+                  <a:spcPts val="0"/>
+                </a:spcAft>
+                <a:buNone/>
+              </a:pPr>
+              <a:endParaRPr sz="1800">
+                <a:solidFill>
+                  <a:srgbClr val="000000"/>
+                </a:solidFill>
+                <a:latin typeface="Calibri"/>
+                <a:ea typeface="Calibri"/>
+                <a:cs typeface="Calibri"/>
+                <a:sym typeface="Calibri"/>
+              </a:endParaRPr>
+            </a:p>
+          </p:txBody>
+        </p:sp>
+        <p:sp>
+          <p:nvSpPr>
+            <p:cNvPr id="24" name="Google Shape;744;p34">
               <a:extLst>
                 <a:ext uri="{FF2B5EF4-FFF2-40B4-BE49-F238E27FC236}">
-                  <a16:creationId xmlns:a16="http://schemas.microsoft.com/office/drawing/2014/main" id="{938F5964-BF21-7744-B5F6-C79BFD142838}"/>
+                  <a16:creationId xmlns:a16="http://schemas.microsoft.com/office/drawing/2014/main" id="{CB4FE3D6-71A8-C74B-859F-061C6C55BF56}"/>
                 </a:ext>
               </a:extLst>
             </p:cNvPr>
-            <p:cNvGrpSpPr/>
+            <p:cNvSpPr/>
             <p:nvPr/>
-          </p:nvGrpSpPr>
-          <p:grpSpPr>
+          </p:nvSpPr>
+          <p:spPr>
             <a:xfrm>
-              <a:off x="4944246" y="2098566"/>
-              <a:ext cx="4037354" cy="2389184"/>
-              <a:chOff x="1177450" y="241631"/>
-              <a:chExt cx="6173152" cy="3616776"/>
+              <a:off x="1177450" y="3763229"/>
+              <a:ext cx="6173152" cy="95178"/>
             </a:xfrm>
-          </p:grpSpPr>
-          <p:sp>
-            <p:nvSpPr>
-              <p:cNvPr id="23" name="Google Shape;743;p34">
-                <a:extLst>
-                  <a:ext uri="{FF2B5EF4-FFF2-40B4-BE49-F238E27FC236}">
-                    <a16:creationId xmlns:a16="http://schemas.microsoft.com/office/drawing/2014/main" id="{2646029E-7F34-CC47-9114-4667A2654014}"/>
-                  </a:ext>
-                </a:extLst>
-              </p:cNvPr>
-              <p:cNvSpPr/>
-              <p:nvPr/>
-            </p:nvSpPr>
-            <p:spPr>
-              <a:xfrm>
-                <a:off x="1682275" y="241631"/>
-                <a:ext cx="5161606" cy="3454973"/>
-              </a:xfrm>
-              <a:custGeom>
-                <a:avLst/>
-                <a:gdLst/>
-                <a:ahLst/>
-                <a:cxnLst/>
-                <a:rect l="l" t="t" r="r" b="b"/>
-                <a:pathLst>
-                  <a:path w="5161606" h="3454973" extrusionOk="0">
-                    <a:moveTo>
-                      <a:pt x="4992053" y="0"/>
-                    </a:moveTo>
-                    <a:lnTo>
-                      <a:pt x="170498" y="0"/>
-                    </a:lnTo>
-                    <a:cubicBezTo>
-                      <a:pt x="76200" y="0"/>
-                      <a:pt x="0" y="76143"/>
-                      <a:pt x="0" y="170369"/>
-                    </a:cubicBezTo>
-                    <a:lnTo>
-                      <a:pt x="0" y="3396915"/>
-                    </a:lnTo>
-                    <a:cubicBezTo>
-                      <a:pt x="0" y="3429275"/>
-                      <a:pt x="26670" y="3454973"/>
-                      <a:pt x="58102" y="3454973"/>
-                    </a:cubicBezTo>
-                    <a:lnTo>
-                      <a:pt x="5103495" y="3454973"/>
-                    </a:lnTo>
-                    <a:cubicBezTo>
-                      <a:pt x="5135880" y="3454973"/>
-                      <a:pt x="5161598" y="3428324"/>
-                      <a:pt x="5161598" y="3396915"/>
-                    </a:cubicBezTo>
-                    <a:lnTo>
-                      <a:pt x="5161598" y="170369"/>
-                    </a:lnTo>
-                    <a:cubicBezTo>
-                      <a:pt x="5162550" y="76143"/>
-                      <a:pt x="5086350" y="0"/>
-                      <a:pt x="4992053" y="0"/>
-                    </a:cubicBezTo>
-                    <a:close/>
-                    <a:moveTo>
-                      <a:pt x="4981575" y="3245581"/>
-                    </a:moveTo>
-                    <a:lnTo>
-                      <a:pt x="190500" y="3245581"/>
-                    </a:lnTo>
-                    <a:lnTo>
-                      <a:pt x="190500" y="199874"/>
-                    </a:lnTo>
-                    <a:lnTo>
-                      <a:pt x="4981575" y="199874"/>
-                    </a:lnTo>
-                    <a:lnTo>
-                      <a:pt x="4981575" y="3245581"/>
-                    </a:lnTo>
-                    <a:close/>
-                  </a:path>
-                </a:pathLst>
-              </a:custGeom>
-              <a:solidFill>
-                <a:schemeClr val="dk1"/>
-              </a:solidFill>
-              <a:ln>
-                <a:noFill/>
-              </a:ln>
-            </p:spPr>
-            <p:txBody>
-              <a:bodyPr spcFirstLastPara="1" wrap="square" lIns="91425" tIns="45700" rIns="91425" bIns="45700" anchor="ctr" anchorCtr="0">
-                <a:noAutofit/>
-              </a:bodyPr>
-              <a:lstStyle/>
-              <a:p>
-                <a:pPr marL="0" marR="0" lvl="0" indent="0" algn="l" rtl="0">
-                  <a:spcBef>
-                    <a:spcPts val="0"/>
-                  </a:spcBef>
-                  <a:spcAft>
-                    <a:spcPts val="0"/>
-                  </a:spcAft>
-                  <a:buNone/>
-                </a:pPr>
-                <a:endParaRPr sz="1800">
-                  <a:solidFill>
-                    <a:srgbClr val="000000"/>
-                  </a:solidFill>
-                  <a:latin typeface="Calibri"/>
-                  <a:ea typeface="Calibri"/>
-                  <a:cs typeface="Calibri"/>
-                  <a:sym typeface="Calibri"/>
-                </a:endParaRPr>
-              </a:p>
-            </p:txBody>
-          </p:sp>
-          <p:sp>
-            <p:nvSpPr>
-              <p:cNvPr id="24" name="Google Shape;744;p34">
-                <a:extLst>
-                  <a:ext uri="{FF2B5EF4-FFF2-40B4-BE49-F238E27FC236}">
-                    <a16:creationId xmlns:a16="http://schemas.microsoft.com/office/drawing/2014/main" id="{CB4FE3D6-71A8-C74B-859F-061C6C55BF56}"/>
-                  </a:ext>
-                </a:extLst>
-              </p:cNvPr>
-              <p:cNvSpPr/>
-              <p:nvPr/>
-            </p:nvSpPr>
-            <p:spPr>
-              <a:xfrm>
-                <a:off x="1177450" y="3763229"/>
-                <a:ext cx="6173152" cy="95178"/>
-              </a:xfrm>
-              <a:custGeom>
-                <a:avLst/>
-                <a:gdLst/>
-                <a:ahLst/>
-                <a:cxnLst/>
-                <a:rect l="l" t="t" r="r" b="b"/>
-                <a:pathLst>
-                  <a:path w="6173152" h="95178" extrusionOk="0">
-                    <a:moveTo>
-                      <a:pt x="0" y="0"/>
-                    </a:moveTo>
-                    <a:cubicBezTo>
-                      <a:pt x="0" y="0"/>
-                      <a:pt x="129540" y="95178"/>
-                      <a:pt x="450533" y="95178"/>
-                    </a:cubicBezTo>
-                    <a:lnTo>
-                      <a:pt x="5817870" y="95178"/>
-                    </a:lnTo>
-                    <a:cubicBezTo>
-                      <a:pt x="5948363" y="95178"/>
-                      <a:pt x="6173153" y="0"/>
-                      <a:pt x="6173153" y="0"/>
-                    </a:cubicBezTo>
-                    <a:lnTo>
-                      <a:pt x="0" y="0"/>
-                    </a:lnTo>
-                    <a:close/>
-                  </a:path>
-                </a:pathLst>
-              </a:custGeom>
-              <a:solidFill>
-                <a:schemeClr val="dk1"/>
-              </a:solidFill>
-              <a:ln>
-                <a:noFill/>
-              </a:ln>
-            </p:spPr>
-            <p:txBody>
-              <a:bodyPr spcFirstLastPara="1" wrap="square" lIns="91425" tIns="45700" rIns="91425" bIns="45700" anchor="ctr" anchorCtr="0">
-                <a:noAutofit/>
-              </a:bodyPr>
-              <a:lstStyle/>
-              <a:p>
-                <a:pPr marL="0" marR="0" lvl="0" indent="0" algn="l" rtl="0">
-                  <a:spcBef>
-                    <a:spcPts val="0"/>
-                  </a:spcBef>
-                  <a:spcAft>
-                    <a:spcPts val="0"/>
-                  </a:spcAft>
-                  <a:buNone/>
-                </a:pPr>
-                <a:endParaRPr sz="1800">
-                  <a:solidFill>
-                    <a:srgbClr val="000000"/>
-                  </a:solidFill>
-                  <a:latin typeface="Calibri"/>
-                  <a:ea typeface="Calibri"/>
-                  <a:cs typeface="Calibri"/>
-                  <a:sym typeface="Calibri"/>
-                </a:endParaRPr>
-              </a:p>
-            </p:txBody>
-          </p:sp>
-          <p:sp>
-            <p:nvSpPr>
-              <p:cNvPr id="25" name="Google Shape;745;p34">
-                <a:extLst>
-                  <a:ext uri="{FF2B5EF4-FFF2-40B4-BE49-F238E27FC236}">
-                    <a16:creationId xmlns:a16="http://schemas.microsoft.com/office/drawing/2014/main" id="{AC16ACCA-DF30-8C47-AD5C-E16E3E5594C8}"/>
-                  </a:ext>
-                </a:extLst>
-              </p:cNvPr>
-              <p:cNvSpPr/>
-              <p:nvPr/>
-            </p:nvSpPr>
-            <p:spPr>
-              <a:xfrm>
-                <a:off x="1177450" y="3687086"/>
-                <a:ext cx="6172200" cy="76142"/>
-              </a:xfrm>
-              <a:custGeom>
-                <a:avLst/>
-                <a:gdLst/>
-                <a:ahLst/>
-                <a:cxnLst/>
-                <a:rect l="l" t="t" r="r" b="b"/>
-                <a:pathLst>
-                  <a:path w="6172200" h="76142" extrusionOk="0">
-                    <a:moveTo>
-                      <a:pt x="0" y="76143"/>
-                    </a:moveTo>
-                    <a:lnTo>
-                      <a:pt x="6172200" y="76143"/>
-                    </a:lnTo>
-                    <a:lnTo>
-                      <a:pt x="6172200" y="0"/>
-                    </a:lnTo>
-                    <a:lnTo>
-                      <a:pt x="0" y="0"/>
-                    </a:lnTo>
-                    <a:close/>
-                  </a:path>
-                </a:pathLst>
-              </a:custGeom>
-              <a:solidFill>
-                <a:schemeClr val="dk2"/>
-              </a:solidFill>
-              <a:ln>
-                <a:noFill/>
-              </a:ln>
-            </p:spPr>
-            <p:txBody>
-              <a:bodyPr spcFirstLastPara="1" wrap="square" lIns="91425" tIns="45700" rIns="91425" bIns="45700" anchor="ctr" anchorCtr="0">
-                <a:noAutofit/>
-              </a:bodyPr>
-              <a:lstStyle/>
-              <a:p>
-                <a:pPr marL="0" marR="0" lvl="0" indent="0" algn="l" rtl="0">
-                  <a:spcBef>
-                    <a:spcPts val="0"/>
-                  </a:spcBef>
-                  <a:spcAft>
-                    <a:spcPts val="0"/>
-                  </a:spcAft>
-                  <a:buNone/>
-                </a:pPr>
-                <a:endParaRPr sz="1800">
-                  <a:solidFill>
-                    <a:srgbClr val="000000"/>
-                  </a:solidFill>
-                  <a:latin typeface="Calibri"/>
-                  <a:ea typeface="Calibri"/>
-                  <a:cs typeface="Calibri"/>
-                  <a:sym typeface="Calibri"/>
-                </a:endParaRPr>
-              </a:p>
-            </p:txBody>
-          </p:sp>
-          <p:sp>
-            <p:nvSpPr>
-              <p:cNvPr id="26" name="Google Shape;746;p34">
-                <a:extLst>
-                  <a:ext uri="{FF2B5EF4-FFF2-40B4-BE49-F238E27FC236}">
-                    <a16:creationId xmlns:a16="http://schemas.microsoft.com/office/drawing/2014/main" id="{1196365B-409E-5142-8CD6-00607A4925FA}"/>
-                  </a:ext>
-                </a:extLst>
-              </p:cNvPr>
-              <p:cNvSpPr/>
-              <p:nvPr/>
-            </p:nvSpPr>
-            <p:spPr>
-              <a:xfrm>
-                <a:off x="3806350" y="3687086"/>
-                <a:ext cx="903922" cy="47589"/>
-              </a:xfrm>
-              <a:custGeom>
-                <a:avLst/>
-                <a:gdLst/>
-                <a:ahLst/>
-                <a:cxnLst/>
-                <a:rect l="l" t="t" r="r" b="b"/>
-                <a:pathLst>
-                  <a:path w="903922" h="47589" extrusionOk="0">
-                    <a:moveTo>
-                      <a:pt x="0" y="0"/>
-                    </a:moveTo>
-                    <a:cubicBezTo>
-                      <a:pt x="0" y="0"/>
-                      <a:pt x="26670" y="47589"/>
-                      <a:pt x="53340" y="47589"/>
-                    </a:cubicBezTo>
-                    <a:lnTo>
-                      <a:pt x="850582" y="47589"/>
-                    </a:lnTo>
-                    <a:cubicBezTo>
-                      <a:pt x="877253" y="47589"/>
-                      <a:pt x="903922" y="0"/>
-                      <a:pt x="903922" y="0"/>
-                    </a:cubicBezTo>
-                    <a:lnTo>
-                      <a:pt x="0" y="0"/>
-                    </a:lnTo>
-                    <a:close/>
-                  </a:path>
-                </a:pathLst>
-              </a:custGeom>
-              <a:solidFill>
-                <a:srgbClr val="666666"/>
-              </a:solidFill>
-              <a:ln>
-                <a:noFill/>
-              </a:ln>
-            </p:spPr>
-            <p:txBody>
-              <a:bodyPr spcFirstLastPara="1" wrap="square" lIns="91425" tIns="45700" rIns="91425" bIns="45700" anchor="ctr" anchorCtr="0">
-                <a:noAutofit/>
-              </a:bodyPr>
-              <a:lstStyle/>
-              <a:p>
-                <a:pPr marL="0" marR="0" lvl="0" indent="0" algn="l" rtl="0">
-                  <a:spcBef>
-                    <a:spcPts val="0"/>
-                  </a:spcBef>
-                  <a:spcAft>
-                    <a:spcPts val="0"/>
-                  </a:spcAft>
-                  <a:buNone/>
-                </a:pPr>
-                <a:endParaRPr sz="1800">
-                  <a:solidFill>
-                    <a:srgbClr val="000000"/>
-                  </a:solidFill>
-                  <a:latin typeface="Calibri"/>
-                  <a:ea typeface="Calibri"/>
-                  <a:cs typeface="Calibri"/>
-                  <a:sym typeface="Calibri"/>
-                </a:endParaRPr>
-              </a:p>
-            </p:txBody>
-          </p:sp>
-        </p:grpSp>
+            <a:custGeom>
+              <a:avLst/>
+              <a:gdLst/>
+              <a:ahLst/>
+              <a:cxnLst/>
+              <a:rect l="l" t="t" r="r" b="b"/>
+              <a:pathLst>
+                <a:path w="6173152" h="95178" extrusionOk="0">
+                  <a:moveTo>
+                    <a:pt x="0" y="0"/>
+                  </a:moveTo>
+                  <a:cubicBezTo>
+                    <a:pt x="0" y="0"/>
+                    <a:pt x="129540" y="95178"/>
+                    <a:pt x="450533" y="95178"/>
+                  </a:cubicBezTo>
+                  <a:lnTo>
+                    <a:pt x="5817870" y="95178"/>
+                  </a:lnTo>
+                  <a:cubicBezTo>
+                    <a:pt x="5948363" y="95178"/>
+                    <a:pt x="6173153" y="0"/>
+                    <a:pt x="6173153" y="0"/>
+                  </a:cubicBezTo>
+                  <a:lnTo>
+                    <a:pt x="0" y="0"/>
+                  </a:lnTo>
+                  <a:close/>
+                </a:path>
+              </a:pathLst>
+            </a:custGeom>
+            <a:solidFill>
+              <a:schemeClr val="dk1"/>
+            </a:solidFill>
+            <a:ln>
+              <a:noFill/>
+            </a:ln>
+          </p:spPr>
+          <p:txBody>
+            <a:bodyPr spcFirstLastPara="1" wrap="square" lIns="91425" tIns="45700" rIns="91425" bIns="45700" anchor="ctr" anchorCtr="0">
+              <a:noAutofit/>
+            </a:bodyPr>
+            <a:lstStyle/>
+            <a:p>
+              <a:pPr marL="0" marR="0" lvl="0" indent="0" algn="l" rtl="0">
+                <a:spcBef>
+                  <a:spcPts val="0"/>
+                </a:spcBef>
+                <a:spcAft>
+                  <a:spcPts val="0"/>
+                </a:spcAft>
+                <a:buNone/>
+              </a:pPr>
+              <a:endParaRPr sz="1800">
+                <a:solidFill>
+                  <a:srgbClr val="000000"/>
+                </a:solidFill>
+                <a:latin typeface="Calibri"/>
+                <a:ea typeface="Calibri"/>
+                <a:cs typeface="Calibri"/>
+                <a:sym typeface="Calibri"/>
+              </a:endParaRPr>
+            </a:p>
+          </p:txBody>
+        </p:sp>
+        <p:sp>
+          <p:nvSpPr>
+            <p:cNvPr id="25" name="Google Shape;745;p34">
+              <a:extLst>
+                <a:ext uri="{FF2B5EF4-FFF2-40B4-BE49-F238E27FC236}">
+                  <a16:creationId xmlns:a16="http://schemas.microsoft.com/office/drawing/2014/main" id="{AC16ACCA-DF30-8C47-AD5C-E16E3E5594C8}"/>
+                </a:ext>
+              </a:extLst>
+            </p:cNvPr>
+            <p:cNvSpPr/>
+            <p:nvPr/>
+          </p:nvSpPr>
+          <p:spPr>
+            <a:xfrm>
+              <a:off x="1177450" y="3687086"/>
+              <a:ext cx="6172200" cy="76142"/>
+            </a:xfrm>
+            <a:custGeom>
+              <a:avLst/>
+              <a:gdLst/>
+              <a:ahLst/>
+              <a:cxnLst/>
+              <a:rect l="l" t="t" r="r" b="b"/>
+              <a:pathLst>
+                <a:path w="6172200" h="76142" extrusionOk="0">
+                  <a:moveTo>
+                    <a:pt x="0" y="76143"/>
+                  </a:moveTo>
+                  <a:lnTo>
+                    <a:pt x="6172200" y="76143"/>
+                  </a:lnTo>
+                  <a:lnTo>
+                    <a:pt x="6172200" y="0"/>
+                  </a:lnTo>
+                  <a:lnTo>
+                    <a:pt x="0" y="0"/>
+                  </a:lnTo>
+                  <a:close/>
+                </a:path>
+              </a:pathLst>
+            </a:custGeom>
+            <a:solidFill>
+              <a:schemeClr val="dk2"/>
+            </a:solidFill>
+            <a:ln>
+              <a:noFill/>
+            </a:ln>
+          </p:spPr>
+          <p:txBody>
+            <a:bodyPr spcFirstLastPara="1" wrap="square" lIns="91425" tIns="45700" rIns="91425" bIns="45700" anchor="ctr" anchorCtr="0">
+              <a:noAutofit/>
+            </a:bodyPr>
+            <a:lstStyle/>
+            <a:p>
+              <a:pPr marL="0" marR="0" lvl="0" indent="0" algn="l" rtl="0">
+                <a:spcBef>
+                  <a:spcPts val="0"/>
+                </a:spcBef>
+                <a:spcAft>
+                  <a:spcPts val="0"/>
+                </a:spcAft>
+                <a:buNone/>
+              </a:pPr>
+              <a:endParaRPr sz="1800">
+                <a:solidFill>
+                  <a:srgbClr val="000000"/>
+                </a:solidFill>
+                <a:latin typeface="Calibri"/>
+                <a:ea typeface="Calibri"/>
+                <a:cs typeface="Calibri"/>
+                <a:sym typeface="Calibri"/>
+              </a:endParaRPr>
+            </a:p>
+          </p:txBody>
+        </p:sp>
+        <p:sp>
+          <p:nvSpPr>
+            <p:cNvPr id="26" name="Google Shape;746;p34">
+              <a:extLst>
+                <a:ext uri="{FF2B5EF4-FFF2-40B4-BE49-F238E27FC236}">
+                  <a16:creationId xmlns:a16="http://schemas.microsoft.com/office/drawing/2014/main" id="{1196365B-409E-5142-8CD6-00607A4925FA}"/>
+                </a:ext>
+              </a:extLst>
+            </p:cNvPr>
+            <p:cNvSpPr/>
+            <p:nvPr/>
+          </p:nvSpPr>
+          <p:spPr>
+            <a:xfrm>
+              <a:off x="3806350" y="3687086"/>
+              <a:ext cx="903922" cy="47589"/>
+            </a:xfrm>
+            <a:custGeom>
+              <a:avLst/>
+              <a:gdLst/>
+              <a:ahLst/>
+              <a:cxnLst/>
+              <a:rect l="l" t="t" r="r" b="b"/>
+              <a:pathLst>
+                <a:path w="903922" h="47589" extrusionOk="0">
+                  <a:moveTo>
+                    <a:pt x="0" y="0"/>
+                  </a:moveTo>
+                  <a:cubicBezTo>
+                    <a:pt x="0" y="0"/>
+                    <a:pt x="26670" y="47589"/>
+                    <a:pt x="53340" y="47589"/>
+                  </a:cubicBezTo>
+                  <a:lnTo>
+                    <a:pt x="850582" y="47589"/>
+                  </a:lnTo>
+                  <a:cubicBezTo>
+                    <a:pt x="877253" y="47589"/>
+                    <a:pt x="903922" y="0"/>
+                    <a:pt x="903922" y="0"/>
+                  </a:cubicBezTo>
+                  <a:lnTo>
+                    <a:pt x="0" y="0"/>
+                  </a:lnTo>
+                  <a:close/>
+                </a:path>
+              </a:pathLst>
+            </a:custGeom>
+            <a:solidFill>
+              <a:srgbClr val="666666"/>
+            </a:solidFill>
+            <a:ln>
+              <a:noFill/>
+            </a:ln>
+          </p:spPr>
+          <p:txBody>
+            <a:bodyPr spcFirstLastPara="1" wrap="square" lIns="91425" tIns="45700" rIns="91425" bIns="45700" anchor="ctr" anchorCtr="0">
+              <a:noAutofit/>
+            </a:bodyPr>
+            <a:lstStyle/>
+            <a:p>
+              <a:pPr marL="0" marR="0" lvl="0" indent="0" algn="l" rtl="0">
+                <a:spcBef>
+                  <a:spcPts val="0"/>
+                </a:spcBef>
+                <a:spcAft>
+                  <a:spcPts val="0"/>
+                </a:spcAft>
+                <a:buNone/>
+              </a:pPr>
+              <a:endParaRPr sz="1800">
+                <a:solidFill>
+                  <a:srgbClr val="000000"/>
+                </a:solidFill>
+                <a:latin typeface="Calibri"/>
+                <a:ea typeface="Calibri"/>
+                <a:cs typeface="Calibri"/>
+                <a:sym typeface="Calibri"/>
+              </a:endParaRPr>
+            </a:p>
+          </p:txBody>
+        </p:sp>
       </p:grpSp>
       <p:sp>
         <p:nvSpPr>
